--- a/CSML-1010-Group 20-project milestone 1.pptx
+++ b/CSML-1010-Group 20-project milestone 1.pptx
@@ -5,7 +5,7 @@
     <p:sldMasterId id="2147483701" r:id="rId1"/>
   </p:sldMasterIdLst>
   <p:notesMasterIdLst>
-    <p:notesMasterId r:id="rId32"/>
+    <p:notesMasterId r:id="rId36"/>
   </p:notesMasterIdLst>
   <p:sldIdLst>
     <p:sldId id="256" r:id="rId2"/>
@@ -38,6 +38,10 @@
     <p:sldId id="281" r:id="rId29"/>
     <p:sldId id="284" r:id="rId30"/>
     <p:sldId id="285" r:id="rId31"/>
+    <p:sldId id="286" r:id="rId32"/>
+    <p:sldId id="287" r:id="rId33"/>
+    <p:sldId id="288" r:id="rId34"/>
+    <p:sldId id="289" r:id="rId35"/>
   </p:sldIdLst>
   <p:sldSz cx="12192000" cy="6858000"/>
   <p:notesSz cx="6858000" cy="9144000"/>
@@ -226,7 +230,7 @@
           <a:p>
             <a:fld id="{B85DE7F0-AE7F-4578-8460-8A4D1D5C07D1}" type="datetimeFigureOut">
               <a:rPr lang="en-CA" smtClean="0"/>
-              <a:t>2020-04-16</a:t>
+              <a:t>2020-04-17</a:t>
             </a:fld>
             <a:endParaRPr lang="en-CA"/>
           </a:p>
@@ -1239,7 +1243,7 @@
           <a:p>
             <a:fld id="{4CC73EE9-91A7-4958-93D0-37A53DFBBE96}" type="datetime1">
               <a:rPr lang="en-CA" smtClean="0"/>
-              <a:t>2020-04-16</a:t>
+              <a:t>2020-04-17</a:t>
             </a:fld>
             <a:endParaRPr lang="en-CA"/>
           </a:p>
@@ -1510,7 +1514,7 @@
           <a:p>
             <a:fld id="{C2BC94A3-977C-44D0-A555-1EDC4CEC8DC6}" type="datetime1">
               <a:rPr lang="en-CA" smtClean="0"/>
-              <a:t>2020-04-16</a:t>
+              <a:t>2020-04-17</a:t>
             </a:fld>
             <a:endParaRPr lang="en-CA"/>
           </a:p>
@@ -1824,7 +1828,7 @@
           <a:p>
             <a:fld id="{A31AF5F5-F52E-41B0-9592-B433E56CDC27}" type="datetime1">
               <a:rPr lang="en-CA" smtClean="0"/>
-              <a:t>2020-04-16</a:t>
+              <a:t>2020-04-17</a:t>
             </a:fld>
             <a:endParaRPr lang="en-CA"/>
           </a:p>
@@ -2157,7 +2161,7 @@
           <a:p>
             <a:fld id="{1FFADB20-F4C4-415E-B2EE-B1658CEF21B8}" type="datetime1">
               <a:rPr lang="en-CA" smtClean="0"/>
-              <a:t>2020-04-16</a:t>
+              <a:t>2020-04-17</a:t>
             </a:fld>
             <a:endParaRPr lang="en-CA"/>
           </a:p>
@@ -2471,7 +2475,7 @@
           <a:p>
             <a:fld id="{24DB65F3-A6BD-45D6-8ADF-C571A880EA13}" type="datetime1">
               <a:rPr lang="en-CA" smtClean="0"/>
-              <a:t>2020-04-16</a:t>
+              <a:t>2020-04-17</a:t>
             </a:fld>
             <a:endParaRPr lang="en-CA"/>
           </a:p>
@@ -2864,7 +2868,7 @@
           <a:p>
             <a:fld id="{03FAA9A4-3466-473A-B575-599BA286318F}" type="datetime1">
               <a:rPr lang="en-CA" smtClean="0"/>
-              <a:t>2020-04-16</a:t>
+              <a:t>2020-04-17</a:t>
             </a:fld>
             <a:endParaRPr lang="en-CA"/>
           </a:p>
@@ -3034,7 +3038,7 @@
           <a:p>
             <a:fld id="{85BE4A4B-00E7-45A4-B459-25C9DAC8EDFB}" type="datetime1">
               <a:rPr lang="en-CA" smtClean="0"/>
-              <a:t>2020-04-16</a:t>
+              <a:t>2020-04-17</a:t>
             </a:fld>
             <a:endParaRPr lang="en-CA"/>
           </a:p>
@@ -3214,7 +3218,7 @@
           <a:p>
             <a:fld id="{8038F087-A3E1-4D35-A658-2061BD73A05B}" type="datetime1">
               <a:rPr lang="en-CA" smtClean="0"/>
-              <a:t>2020-04-16</a:t>
+              <a:t>2020-04-17</a:t>
             </a:fld>
             <a:endParaRPr lang="en-CA"/>
           </a:p>
@@ -3390,7 +3394,7 @@
           <a:p>
             <a:fld id="{472D3EFD-47C4-42E0-938A-5576AF368778}" type="datetime1">
               <a:rPr lang="en-CA" smtClean="0"/>
-              <a:t>2020-04-16</a:t>
+              <a:t>2020-04-17</a:t>
             </a:fld>
             <a:endParaRPr lang="en-CA"/>
           </a:p>
@@ -3669,7 +3673,7 @@
           <a:p>
             <a:fld id="{161A650D-1E34-4C51-8FEE-6C62E9763540}" type="datetime1">
               <a:rPr lang="en-CA" smtClean="0"/>
-              <a:t>2020-04-16</a:t>
+              <a:t>2020-04-17</a:t>
             </a:fld>
             <a:endParaRPr lang="en-CA"/>
           </a:p>
@@ -3901,7 +3905,7 @@
           <a:p>
             <a:fld id="{2FDD4DF9-54F4-4B1F-883E-7DA5F4E55976}" type="datetime1">
               <a:rPr lang="en-CA" smtClean="0"/>
-              <a:t>2020-04-16</a:t>
+              <a:t>2020-04-17</a:t>
             </a:fld>
             <a:endParaRPr lang="en-CA"/>
           </a:p>
@@ -4275,7 +4279,7 @@
           <a:p>
             <a:fld id="{3198FCC9-7617-4900-BE5A-E28D68814A76}" type="datetime1">
               <a:rPr lang="en-CA" smtClean="0"/>
-              <a:t>2020-04-16</a:t>
+              <a:t>2020-04-17</a:t>
             </a:fld>
             <a:endParaRPr lang="en-CA"/>
           </a:p>
@@ -4398,7 +4402,7 @@
           <a:p>
             <a:fld id="{5299BB6D-FFD4-448E-988A-00D606BC18D1}" type="datetime1">
               <a:rPr lang="en-CA" smtClean="0"/>
-              <a:t>2020-04-16</a:t>
+              <a:t>2020-04-17</a:t>
             </a:fld>
             <a:endParaRPr lang="en-CA"/>
           </a:p>
@@ -4493,7 +4497,7 @@
           <a:p>
             <a:fld id="{85760082-4D84-4F6B-80E4-6E9242F55194}" type="datetime1">
               <a:rPr lang="en-CA" smtClean="0"/>
-              <a:t>2020-04-16</a:t>
+              <a:t>2020-04-17</a:t>
             </a:fld>
             <a:endParaRPr lang="en-CA"/>
           </a:p>
@@ -4748,7 +4752,7 @@
           <a:p>
             <a:fld id="{4B6DAC70-F10C-4F2C-88E2-897E0B50CA10}" type="datetime1">
               <a:rPr lang="en-CA" smtClean="0"/>
-              <a:t>2020-04-16</a:t>
+              <a:t>2020-04-17</a:t>
             </a:fld>
             <a:endParaRPr lang="en-CA"/>
           </a:p>
@@ -5053,7 +5057,7 @@
           <a:p>
             <a:fld id="{15300159-0FDF-4A0D-A9FF-EFBD2FB35418}" type="datetime1">
               <a:rPr lang="en-CA" smtClean="0"/>
-              <a:t>2020-04-16</a:t>
+              <a:t>2020-04-17</a:t>
             </a:fld>
             <a:endParaRPr lang="en-CA"/>
           </a:p>
@@ -5755,7 +5759,7 @@
           <a:p>
             <a:fld id="{1CAC4B2A-ADF1-4AA0-B601-CA7BC98B188E}" type="datetime1">
               <a:rPr lang="en-CA" smtClean="0"/>
-              <a:t>2020-04-16</a:t>
+              <a:t>2020-04-17</a:t>
             </a:fld>
             <a:endParaRPr lang="en-CA"/>
           </a:p>
@@ -6414,7 +6418,7 @@
 </file>
 
 <file path=ppt/slides/slide10.xml><?xml version="1.0" encoding="utf-8"?>
-<p:sld xmlns:a="http://schemas.openxmlformats.org/drawingml/2006/main" xmlns:r="http://schemas.openxmlformats.org/officeDocument/2006/relationships" xmlns:p="http://schemas.openxmlformats.org/presentationml/2006/main">
+<p:sld xmlns:a="http://schemas.openxmlformats.org/drawingml/2006/main" xmlns:r="http://schemas.openxmlformats.org/officeDocument/2006/relationships" xmlns:p="http://schemas.openxmlformats.org/presentationml/2006/main" show="0">
   <p:cSld>
     <p:spTree>
       <p:nvGrpSpPr>
@@ -6660,7 +6664,7 @@
 </file>
 
 <file path=ppt/slides/slide11.xml><?xml version="1.0" encoding="utf-8"?>
-<p:sld xmlns:a="http://schemas.openxmlformats.org/drawingml/2006/main" xmlns:r="http://schemas.openxmlformats.org/officeDocument/2006/relationships" xmlns:p="http://schemas.openxmlformats.org/presentationml/2006/main">
+<p:sld xmlns:a="http://schemas.openxmlformats.org/drawingml/2006/main" xmlns:r="http://schemas.openxmlformats.org/officeDocument/2006/relationships" xmlns:p="http://schemas.openxmlformats.org/presentationml/2006/main" show="0">
   <p:cSld>
     <p:spTree>
       <p:nvGrpSpPr>
@@ -15541,7 +15545,7 @@
 </file>
 
 <file path=ppt/slides/slide3.xml><?xml version="1.0" encoding="utf-8"?>
-<p:sld xmlns:a="http://schemas.openxmlformats.org/drawingml/2006/main" xmlns:r="http://schemas.openxmlformats.org/officeDocument/2006/relationships" xmlns:p="http://schemas.openxmlformats.org/presentationml/2006/main">
+<p:sld xmlns:a="http://schemas.openxmlformats.org/drawingml/2006/main" xmlns:r="http://schemas.openxmlformats.org/officeDocument/2006/relationships" xmlns:p="http://schemas.openxmlformats.org/presentationml/2006/main" show="0">
   <p:cSld>
     <p:spTree>
       <p:nvGrpSpPr>
@@ -15823,7 +15827,7 @@
               <a:rPr lang="en-CA" dirty="0">
                 <a:latin typeface="Tw Cen MT" panose="020B0602020104020603" pitchFamily="34" charset="0"/>
               </a:rPr>
-              <a:t>MODELLING – SVM (Cont’d)</a:t>
+              <a:t>SVM MODEL RESULTS</a:t>
             </a:r>
           </a:p>
         </p:txBody>
@@ -15939,42 +15943,196 @@
           </a:p>
         </p:txBody>
       </p:sp>
-      <p:pic>
-        <p:nvPicPr>
-          <p:cNvPr id="8" name="Picture 7">
+      <p:grpSp>
+        <p:nvGrpSpPr>
+          <p:cNvPr id="27" name="Group 26">
             <a:extLst>
               <a:ext uri="{FF2B5EF4-FFF2-40B4-BE49-F238E27FC236}">
-                <a16:creationId xmlns:a16="http://schemas.microsoft.com/office/drawing/2014/main" id="{C412A103-5564-4CFA-A663-4E6D0B88CDC6}"/>
+                <a16:creationId xmlns:a16="http://schemas.microsoft.com/office/drawing/2014/main" id="{6959719E-B826-478E-A9C9-0F6FC2AFD4DB}"/>
               </a:ext>
             </a:extLst>
           </p:cNvPr>
-          <p:cNvPicPr>
-            <a:picLocks noChangeAspect="1"/>
-          </p:cNvPicPr>
+          <p:cNvGrpSpPr/>
           <p:nvPr/>
-        </p:nvPicPr>
-        <p:blipFill>
-          <a:blip r:embed="rId3">
-            <a:extLst>
-              <a:ext uri="{28A0092B-C50C-407E-A947-70E740481C1C}">
-                <a14:useLocalDpi xmlns:a14="http://schemas.microsoft.com/office/drawing/2010/main" val="0"/>
-              </a:ext>
-            </a:extLst>
-          </a:blip>
-          <a:stretch>
-            <a:fillRect/>
-          </a:stretch>
-        </p:blipFill>
-        <p:spPr>
+        </p:nvGrpSpPr>
+        <p:grpSpPr>
           <a:xfrm>
-            <a:off x="677334" y="1252706"/>
-            <a:ext cx="7800317" cy="5153781"/>
+            <a:off x="425171" y="1781445"/>
+            <a:ext cx="4575421" cy="3286306"/>
+            <a:chOff x="264912" y="1781445"/>
+            <a:chExt cx="4575421" cy="3286306"/>
           </a:xfrm>
-          <a:prstGeom prst="rect">
-            <a:avLst/>
-          </a:prstGeom>
-        </p:spPr>
-      </p:pic>
+        </p:grpSpPr>
+        <p:pic>
+          <p:nvPicPr>
+            <p:cNvPr id="24" name="Picture 23">
+              <a:extLst>
+                <a:ext uri="{FF2B5EF4-FFF2-40B4-BE49-F238E27FC236}">
+                  <a16:creationId xmlns:a16="http://schemas.microsoft.com/office/drawing/2014/main" id="{E0A50440-FF92-4F5A-9897-D218DA1E28E9}"/>
+                </a:ext>
+              </a:extLst>
+            </p:cNvPr>
+            <p:cNvPicPr>
+              <a:picLocks noChangeAspect="1"/>
+            </p:cNvPicPr>
+            <p:nvPr/>
+          </p:nvPicPr>
+          <p:blipFill>
+            <a:blip r:embed="rId3">
+              <a:extLst>
+                <a:ext uri="{28A0092B-C50C-407E-A947-70E740481C1C}">
+                  <a14:useLocalDpi xmlns:a14="http://schemas.microsoft.com/office/drawing/2010/main" val="0"/>
+                </a:ext>
+              </a:extLst>
+            </a:blip>
+            <a:stretch>
+              <a:fillRect/>
+            </a:stretch>
+          </p:blipFill>
+          <p:spPr>
+            <a:xfrm>
+              <a:off x="264912" y="1781445"/>
+              <a:ext cx="4575421" cy="3023046"/>
+            </a:xfrm>
+            <a:prstGeom prst="rect">
+              <a:avLst/>
+            </a:prstGeom>
+          </p:spPr>
+        </p:pic>
+        <p:sp>
+          <p:nvSpPr>
+            <p:cNvPr id="25" name="TextBox 24">
+              <a:extLst>
+                <a:ext uri="{FF2B5EF4-FFF2-40B4-BE49-F238E27FC236}">
+                  <a16:creationId xmlns:a16="http://schemas.microsoft.com/office/drawing/2014/main" id="{9D54AD4C-1BB2-4865-915C-D9996B2ACC09}"/>
+                </a:ext>
+              </a:extLst>
+            </p:cNvPr>
+            <p:cNvSpPr txBox="1"/>
+            <p:nvPr/>
+          </p:nvSpPr>
+          <p:spPr>
+            <a:xfrm>
+              <a:off x="591847" y="4698419"/>
+              <a:ext cx="3921550" cy="369332"/>
+            </a:xfrm>
+            <a:prstGeom prst="rect">
+              <a:avLst/>
+            </a:prstGeom>
+            <a:noFill/>
+          </p:spPr>
+          <p:txBody>
+            <a:bodyPr wrap="square" rtlCol="0">
+              <a:spAutoFit/>
+            </a:bodyPr>
+            <a:lstStyle/>
+            <a:p>
+              <a:pPr algn="ctr"/>
+              <a:r>
+                <a:rPr lang="en-CA" u="sng" dirty="0">
+                  <a:latin typeface="Tw Cen MT" panose="020B0602020104020603" pitchFamily="34" charset="0"/>
+                </a:rPr>
+                <a:t>Precision Recall, CV Unigrams</a:t>
+              </a:r>
+            </a:p>
+          </p:txBody>
+        </p:sp>
+      </p:grpSp>
+      <p:grpSp>
+        <p:nvGrpSpPr>
+          <p:cNvPr id="28" name="Group 27">
+            <a:extLst>
+              <a:ext uri="{FF2B5EF4-FFF2-40B4-BE49-F238E27FC236}">
+                <a16:creationId xmlns:a16="http://schemas.microsoft.com/office/drawing/2014/main" id="{D603B2D2-2C91-4F2B-A24B-9CFEA6BE980C}"/>
+              </a:ext>
+            </a:extLst>
+          </p:cNvPr>
+          <p:cNvGrpSpPr/>
+          <p:nvPr/>
+        </p:nvGrpSpPr>
+        <p:grpSpPr>
+          <a:xfrm>
+            <a:off x="5117970" y="1781445"/>
+            <a:ext cx="4763340" cy="3286306"/>
+            <a:chOff x="5117970" y="1781445"/>
+            <a:chExt cx="4763340" cy="3286306"/>
+          </a:xfrm>
+        </p:grpSpPr>
+        <p:pic>
+          <p:nvPicPr>
+            <p:cNvPr id="22" name="Picture 21">
+              <a:extLst>
+                <a:ext uri="{FF2B5EF4-FFF2-40B4-BE49-F238E27FC236}">
+                  <a16:creationId xmlns:a16="http://schemas.microsoft.com/office/drawing/2014/main" id="{ADC05463-3E68-4DD4-A6C6-DDA0C1317A80}"/>
+                </a:ext>
+              </a:extLst>
+            </p:cNvPr>
+            <p:cNvPicPr>
+              <a:picLocks noChangeAspect="1"/>
+            </p:cNvPicPr>
+            <p:nvPr/>
+          </p:nvPicPr>
+          <p:blipFill>
+            <a:blip r:embed="rId4">
+              <a:extLst>
+                <a:ext uri="{28A0092B-C50C-407E-A947-70E740481C1C}">
+                  <a14:useLocalDpi xmlns:a14="http://schemas.microsoft.com/office/drawing/2010/main" val="0"/>
+                </a:ext>
+              </a:extLst>
+            </a:blip>
+            <a:stretch>
+              <a:fillRect/>
+            </a:stretch>
+          </p:blipFill>
+          <p:spPr>
+            <a:xfrm>
+              <a:off x="5117970" y="1781445"/>
+              <a:ext cx="4763340" cy="3023046"/>
+            </a:xfrm>
+            <a:prstGeom prst="rect">
+              <a:avLst/>
+            </a:prstGeom>
+          </p:spPr>
+        </p:pic>
+        <p:sp>
+          <p:nvSpPr>
+            <p:cNvPr id="26" name="TextBox 25">
+              <a:extLst>
+                <a:ext uri="{FF2B5EF4-FFF2-40B4-BE49-F238E27FC236}">
+                  <a16:creationId xmlns:a16="http://schemas.microsoft.com/office/drawing/2014/main" id="{8813AB88-CAC6-437A-8ABB-2EF2185111EA}"/>
+                </a:ext>
+              </a:extLst>
+            </p:cNvPr>
+            <p:cNvSpPr txBox="1"/>
+            <p:nvPr/>
+          </p:nvSpPr>
+          <p:spPr>
+            <a:xfrm>
+              <a:off x="5538865" y="4698419"/>
+              <a:ext cx="3921550" cy="369332"/>
+            </a:xfrm>
+            <a:prstGeom prst="rect">
+              <a:avLst/>
+            </a:prstGeom>
+            <a:noFill/>
+          </p:spPr>
+          <p:txBody>
+            <a:bodyPr wrap="square" rtlCol="0">
+              <a:spAutoFit/>
+            </a:bodyPr>
+            <a:lstStyle/>
+            <a:p>
+              <a:pPr algn="ctr"/>
+              <a:r>
+                <a:rPr lang="en-CA" u="sng" dirty="0">
+                  <a:latin typeface="Tw Cen MT" panose="020B0602020104020603" pitchFamily="34" charset="0"/>
+                </a:rPr>
+                <a:t>Precision Recall, TF/IDF Unigrams</a:t>
+              </a:r>
+            </a:p>
+          </p:txBody>
+        </p:sp>
+      </p:grpSp>
     </p:spTree>
     <p:extLst>
       <p:ext uri="{BB962C8B-B14F-4D97-AF65-F5344CB8AC3E}">
@@ -15988,7 +16146,7 @@
 </p:sld>
 </file>
 
-<file path=ppt/slides/slide4.xml><?xml version="1.0" encoding="utf-8"?>
+<file path=ppt/slides/slide31.xml><?xml version="1.0" encoding="utf-8"?>
 <p:sld xmlns:a="http://schemas.openxmlformats.org/drawingml/2006/main" xmlns:r="http://schemas.openxmlformats.org/officeDocument/2006/relationships" xmlns:p="http://schemas.openxmlformats.org/presentationml/2006/main">
   <p:cSld>
     <p:spTree>
@@ -16037,7 +16195,7 @@
               <a:rPr lang="en-CA" dirty="0">
                 <a:latin typeface="Tw Cen MT" panose="020B0602020104020603" pitchFamily="34" charset="0"/>
               </a:rPr>
-              <a:t>FEATURE ENGINEERING &amp; MODELS - PLAN</a:t>
+              <a:t>SVM MODEL RESULTS (Cont’d)</a:t>
             </a:r>
           </a:p>
         </p:txBody>
@@ -16070,108 +16228,15 @@
           </a:bodyPr>
           <a:lstStyle/>
           <a:p>
-            <a:r>
-              <a:rPr lang="en-CA" sz="2400" dirty="0">
-                <a:latin typeface="Tw Cen MT" panose="020B0602020104020603" pitchFamily="34" charset="0"/>
-              </a:rPr>
-              <a:t>We will perform feature engineering using the following methods</a:t>
-            </a:r>
-          </a:p>
-          <a:p>
-            <a:pPr lvl="1"/>
-            <a:r>
-              <a:rPr lang="en-CA" sz="2400" dirty="0">
-                <a:latin typeface="Tw Cen MT" panose="020B0602020104020603" pitchFamily="34" charset="0"/>
-              </a:rPr>
-              <a:t>Bag of words</a:t>
-            </a:r>
-          </a:p>
-          <a:p>
-            <a:pPr lvl="1"/>
-            <a:r>
-              <a:rPr lang="en-CA" sz="2400" dirty="0">
-                <a:latin typeface="Tw Cen MT" panose="020B0602020104020603" pitchFamily="34" charset="0"/>
-              </a:rPr>
-              <a:t>Bag of n-grams</a:t>
-            </a:r>
-          </a:p>
-          <a:p>
-            <a:pPr lvl="1"/>
-            <a:r>
-              <a:rPr lang="en-CA" sz="2400" dirty="0" err="1">
-                <a:latin typeface="Tw Cen MT" panose="020B0602020104020603" pitchFamily="34" charset="0"/>
-              </a:rPr>
-              <a:t>Tfidf</a:t>
-            </a:r>
-            <a:endParaRPr lang="en-CA" sz="2400" dirty="0">
-              <a:latin typeface="Tw Cen MT" panose="020B0602020104020603" pitchFamily="34" charset="0"/>
-            </a:endParaRPr>
-          </a:p>
-          <a:p>
-            <a:pPr lvl="1"/>
-            <a:r>
-              <a:rPr lang="en-CA" sz="2400" dirty="0">
-                <a:latin typeface="Tw Cen MT" panose="020B0602020104020603" pitchFamily="34" charset="0"/>
-              </a:rPr>
-              <a:t>Glove</a:t>
-            </a:r>
-          </a:p>
-          <a:p>
-            <a:endParaRPr lang="en-CA" sz="2400" dirty="0">
-              <a:latin typeface="Tw Cen MT" panose="020B0602020104020603" pitchFamily="34" charset="0"/>
-            </a:endParaRPr>
-          </a:p>
-          <a:p>
-            <a:r>
-              <a:rPr lang="en-CA" sz="2400" dirty="0">
-                <a:latin typeface="Tw Cen MT" panose="020B0602020104020603" pitchFamily="34" charset="0"/>
-              </a:rPr>
-              <a:t>We will use the following models to perform classification</a:t>
-            </a:r>
-          </a:p>
-          <a:p>
-            <a:pPr lvl="1"/>
-            <a:r>
-              <a:rPr lang="en-CA" sz="2400" dirty="0">
-                <a:latin typeface="Tw Cen MT" panose="020B0602020104020603" pitchFamily="34" charset="0"/>
-              </a:rPr>
-              <a:t>Logistic regression</a:t>
-            </a:r>
-          </a:p>
-          <a:p>
-            <a:pPr lvl="1"/>
-            <a:r>
-              <a:rPr lang="en-CA" sz="2400" dirty="0">
-                <a:latin typeface="Tw Cen MT" panose="020B0602020104020603" pitchFamily="34" charset="0"/>
-              </a:rPr>
-              <a:t>Decision trees</a:t>
-            </a:r>
-          </a:p>
-          <a:p>
-            <a:pPr lvl="1"/>
-            <a:r>
-              <a:rPr lang="en-CA" sz="2400" dirty="0">
-                <a:latin typeface="Tw Cen MT" panose="020B0602020104020603" pitchFamily="34" charset="0"/>
-              </a:rPr>
-              <a:t>SVM</a:t>
-            </a:r>
-          </a:p>
-          <a:p>
-            <a:pPr lvl="1"/>
-            <a:r>
-              <a:rPr lang="en-CA" sz="2400" dirty="0">
-                <a:latin typeface="Tw Cen MT" panose="020B0602020104020603" pitchFamily="34" charset="0"/>
-              </a:rPr>
-              <a:t>Naive Bayes</a:t>
-            </a:r>
-          </a:p>
-          <a:p>
             <a:pPr marL="0" indent="0">
               <a:buNone/>
             </a:pPr>
-            <a:endParaRPr lang="en-US" sz="2400" dirty="0">
-              <a:latin typeface="Tw Cen MT" panose="020B0602020104020603" pitchFamily="34" charset="0"/>
-            </a:endParaRPr>
+            <a:r>
+              <a:rPr lang="en-US" sz="2400" dirty="0">
+                <a:latin typeface="Tw Cen MT" panose="020B0602020104020603" pitchFamily="34" charset="0"/>
+              </a:rPr>
+              <a:t> </a:t>
+            </a:r>
           </a:p>
           <a:p>
             <a:endParaRPr lang="en-US" sz="2400" dirty="0">
@@ -16221,6 +16286,1707 @@
           <p:cNvPr id="4" name="Slide Number Placeholder 3">
             <a:extLst>
               <a:ext uri="{FF2B5EF4-FFF2-40B4-BE49-F238E27FC236}">
+                <a16:creationId xmlns:a16="http://schemas.microsoft.com/office/drawing/2014/main" id="{1CAB8914-5F21-4646-AF50-3B5775EA692A}"/>
+              </a:ext>
+            </a:extLst>
+          </p:cNvPr>
+          <p:cNvSpPr>
+            <a:spLocks noGrp="1"/>
+          </p:cNvSpPr>
+          <p:nvPr>
+            <p:ph type="sldNum" sz="quarter" idx="12"/>
+          </p:nvPr>
+        </p:nvSpPr>
+        <p:spPr/>
+        <p:txBody>
+          <a:bodyPr/>
+          <a:lstStyle/>
+          <a:p>
+            <a:fld id="{0540F40C-19D0-4AE1-B3AF-4A4F01D6E71D}" type="slidenum">
+              <a:rPr lang="en-CA" smtClean="0"/>
+              <a:pPr/>
+              <a:t>31</a:t>
+            </a:fld>
+            <a:endParaRPr lang="en-CA"/>
+          </a:p>
+        </p:txBody>
+      </p:sp>
+      <p:sp>
+        <p:nvSpPr>
+          <p:cNvPr id="25" name="TextBox 24">
+            <a:extLst>
+              <a:ext uri="{FF2B5EF4-FFF2-40B4-BE49-F238E27FC236}">
+                <a16:creationId xmlns:a16="http://schemas.microsoft.com/office/drawing/2014/main" id="{9D54AD4C-1BB2-4865-915C-D9996B2ACC09}"/>
+              </a:ext>
+            </a:extLst>
+          </p:cNvPr>
+          <p:cNvSpPr txBox="1"/>
+          <p:nvPr/>
+        </p:nvSpPr>
+        <p:spPr>
+          <a:xfrm>
+            <a:off x="591847" y="4698419"/>
+            <a:ext cx="3921550" cy="369332"/>
+          </a:xfrm>
+          <a:prstGeom prst="rect">
+            <a:avLst/>
+          </a:prstGeom>
+          <a:noFill/>
+        </p:spPr>
+        <p:txBody>
+          <a:bodyPr wrap="square" rtlCol="0">
+            <a:spAutoFit/>
+          </a:bodyPr>
+          <a:lstStyle/>
+          <a:p>
+            <a:pPr algn="ctr"/>
+            <a:r>
+              <a:rPr lang="en-CA" u="sng" dirty="0">
+                <a:latin typeface="Tw Cen MT" panose="020B0602020104020603" pitchFamily="34" charset="0"/>
+              </a:rPr>
+              <a:t>Precision Recall, CV N-grams</a:t>
+            </a:r>
+          </a:p>
+        </p:txBody>
+      </p:sp>
+      <p:sp>
+        <p:nvSpPr>
+          <p:cNvPr id="26" name="TextBox 25">
+            <a:extLst>
+              <a:ext uri="{FF2B5EF4-FFF2-40B4-BE49-F238E27FC236}">
+                <a16:creationId xmlns:a16="http://schemas.microsoft.com/office/drawing/2014/main" id="{8813AB88-CAC6-437A-8ABB-2EF2185111EA}"/>
+              </a:ext>
+            </a:extLst>
+          </p:cNvPr>
+          <p:cNvSpPr txBox="1"/>
+          <p:nvPr/>
+        </p:nvSpPr>
+        <p:spPr>
+          <a:xfrm>
+            <a:off x="5538865" y="4698419"/>
+            <a:ext cx="3921550" cy="369332"/>
+          </a:xfrm>
+          <a:prstGeom prst="rect">
+            <a:avLst/>
+          </a:prstGeom>
+          <a:noFill/>
+        </p:spPr>
+        <p:txBody>
+          <a:bodyPr wrap="square" rtlCol="0">
+            <a:spAutoFit/>
+          </a:bodyPr>
+          <a:lstStyle/>
+          <a:p>
+            <a:pPr algn="ctr"/>
+            <a:r>
+              <a:rPr lang="en-CA" u="sng" dirty="0">
+                <a:latin typeface="Tw Cen MT" panose="020B0602020104020603" pitchFamily="34" charset="0"/>
+              </a:rPr>
+              <a:t>Precision Recall, TF/IDF N-grams</a:t>
+            </a:r>
+          </a:p>
+        </p:txBody>
+      </p:sp>
+      <p:pic>
+        <p:nvPicPr>
+          <p:cNvPr id="7" name="Picture 6">
+            <a:extLst>
+              <a:ext uri="{FF2B5EF4-FFF2-40B4-BE49-F238E27FC236}">
+                <a16:creationId xmlns:a16="http://schemas.microsoft.com/office/drawing/2014/main" id="{C94EF066-A6DE-4905-AFF9-9436BA85A22B}"/>
+              </a:ext>
+            </a:extLst>
+          </p:cNvPr>
+          <p:cNvPicPr>
+            <a:picLocks noChangeAspect="1"/>
+          </p:cNvPicPr>
+          <p:nvPr/>
+        </p:nvPicPr>
+        <p:blipFill>
+          <a:blip r:embed="rId3">
+            <a:extLst>
+              <a:ext uri="{28A0092B-C50C-407E-A947-70E740481C1C}">
+                <a14:useLocalDpi xmlns:a14="http://schemas.microsoft.com/office/drawing/2010/main" val="0"/>
+              </a:ext>
+            </a:extLst>
+          </a:blip>
+          <a:stretch>
+            <a:fillRect/>
+          </a:stretch>
+        </p:blipFill>
+        <p:spPr>
+          <a:xfrm>
+            <a:off x="356673" y="1781444"/>
+            <a:ext cx="4763341" cy="3023047"/>
+          </a:xfrm>
+          <a:prstGeom prst="rect">
+            <a:avLst/>
+          </a:prstGeom>
+        </p:spPr>
+      </p:pic>
+      <p:pic>
+        <p:nvPicPr>
+          <p:cNvPr id="9" name="Picture 8">
+            <a:extLst>
+              <a:ext uri="{FF2B5EF4-FFF2-40B4-BE49-F238E27FC236}">
+                <a16:creationId xmlns:a16="http://schemas.microsoft.com/office/drawing/2014/main" id="{78815C7B-CF4B-4F87-9228-78EBE1EE5435}"/>
+              </a:ext>
+            </a:extLst>
+          </p:cNvPr>
+          <p:cNvPicPr>
+            <a:picLocks noChangeAspect="1"/>
+          </p:cNvPicPr>
+          <p:nvPr/>
+        </p:nvPicPr>
+        <p:blipFill>
+          <a:blip r:embed="rId4">
+            <a:extLst>
+              <a:ext uri="{28A0092B-C50C-407E-A947-70E740481C1C}">
+                <a14:useLocalDpi xmlns:a14="http://schemas.microsoft.com/office/drawing/2010/main" val="0"/>
+              </a:ext>
+            </a:extLst>
+          </a:blip>
+          <a:stretch>
+            <a:fillRect/>
+          </a:stretch>
+        </p:blipFill>
+        <p:spPr>
+          <a:xfrm>
+            <a:off x="5117970" y="1781444"/>
+            <a:ext cx="4763340" cy="3023046"/>
+          </a:xfrm>
+          <a:prstGeom prst="rect">
+            <a:avLst/>
+          </a:prstGeom>
+        </p:spPr>
+      </p:pic>
+    </p:spTree>
+    <p:extLst>
+      <p:ext uri="{BB962C8B-B14F-4D97-AF65-F5344CB8AC3E}">
+        <p14:creationId xmlns:p14="http://schemas.microsoft.com/office/powerpoint/2010/main" val="2478524609"/>
+      </p:ext>
+    </p:extLst>
+  </p:cSld>
+  <p:clrMapOvr>
+    <a:masterClrMapping/>
+  </p:clrMapOvr>
+</p:sld>
+</file>
+
+<file path=ppt/slides/slide32.xml><?xml version="1.0" encoding="utf-8"?>
+<p:sld xmlns:a="http://schemas.openxmlformats.org/drawingml/2006/main" xmlns:r="http://schemas.openxmlformats.org/officeDocument/2006/relationships" xmlns:p="http://schemas.openxmlformats.org/presentationml/2006/main">
+  <p:cSld>
+    <p:spTree>
+      <p:nvGrpSpPr>
+        <p:cNvPr id="1" name=""/>
+        <p:cNvGrpSpPr/>
+        <p:nvPr/>
+      </p:nvGrpSpPr>
+      <p:grpSpPr>
+        <a:xfrm>
+          <a:off x="0" y="0"/>
+          <a:ext cx="0" cy="0"/>
+          <a:chOff x="0" y="0"/>
+          <a:chExt cx="0" cy="0"/>
+        </a:xfrm>
+      </p:grpSpPr>
+      <p:sp>
+        <p:nvSpPr>
+          <p:cNvPr id="2" name="Title 1">
+            <a:extLst>
+              <a:ext uri="{FF2B5EF4-FFF2-40B4-BE49-F238E27FC236}">
+                <a16:creationId xmlns:a16="http://schemas.microsoft.com/office/drawing/2014/main" id="{EA589DF6-D5DE-4CF4-8016-035CD759DB88}"/>
+              </a:ext>
+            </a:extLst>
+          </p:cNvPr>
+          <p:cNvSpPr>
+            <a:spLocks noGrp="1"/>
+          </p:cNvSpPr>
+          <p:nvPr>
+            <p:ph type="title"/>
+          </p:nvPr>
+        </p:nvSpPr>
+        <p:spPr>
+          <a:xfrm>
+            <a:off x="677334" y="247887"/>
+            <a:ext cx="9711004" cy="568751"/>
+          </a:xfrm>
+        </p:spPr>
+        <p:txBody>
+          <a:bodyPr>
+            <a:normAutofit fontScale="90000"/>
+          </a:bodyPr>
+          <a:lstStyle/>
+          <a:p>
+            <a:r>
+              <a:rPr lang="en-CA" dirty="0">
+                <a:latin typeface="Tw Cen MT" panose="020B0602020104020603" pitchFamily="34" charset="0"/>
+              </a:rPr>
+              <a:t>SVM MODEL RESULTS (Cont’d)</a:t>
+            </a:r>
+          </a:p>
+        </p:txBody>
+      </p:sp>
+      <p:sp>
+        <p:nvSpPr>
+          <p:cNvPr id="3" name="Content Placeholder 2">
+            <a:extLst>
+              <a:ext uri="{FF2B5EF4-FFF2-40B4-BE49-F238E27FC236}">
+                <a16:creationId xmlns:a16="http://schemas.microsoft.com/office/drawing/2014/main" id="{9864056A-5D51-4C12-9F12-E255804EFC9A}"/>
+              </a:ext>
+            </a:extLst>
+          </p:cNvPr>
+          <p:cNvSpPr>
+            <a:spLocks noGrp="1"/>
+          </p:cNvSpPr>
+          <p:nvPr>
+            <p:ph idx="1"/>
+          </p:nvPr>
+        </p:nvSpPr>
+        <p:spPr>
+          <a:xfrm>
+            <a:off x="480767" y="816638"/>
+            <a:ext cx="8917757" cy="5932953"/>
+          </a:xfrm>
+        </p:spPr>
+        <p:txBody>
+          <a:bodyPr>
+            <a:noAutofit/>
+          </a:bodyPr>
+          <a:lstStyle/>
+          <a:p>
+            <a:pPr marL="0" indent="0">
+              <a:buNone/>
+            </a:pPr>
+            <a:r>
+              <a:rPr lang="en-US" sz="2400" dirty="0">
+                <a:latin typeface="Tw Cen MT" panose="020B0602020104020603" pitchFamily="34" charset="0"/>
+              </a:rPr>
+              <a:t> </a:t>
+            </a:r>
+          </a:p>
+          <a:p>
+            <a:endParaRPr lang="en-US" sz="2400" dirty="0">
+              <a:latin typeface="Tw Cen MT" panose="020B0602020104020603" pitchFamily="34" charset="0"/>
+            </a:endParaRPr>
+          </a:p>
+        </p:txBody>
+      </p:sp>
+      <p:pic>
+        <p:nvPicPr>
+          <p:cNvPr id="5" name="Picture 4">
+            <a:extLst>
+              <a:ext uri="{FF2B5EF4-FFF2-40B4-BE49-F238E27FC236}">
+                <a16:creationId xmlns:a16="http://schemas.microsoft.com/office/drawing/2014/main" id="{506193B0-D684-41FB-9EE5-3A2300775B91}"/>
+              </a:ext>
+            </a:extLst>
+          </p:cNvPr>
+          <p:cNvPicPr>
+            <a:picLocks noChangeAspect="1"/>
+          </p:cNvPicPr>
+          <p:nvPr/>
+        </p:nvPicPr>
+        <p:blipFill>
+          <a:blip r:embed="rId2">
+            <a:extLst>
+              <a:ext uri="{28A0092B-C50C-407E-A947-70E740481C1C}">
+                <a14:useLocalDpi xmlns:a14="http://schemas.microsoft.com/office/drawing/2010/main" val="0"/>
+              </a:ext>
+            </a:extLst>
+          </a:blip>
+          <a:stretch>
+            <a:fillRect/>
+          </a:stretch>
+        </p:blipFill>
+        <p:spPr>
+          <a:xfrm>
+            <a:off x="9534428" y="5901274"/>
+            <a:ext cx="2657572" cy="956726"/>
+          </a:xfrm>
+          <a:prstGeom prst="rect">
+            <a:avLst/>
+          </a:prstGeom>
+        </p:spPr>
+      </p:pic>
+      <p:sp>
+        <p:nvSpPr>
+          <p:cNvPr id="4" name="Slide Number Placeholder 3">
+            <a:extLst>
+              <a:ext uri="{FF2B5EF4-FFF2-40B4-BE49-F238E27FC236}">
+                <a16:creationId xmlns:a16="http://schemas.microsoft.com/office/drawing/2014/main" id="{1CAB8914-5F21-4646-AF50-3B5775EA692A}"/>
+              </a:ext>
+            </a:extLst>
+          </p:cNvPr>
+          <p:cNvSpPr>
+            <a:spLocks noGrp="1"/>
+          </p:cNvSpPr>
+          <p:nvPr>
+            <p:ph type="sldNum" sz="quarter" idx="12"/>
+          </p:nvPr>
+        </p:nvSpPr>
+        <p:spPr/>
+        <p:txBody>
+          <a:bodyPr/>
+          <a:lstStyle/>
+          <a:p>
+            <a:fld id="{0540F40C-19D0-4AE1-B3AF-4A4F01D6E71D}" type="slidenum">
+              <a:rPr lang="en-CA" smtClean="0"/>
+              <a:pPr/>
+              <a:t>32</a:t>
+            </a:fld>
+            <a:endParaRPr lang="en-CA"/>
+          </a:p>
+        </p:txBody>
+      </p:sp>
+      <p:sp>
+        <p:nvSpPr>
+          <p:cNvPr id="25" name="TextBox 24">
+            <a:extLst>
+              <a:ext uri="{FF2B5EF4-FFF2-40B4-BE49-F238E27FC236}">
+                <a16:creationId xmlns:a16="http://schemas.microsoft.com/office/drawing/2014/main" id="{9D54AD4C-1BB2-4865-915C-D9996B2ACC09}"/>
+              </a:ext>
+            </a:extLst>
+          </p:cNvPr>
+          <p:cNvSpPr txBox="1"/>
+          <p:nvPr/>
+        </p:nvSpPr>
+        <p:spPr>
+          <a:xfrm>
+            <a:off x="591847" y="4698419"/>
+            <a:ext cx="3921550" cy="369332"/>
+          </a:xfrm>
+          <a:prstGeom prst="rect">
+            <a:avLst/>
+          </a:prstGeom>
+          <a:noFill/>
+        </p:spPr>
+        <p:txBody>
+          <a:bodyPr wrap="square" rtlCol="0">
+            <a:spAutoFit/>
+          </a:bodyPr>
+          <a:lstStyle/>
+          <a:p>
+            <a:pPr algn="ctr"/>
+            <a:r>
+              <a:rPr lang="en-CA" u="sng" dirty="0">
+                <a:latin typeface="Tw Cen MT" panose="020B0602020104020603" pitchFamily="34" charset="0"/>
+              </a:rPr>
+              <a:t>Precision Recall, CV Chars</a:t>
+            </a:r>
+          </a:p>
+        </p:txBody>
+      </p:sp>
+      <p:sp>
+        <p:nvSpPr>
+          <p:cNvPr id="26" name="TextBox 25">
+            <a:extLst>
+              <a:ext uri="{FF2B5EF4-FFF2-40B4-BE49-F238E27FC236}">
+                <a16:creationId xmlns:a16="http://schemas.microsoft.com/office/drawing/2014/main" id="{8813AB88-CAC6-437A-8ABB-2EF2185111EA}"/>
+              </a:ext>
+            </a:extLst>
+          </p:cNvPr>
+          <p:cNvSpPr txBox="1"/>
+          <p:nvPr/>
+        </p:nvSpPr>
+        <p:spPr>
+          <a:xfrm>
+            <a:off x="5538865" y="4698419"/>
+            <a:ext cx="3921550" cy="369332"/>
+          </a:xfrm>
+          <a:prstGeom prst="rect">
+            <a:avLst/>
+          </a:prstGeom>
+          <a:noFill/>
+        </p:spPr>
+        <p:txBody>
+          <a:bodyPr wrap="square" rtlCol="0">
+            <a:spAutoFit/>
+          </a:bodyPr>
+          <a:lstStyle/>
+          <a:p>
+            <a:pPr algn="ctr"/>
+            <a:r>
+              <a:rPr lang="en-CA" u="sng" dirty="0">
+                <a:latin typeface="Tw Cen MT" panose="020B0602020104020603" pitchFamily="34" charset="0"/>
+              </a:rPr>
+              <a:t>Precision Recall, TF/IDF Chars</a:t>
+            </a:r>
+          </a:p>
+        </p:txBody>
+      </p:sp>
+      <p:pic>
+        <p:nvPicPr>
+          <p:cNvPr id="11" name="Picture 10">
+            <a:extLst>
+              <a:ext uri="{FF2B5EF4-FFF2-40B4-BE49-F238E27FC236}">
+                <a16:creationId xmlns:a16="http://schemas.microsoft.com/office/drawing/2014/main" id="{E68C17D0-31CD-4AF6-993F-930E523A1574}"/>
+              </a:ext>
+            </a:extLst>
+          </p:cNvPr>
+          <p:cNvPicPr>
+            <a:picLocks noChangeAspect="1"/>
+          </p:cNvPicPr>
+          <p:nvPr/>
+        </p:nvPicPr>
+        <p:blipFill>
+          <a:blip r:embed="rId3">
+            <a:extLst>
+              <a:ext uri="{28A0092B-C50C-407E-A947-70E740481C1C}">
+                <a14:useLocalDpi xmlns:a14="http://schemas.microsoft.com/office/drawing/2010/main" val="0"/>
+              </a:ext>
+            </a:extLst>
+          </a:blip>
+          <a:stretch>
+            <a:fillRect/>
+          </a:stretch>
+        </p:blipFill>
+        <p:spPr>
+          <a:xfrm>
+            <a:off x="5122240" y="1777330"/>
+            <a:ext cx="4763340" cy="3023046"/>
+          </a:xfrm>
+          <a:prstGeom prst="rect">
+            <a:avLst/>
+          </a:prstGeom>
+        </p:spPr>
+      </p:pic>
+      <p:pic>
+        <p:nvPicPr>
+          <p:cNvPr id="14" name="Picture 13">
+            <a:extLst>
+              <a:ext uri="{FF2B5EF4-FFF2-40B4-BE49-F238E27FC236}">
+                <a16:creationId xmlns:a16="http://schemas.microsoft.com/office/drawing/2014/main" id="{13FE7D8B-405A-4FBB-B057-A8C2DD3B412F}"/>
+              </a:ext>
+            </a:extLst>
+          </p:cNvPr>
+          <p:cNvPicPr>
+            <a:picLocks noChangeAspect="1"/>
+          </p:cNvPicPr>
+          <p:nvPr/>
+        </p:nvPicPr>
+        <p:blipFill>
+          <a:blip r:embed="rId4">
+            <a:extLst>
+              <a:ext uri="{28A0092B-C50C-407E-A947-70E740481C1C}">
+                <a14:useLocalDpi xmlns:a14="http://schemas.microsoft.com/office/drawing/2010/main" val="0"/>
+              </a:ext>
+            </a:extLst>
+          </a:blip>
+          <a:stretch>
+            <a:fillRect/>
+          </a:stretch>
+        </p:blipFill>
+        <p:spPr>
+          <a:xfrm>
+            <a:off x="337818" y="1781444"/>
+            <a:ext cx="4785125" cy="3023046"/>
+          </a:xfrm>
+          <a:prstGeom prst="rect">
+            <a:avLst/>
+          </a:prstGeom>
+        </p:spPr>
+      </p:pic>
+    </p:spTree>
+    <p:extLst>
+      <p:ext uri="{BB962C8B-B14F-4D97-AF65-F5344CB8AC3E}">
+        <p14:creationId xmlns:p14="http://schemas.microsoft.com/office/powerpoint/2010/main" val="2720877571"/>
+      </p:ext>
+    </p:extLst>
+  </p:cSld>
+  <p:clrMapOvr>
+    <a:masterClrMapping/>
+  </p:clrMapOvr>
+</p:sld>
+</file>
+
+<file path=ppt/slides/slide33.xml><?xml version="1.0" encoding="utf-8"?>
+<p:sld xmlns:a="http://schemas.openxmlformats.org/drawingml/2006/main" xmlns:r="http://schemas.openxmlformats.org/officeDocument/2006/relationships" xmlns:p="http://schemas.openxmlformats.org/presentationml/2006/main">
+  <p:cSld>
+    <p:spTree>
+      <p:nvGrpSpPr>
+        <p:cNvPr id="1" name=""/>
+        <p:cNvGrpSpPr/>
+        <p:nvPr/>
+      </p:nvGrpSpPr>
+      <p:grpSpPr>
+        <a:xfrm>
+          <a:off x="0" y="0"/>
+          <a:ext cx="0" cy="0"/>
+          <a:chOff x="0" y="0"/>
+          <a:chExt cx="0" cy="0"/>
+        </a:xfrm>
+      </p:grpSpPr>
+      <p:sp>
+        <p:nvSpPr>
+          <p:cNvPr id="2" name="Title 1">
+            <a:extLst>
+              <a:ext uri="{FF2B5EF4-FFF2-40B4-BE49-F238E27FC236}">
+                <a16:creationId xmlns:a16="http://schemas.microsoft.com/office/drawing/2014/main" id="{EA589DF6-D5DE-4CF4-8016-035CD759DB88}"/>
+              </a:ext>
+            </a:extLst>
+          </p:cNvPr>
+          <p:cNvSpPr>
+            <a:spLocks noGrp="1"/>
+          </p:cNvSpPr>
+          <p:nvPr>
+            <p:ph type="title"/>
+          </p:nvPr>
+        </p:nvSpPr>
+        <p:spPr>
+          <a:xfrm>
+            <a:off x="174576" y="259133"/>
+            <a:ext cx="9711004" cy="568751"/>
+          </a:xfrm>
+        </p:spPr>
+        <p:txBody>
+          <a:bodyPr>
+            <a:noAutofit/>
+          </a:bodyPr>
+          <a:lstStyle/>
+          <a:p>
+            <a:r>
+              <a:rPr lang="en-CA" sz="2800" dirty="0">
+                <a:latin typeface="Tw Cen MT" panose="020B0602020104020603" pitchFamily="34" charset="0"/>
+              </a:rPr>
+              <a:t>SVM MODEL RESULTS – WORD2VEC FEATURE SIZE COMPARISON</a:t>
+            </a:r>
+          </a:p>
+        </p:txBody>
+      </p:sp>
+      <p:sp>
+        <p:nvSpPr>
+          <p:cNvPr id="3" name="Content Placeholder 2">
+            <a:extLst>
+              <a:ext uri="{FF2B5EF4-FFF2-40B4-BE49-F238E27FC236}">
+                <a16:creationId xmlns:a16="http://schemas.microsoft.com/office/drawing/2014/main" id="{9864056A-5D51-4C12-9F12-E255804EFC9A}"/>
+              </a:ext>
+            </a:extLst>
+          </p:cNvPr>
+          <p:cNvSpPr>
+            <a:spLocks noGrp="1"/>
+          </p:cNvSpPr>
+          <p:nvPr>
+            <p:ph idx="1"/>
+          </p:nvPr>
+        </p:nvSpPr>
+        <p:spPr>
+          <a:xfrm>
+            <a:off x="480767" y="816638"/>
+            <a:ext cx="8917757" cy="5932953"/>
+          </a:xfrm>
+        </p:spPr>
+        <p:txBody>
+          <a:bodyPr>
+            <a:noAutofit/>
+          </a:bodyPr>
+          <a:lstStyle/>
+          <a:p>
+            <a:pPr marL="0" indent="0">
+              <a:buNone/>
+            </a:pPr>
+            <a:r>
+              <a:rPr lang="en-US" sz="2400" dirty="0">
+                <a:latin typeface="Tw Cen MT" panose="020B0602020104020603" pitchFamily="34" charset="0"/>
+              </a:rPr>
+              <a:t> </a:t>
+            </a:r>
+          </a:p>
+          <a:p>
+            <a:endParaRPr lang="en-US" sz="2400" dirty="0">
+              <a:latin typeface="Tw Cen MT" panose="020B0602020104020603" pitchFamily="34" charset="0"/>
+            </a:endParaRPr>
+          </a:p>
+        </p:txBody>
+      </p:sp>
+      <p:pic>
+        <p:nvPicPr>
+          <p:cNvPr id="5" name="Picture 4">
+            <a:extLst>
+              <a:ext uri="{FF2B5EF4-FFF2-40B4-BE49-F238E27FC236}">
+                <a16:creationId xmlns:a16="http://schemas.microsoft.com/office/drawing/2014/main" id="{506193B0-D684-41FB-9EE5-3A2300775B91}"/>
+              </a:ext>
+            </a:extLst>
+          </p:cNvPr>
+          <p:cNvPicPr>
+            <a:picLocks noChangeAspect="1"/>
+          </p:cNvPicPr>
+          <p:nvPr/>
+        </p:nvPicPr>
+        <p:blipFill>
+          <a:blip r:embed="rId2">
+            <a:extLst>
+              <a:ext uri="{28A0092B-C50C-407E-A947-70E740481C1C}">
+                <a14:useLocalDpi xmlns:a14="http://schemas.microsoft.com/office/drawing/2010/main" val="0"/>
+              </a:ext>
+            </a:extLst>
+          </a:blip>
+          <a:stretch>
+            <a:fillRect/>
+          </a:stretch>
+        </p:blipFill>
+        <p:spPr>
+          <a:xfrm>
+            <a:off x="9534428" y="5901274"/>
+            <a:ext cx="2657572" cy="956726"/>
+          </a:xfrm>
+          <a:prstGeom prst="rect">
+            <a:avLst/>
+          </a:prstGeom>
+        </p:spPr>
+      </p:pic>
+      <p:sp>
+        <p:nvSpPr>
+          <p:cNvPr id="4" name="Slide Number Placeholder 3">
+            <a:extLst>
+              <a:ext uri="{FF2B5EF4-FFF2-40B4-BE49-F238E27FC236}">
+                <a16:creationId xmlns:a16="http://schemas.microsoft.com/office/drawing/2014/main" id="{1CAB8914-5F21-4646-AF50-3B5775EA692A}"/>
+              </a:ext>
+            </a:extLst>
+          </p:cNvPr>
+          <p:cNvSpPr>
+            <a:spLocks noGrp="1"/>
+          </p:cNvSpPr>
+          <p:nvPr>
+            <p:ph type="sldNum" sz="quarter" idx="12"/>
+          </p:nvPr>
+        </p:nvSpPr>
+        <p:spPr/>
+        <p:txBody>
+          <a:bodyPr/>
+          <a:lstStyle/>
+          <a:p>
+            <a:fld id="{0540F40C-19D0-4AE1-B3AF-4A4F01D6E71D}" type="slidenum">
+              <a:rPr lang="en-CA" smtClean="0"/>
+              <a:pPr/>
+              <a:t>33</a:t>
+            </a:fld>
+            <a:endParaRPr lang="en-CA"/>
+          </a:p>
+        </p:txBody>
+      </p:sp>
+      <p:grpSp>
+        <p:nvGrpSpPr>
+          <p:cNvPr id="21" name="Group 20">
+            <a:extLst>
+              <a:ext uri="{FF2B5EF4-FFF2-40B4-BE49-F238E27FC236}">
+                <a16:creationId xmlns:a16="http://schemas.microsoft.com/office/drawing/2014/main" id="{4949DACC-1EF0-4F57-9D74-C975C337B4AE}"/>
+              </a:ext>
+            </a:extLst>
+          </p:cNvPr>
+          <p:cNvGrpSpPr/>
+          <p:nvPr/>
+        </p:nvGrpSpPr>
+        <p:grpSpPr>
+          <a:xfrm>
+            <a:off x="174577" y="866434"/>
+            <a:ext cx="3090856" cy="2277156"/>
+            <a:chOff x="174577" y="866434"/>
+            <a:chExt cx="3090856" cy="2277156"/>
+          </a:xfrm>
+        </p:grpSpPr>
+        <p:sp>
+          <p:nvSpPr>
+            <p:cNvPr id="25" name="TextBox 24">
+              <a:extLst>
+                <a:ext uri="{FF2B5EF4-FFF2-40B4-BE49-F238E27FC236}">
+                  <a16:creationId xmlns:a16="http://schemas.microsoft.com/office/drawing/2014/main" id="{9D54AD4C-1BB2-4865-915C-D9996B2ACC09}"/>
+                </a:ext>
+              </a:extLst>
+            </p:cNvPr>
+            <p:cNvSpPr txBox="1"/>
+            <p:nvPr/>
+          </p:nvSpPr>
+          <p:spPr>
+            <a:xfrm>
+              <a:off x="1028348" y="2866591"/>
+              <a:ext cx="1383314" cy="276999"/>
+            </a:xfrm>
+            <a:prstGeom prst="rect">
+              <a:avLst/>
+            </a:prstGeom>
+            <a:noFill/>
+          </p:spPr>
+          <p:txBody>
+            <a:bodyPr wrap="square" rtlCol="0">
+              <a:spAutoFit/>
+            </a:bodyPr>
+            <a:lstStyle/>
+            <a:p>
+              <a:pPr algn="ctr"/>
+              <a:r>
+                <a:rPr lang="en-CA" sz="1200" dirty="0">
+                  <a:latin typeface="Tw Cen MT" panose="020B0602020104020603" pitchFamily="34" charset="0"/>
+                </a:rPr>
+                <a:t>Feature size = 100</a:t>
+              </a:r>
+            </a:p>
+          </p:txBody>
+        </p:sp>
+        <p:pic>
+          <p:nvPicPr>
+            <p:cNvPr id="7" name="Picture 6">
+              <a:extLst>
+                <a:ext uri="{FF2B5EF4-FFF2-40B4-BE49-F238E27FC236}">
+                  <a16:creationId xmlns:a16="http://schemas.microsoft.com/office/drawing/2014/main" id="{9633839D-3C58-4973-81F4-339E83CAF384}"/>
+                </a:ext>
+              </a:extLst>
+            </p:cNvPr>
+            <p:cNvPicPr>
+              <a:picLocks noChangeAspect="1"/>
+            </p:cNvPicPr>
+            <p:nvPr/>
+          </p:nvPicPr>
+          <p:blipFill>
+            <a:blip r:embed="rId3">
+              <a:extLst>
+                <a:ext uri="{28A0092B-C50C-407E-A947-70E740481C1C}">
+                  <a14:useLocalDpi xmlns:a14="http://schemas.microsoft.com/office/drawing/2010/main" val="0"/>
+                </a:ext>
+              </a:extLst>
+            </a:blip>
+            <a:stretch>
+              <a:fillRect/>
+            </a:stretch>
+          </p:blipFill>
+          <p:spPr>
+            <a:xfrm>
+              <a:off x="174577" y="866434"/>
+              <a:ext cx="3090856" cy="1961607"/>
+            </a:xfrm>
+            <a:prstGeom prst="rect">
+              <a:avLst/>
+            </a:prstGeom>
+          </p:spPr>
+        </p:pic>
+      </p:grpSp>
+      <p:grpSp>
+        <p:nvGrpSpPr>
+          <p:cNvPr id="22" name="Group 21">
+            <a:extLst>
+              <a:ext uri="{FF2B5EF4-FFF2-40B4-BE49-F238E27FC236}">
+                <a16:creationId xmlns:a16="http://schemas.microsoft.com/office/drawing/2014/main" id="{430E9870-86C2-4CD7-967A-12CCF28EBD6C}"/>
+              </a:ext>
+            </a:extLst>
+          </p:cNvPr>
+          <p:cNvGrpSpPr/>
+          <p:nvPr/>
+        </p:nvGrpSpPr>
+        <p:grpSpPr>
+          <a:xfrm>
+            <a:off x="3675280" y="882963"/>
+            <a:ext cx="3090856" cy="2260627"/>
+            <a:chOff x="3571623" y="882963"/>
+            <a:chExt cx="3090856" cy="2260627"/>
+          </a:xfrm>
+        </p:grpSpPr>
+        <p:pic>
+          <p:nvPicPr>
+            <p:cNvPr id="9" name="Picture 8">
+              <a:extLst>
+                <a:ext uri="{FF2B5EF4-FFF2-40B4-BE49-F238E27FC236}">
+                  <a16:creationId xmlns:a16="http://schemas.microsoft.com/office/drawing/2014/main" id="{4BC4FCFF-301E-4C2D-8192-AB4C1D72DE73}"/>
+                </a:ext>
+              </a:extLst>
+            </p:cNvPr>
+            <p:cNvPicPr>
+              <a:picLocks noChangeAspect="1"/>
+            </p:cNvPicPr>
+            <p:nvPr/>
+          </p:nvPicPr>
+          <p:blipFill>
+            <a:blip r:embed="rId4">
+              <a:extLst>
+                <a:ext uri="{28A0092B-C50C-407E-A947-70E740481C1C}">
+                  <a14:useLocalDpi xmlns:a14="http://schemas.microsoft.com/office/drawing/2010/main" val="0"/>
+                </a:ext>
+              </a:extLst>
+            </a:blip>
+            <a:stretch>
+              <a:fillRect/>
+            </a:stretch>
+          </p:blipFill>
+          <p:spPr>
+            <a:xfrm>
+              <a:off x="3571623" y="882963"/>
+              <a:ext cx="3090856" cy="1961607"/>
+            </a:xfrm>
+            <a:prstGeom prst="rect">
+              <a:avLst/>
+            </a:prstGeom>
+          </p:spPr>
+        </p:pic>
+        <p:sp>
+          <p:nvSpPr>
+            <p:cNvPr id="15" name="TextBox 14">
+              <a:extLst>
+                <a:ext uri="{FF2B5EF4-FFF2-40B4-BE49-F238E27FC236}">
+                  <a16:creationId xmlns:a16="http://schemas.microsoft.com/office/drawing/2014/main" id="{1016AC3B-D2D1-4C1E-A691-8C77D2B30B92}"/>
+                </a:ext>
+              </a:extLst>
+            </p:cNvPr>
+            <p:cNvSpPr txBox="1"/>
+            <p:nvPr/>
+          </p:nvSpPr>
+          <p:spPr>
+            <a:xfrm>
+              <a:off x="4521779" y="2866591"/>
+              <a:ext cx="1383314" cy="276999"/>
+            </a:xfrm>
+            <a:prstGeom prst="rect">
+              <a:avLst/>
+            </a:prstGeom>
+            <a:noFill/>
+          </p:spPr>
+          <p:txBody>
+            <a:bodyPr wrap="square" rtlCol="0">
+              <a:spAutoFit/>
+            </a:bodyPr>
+            <a:lstStyle/>
+            <a:p>
+              <a:pPr algn="ctr"/>
+              <a:r>
+                <a:rPr lang="en-CA" sz="1200" dirty="0">
+                  <a:latin typeface="Tw Cen MT" panose="020B0602020104020603" pitchFamily="34" charset="0"/>
+                </a:rPr>
+                <a:t>Feature size = 500</a:t>
+              </a:r>
+            </a:p>
+          </p:txBody>
+        </p:sp>
+      </p:grpSp>
+      <p:grpSp>
+        <p:nvGrpSpPr>
+          <p:cNvPr id="24" name="Group 23">
+            <a:extLst>
+              <a:ext uri="{FF2B5EF4-FFF2-40B4-BE49-F238E27FC236}">
+                <a16:creationId xmlns:a16="http://schemas.microsoft.com/office/drawing/2014/main" id="{E66E2917-8B6C-451B-8A62-5B3F99C0E4E8}"/>
+              </a:ext>
+            </a:extLst>
+          </p:cNvPr>
+          <p:cNvGrpSpPr/>
+          <p:nvPr/>
+        </p:nvGrpSpPr>
+        <p:grpSpPr>
+          <a:xfrm>
+            <a:off x="7193417" y="904983"/>
+            <a:ext cx="3090856" cy="2238606"/>
+            <a:chOff x="7190527" y="904983"/>
+            <a:chExt cx="3090856" cy="2238606"/>
+          </a:xfrm>
+        </p:grpSpPr>
+        <p:pic>
+          <p:nvPicPr>
+            <p:cNvPr id="12" name="Picture 11">
+              <a:extLst>
+                <a:ext uri="{FF2B5EF4-FFF2-40B4-BE49-F238E27FC236}">
+                  <a16:creationId xmlns:a16="http://schemas.microsoft.com/office/drawing/2014/main" id="{F6A1CDBB-6011-4989-B5BF-505F93B45D1F}"/>
+                </a:ext>
+              </a:extLst>
+            </p:cNvPr>
+            <p:cNvPicPr>
+              <a:picLocks noChangeAspect="1"/>
+            </p:cNvPicPr>
+            <p:nvPr/>
+          </p:nvPicPr>
+          <p:blipFill>
+            <a:blip r:embed="rId5">
+              <a:extLst>
+                <a:ext uri="{28A0092B-C50C-407E-A947-70E740481C1C}">
+                  <a14:useLocalDpi xmlns:a14="http://schemas.microsoft.com/office/drawing/2010/main" val="0"/>
+                </a:ext>
+              </a:extLst>
+            </a:blip>
+            <a:stretch>
+              <a:fillRect/>
+            </a:stretch>
+          </p:blipFill>
+          <p:spPr>
+            <a:xfrm>
+              <a:off x="7190527" y="904983"/>
+              <a:ext cx="3090856" cy="1961607"/>
+            </a:xfrm>
+            <a:prstGeom prst="rect">
+              <a:avLst/>
+            </a:prstGeom>
+          </p:spPr>
+        </p:pic>
+        <p:sp>
+          <p:nvSpPr>
+            <p:cNvPr id="17" name="TextBox 16">
+              <a:extLst>
+                <a:ext uri="{FF2B5EF4-FFF2-40B4-BE49-F238E27FC236}">
+                  <a16:creationId xmlns:a16="http://schemas.microsoft.com/office/drawing/2014/main" id="{C6AF9BB4-02AD-48D8-8E0B-B9085425FFC8}"/>
+                </a:ext>
+              </a:extLst>
+            </p:cNvPr>
+            <p:cNvSpPr txBox="1"/>
+            <p:nvPr/>
+          </p:nvSpPr>
+          <p:spPr>
+            <a:xfrm>
+              <a:off x="7937484" y="2866590"/>
+              <a:ext cx="1596943" cy="276999"/>
+            </a:xfrm>
+            <a:prstGeom prst="rect">
+              <a:avLst/>
+            </a:prstGeom>
+            <a:noFill/>
+          </p:spPr>
+          <p:txBody>
+            <a:bodyPr wrap="square" rtlCol="0">
+              <a:spAutoFit/>
+            </a:bodyPr>
+            <a:lstStyle/>
+            <a:p>
+              <a:pPr algn="ctr"/>
+              <a:r>
+                <a:rPr lang="en-CA" sz="1200" dirty="0">
+                  <a:latin typeface="Tw Cen MT" panose="020B0602020104020603" pitchFamily="34" charset="0"/>
+                </a:rPr>
+                <a:t>Feature size = 1000</a:t>
+              </a:r>
+            </a:p>
+          </p:txBody>
+        </p:sp>
+      </p:grpSp>
+      <p:grpSp>
+        <p:nvGrpSpPr>
+          <p:cNvPr id="28" name="Group 27">
+            <a:extLst>
+              <a:ext uri="{FF2B5EF4-FFF2-40B4-BE49-F238E27FC236}">
+                <a16:creationId xmlns:a16="http://schemas.microsoft.com/office/drawing/2014/main" id="{25873A71-D225-41F0-8C10-73F66A56D445}"/>
+              </a:ext>
+            </a:extLst>
+          </p:cNvPr>
+          <p:cNvGrpSpPr/>
+          <p:nvPr/>
+        </p:nvGrpSpPr>
+        <p:grpSpPr>
+          <a:xfrm>
+            <a:off x="174577" y="3628830"/>
+            <a:ext cx="3090856" cy="2272443"/>
+            <a:chOff x="174577" y="3628831"/>
+            <a:chExt cx="3090856" cy="2272443"/>
+          </a:xfrm>
+        </p:grpSpPr>
+        <p:pic>
+          <p:nvPicPr>
+            <p:cNvPr id="16" name="Picture 15">
+              <a:extLst>
+                <a:ext uri="{FF2B5EF4-FFF2-40B4-BE49-F238E27FC236}">
+                  <a16:creationId xmlns:a16="http://schemas.microsoft.com/office/drawing/2014/main" id="{C2540207-C096-4A24-8E11-AC7B9FCFB901}"/>
+                </a:ext>
+              </a:extLst>
+            </p:cNvPr>
+            <p:cNvPicPr>
+              <a:picLocks noChangeAspect="1"/>
+            </p:cNvPicPr>
+            <p:nvPr/>
+          </p:nvPicPr>
+          <p:blipFill>
+            <a:blip r:embed="rId6">
+              <a:extLst>
+                <a:ext uri="{28A0092B-C50C-407E-A947-70E740481C1C}">
+                  <a14:useLocalDpi xmlns:a14="http://schemas.microsoft.com/office/drawing/2010/main" val="0"/>
+                </a:ext>
+              </a:extLst>
+            </a:blip>
+            <a:stretch>
+              <a:fillRect/>
+            </a:stretch>
+          </p:blipFill>
+          <p:spPr>
+            <a:xfrm>
+              <a:off x="174577" y="3628831"/>
+              <a:ext cx="3090856" cy="1961607"/>
+            </a:xfrm>
+            <a:prstGeom prst="rect">
+              <a:avLst/>
+            </a:prstGeom>
+          </p:spPr>
+        </p:pic>
+        <p:sp>
+          <p:nvSpPr>
+            <p:cNvPr id="20" name="TextBox 19">
+              <a:extLst>
+                <a:ext uri="{FF2B5EF4-FFF2-40B4-BE49-F238E27FC236}">
+                  <a16:creationId xmlns:a16="http://schemas.microsoft.com/office/drawing/2014/main" id="{46FF2AAF-273B-44C1-8A6F-FC3A134367E5}"/>
+                </a:ext>
+              </a:extLst>
+            </p:cNvPr>
+            <p:cNvSpPr txBox="1"/>
+            <p:nvPr/>
+          </p:nvSpPr>
+          <p:spPr>
+            <a:xfrm>
+              <a:off x="966097" y="5624275"/>
+              <a:ext cx="1507816" cy="276999"/>
+            </a:xfrm>
+            <a:prstGeom prst="rect">
+              <a:avLst/>
+            </a:prstGeom>
+            <a:noFill/>
+          </p:spPr>
+          <p:txBody>
+            <a:bodyPr wrap="square" rtlCol="0">
+              <a:spAutoFit/>
+            </a:bodyPr>
+            <a:lstStyle/>
+            <a:p>
+              <a:pPr algn="ctr"/>
+              <a:r>
+                <a:rPr lang="en-CA" sz="1200" dirty="0">
+                  <a:latin typeface="Tw Cen MT" panose="020B0602020104020603" pitchFamily="34" charset="0"/>
+                </a:rPr>
+                <a:t>Feature size = 2000</a:t>
+              </a:r>
+            </a:p>
+          </p:txBody>
+        </p:sp>
+      </p:grpSp>
+      <p:grpSp>
+        <p:nvGrpSpPr>
+          <p:cNvPr id="29" name="Group 28">
+            <a:extLst>
+              <a:ext uri="{FF2B5EF4-FFF2-40B4-BE49-F238E27FC236}">
+                <a16:creationId xmlns:a16="http://schemas.microsoft.com/office/drawing/2014/main" id="{5DA135F3-73D9-4A98-BFBC-018B8D71DEF3}"/>
+              </a:ext>
+            </a:extLst>
+          </p:cNvPr>
+          <p:cNvGrpSpPr/>
+          <p:nvPr/>
+        </p:nvGrpSpPr>
+        <p:grpSpPr>
+          <a:xfrm>
+            <a:off x="3675280" y="3628830"/>
+            <a:ext cx="3090856" cy="2272443"/>
+            <a:chOff x="3668008" y="3628830"/>
+            <a:chExt cx="3090856" cy="2272443"/>
+          </a:xfrm>
+        </p:grpSpPr>
+        <p:pic>
+          <p:nvPicPr>
+            <p:cNvPr id="19" name="Picture 18">
+              <a:extLst>
+                <a:ext uri="{FF2B5EF4-FFF2-40B4-BE49-F238E27FC236}">
+                  <a16:creationId xmlns:a16="http://schemas.microsoft.com/office/drawing/2014/main" id="{F9D53830-8353-4A97-A7CA-5021BE554921}"/>
+                </a:ext>
+              </a:extLst>
+            </p:cNvPr>
+            <p:cNvPicPr>
+              <a:picLocks noChangeAspect="1"/>
+            </p:cNvPicPr>
+            <p:nvPr/>
+          </p:nvPicPr>
+          <p:blipFill>
+            <a:blip r:embed="rId7">
+              <a:extLst>
+                <a:ext uri="{28A0092B-C50C-407E-A947-70E740481C1C}">
+                  <a14:useLocalDpi xmlns:a14="http://schemas.microsoft.com/office/drawing/2010/main" val="0"/>
+                </a:ext>
+              </a:extLst>
+            </a:blip>
+            <a:stretch>
+              <a:fillRect/>
+            </a:stretch>
+          </p:blipFill>
+          <p:spPr>
+            <a:xfrm>
+              <a:off x="3668008" y="3628830"/>
+              <a:ext cx="3090856" cy="1961607"/>
+            </a:xfrm>
+            <a:prstGeom prst="rect">
+              <a:avLst/>
+            </a:prstGeom>
+          </p:spPr>
+        </p:pic>
+        <p:sp>
+          <p:nvSpPr>
+            <p:cNvPr id="27" name="TextBox 26">
+              <a:extLst>
+                <a:ext uri="{FF2B5EF4-FFF2-40B4-BE49-F238E27FC236}">
+                  <a16:creationId xmlns:a16="http://schemas.microsoft.com/office/drawing/2014/main" id="{74D8AC24-EA11-4DBD-A57B-6F4C1BEE254D}"/>
+                </a:ext>
+              </a:extLst>
+            </p:cNvPr>
+            <p:cNvSpPr txBox="1"/>
+            <p:nvPr/>
+          </p:nvSpPr>
+          <p:spPr>
+            <a:xfrm>
+              <a:off x="4474072" y="5624274"/>
+              <a:ext cx="1507816" cy="276999"/>
+            </a:xfrm>
+            <a:prstGeom prst="rect">
+              <a:avLst/>
+            </a:prstGeom>
+            <a:noFill/>
+          </p:spPr>
+          <p:txBody>
+            <a:bodyPr wrap="square" rtlCol="0">
+              <a:spAutoFit/>
+            </a:bodyPr>
+            <a:lstStyle/>
+            <a:p>
+              <a:pPr algn="ctr"/>
+              <a:r>
+                <a:rPr lang="en-CA" sz="1200" dirty="0">
+                  <a:latin typeface="Tw Cen MT" panose="020B0602020104020603" pitchFamily="34" charset="0"/>
+                </a:rPr>
+                <a:t>Feature size = 4000</a:t>
+              </a:r>
+            </a:p>
+          </p:txBody>
+        </p:sp>
+      </p:grpSp>
+      <p:grpSp>
+        <p:nvGrpSpPr>
+          <p:cNvPr id="33" name="Group 32">
+            <a:extLst>
+              <a:ext uri="{FF2B5EF4-FFF2-40B4-BE49-F238E27FC236}">
+                <a16:creationId xmlns:a16="http://schemas.microsoft.com/office/drawing/2014/main" id="{F9FBF271-96CD-4DDE-8981-961ACC1F243A}"/>
+              </a:ext>
+            </a:extLst>
+          </p:cNvPr>
+          <p:cNvGrpSpPr/>
+          <p:nvPr/>
+        </p:nvGrpSpPr>
+        <p:grpSpPr>
+          <a:xfrm>
+            <a:off x="7193417" y="3645748"/>
+            <a:ext cx="3090856" cy="2238606"/>
+            <a:chOff x="7196307" y="3628829"/>
+            <a:chExt cx="3090856" cy="2238606"/>
+          </a:xfrm>
+        </p:grpSpPr>
+        <p:pic>
+          <p:nvPicPr>
+            <p:cNvPr id="31" name="Picture 30">
+              <a:extLst>
+                <a:ext uri="{FF2B5EF4-FFF2-40B4-BE49-F238E27FC236}">
+                  <a16:creationId xmlns:a16="http://schemas.microsoft.com/office/drawing/2014/main" id="{F5A7787F-CD49-41F0-ABD7-8542299E51C8}"/>
+                </a:ext>
+              </a:extLst>
+            </p:cNvPr>
+            <p:cNvPicPr>
+              <a:picLocks noChangeAspect="1"/>
+            </p:cNvPicPr>
+            <p:nvPr/>
+          </p:nvPicPr>
+          <p:blipFill>
+            <a:blip r:embed="rId8">
+              <a:extLst>
+                <a:ext uri="{28A0092B-C50C-407E-A947-70E740481C1C}">
+                  <a14:useLocalDpi xmlns:a14="http://schemas.microsoft.com/office/drawing/2010/main" val="0"/>
+                </a:ext>
+              </a:extLst>
+            </a:blip>
+            <a:stretch>
+              <a:fillRect/>
+            </a:stretch>
+          </p:blipFill>
+          <p:spPr>
+            <a:xfrm>
+              <a:off x="7196307" y="3628829"/>
+              <a:ext cx="3090856" cy="1961607"/>
+            </a:xfrm>
+            <a:prstGeom prst="rect">
+              <a:avLst/>
+            </a:prstGeom>
+          </p:spPr>
+        </p:pic>
+        <p:sp>
+          <p:nvSpPr>
+            <p:cNvPr id="32" name="TextBox 31">
+              <a:extLst>
+                <a:ext uri="{FF2B5EF4-FFF2-40B4-BE49-F238E27FC236}">
+                  <a16:creationId xmlns:a16="http://schemas.microsoft.com/office/drawing/2014/main" id="{4EE837BD-6664-4D1C-AC62-8C499513AC89}"/>
+                </a:ext>
+              </a:extLst>
+            </p:cNvPr>
+            <p:cNvSpPr txBox="1"/>
+            <p:nvPr/>
+          </p:nvSpPr>
+          <p:spPr>
+            <a:xfrm>
+              <a:off x="7982047" y="5590436"/>
+              <a:ext cx="1507816" cy="276999"/>
+            </a:xfrm>
+            <a:prstGeom prst="rect">
+              <a:avLst/>
+            </a:prstGeom>
+            <a:noFill/>
+          </p:spPr>
+          <p:txBody>
+            <a:bodyPr wrap="square" rtlCol="0">
+              <a:spAutoFit/>
+            </a:bodyPr>
+            <a:lstStyle/>
+            <a:p>
+              <a:pPr algn="ctr"/>
+              <a:r>
+                <a:rPr lang="en-CA" sz="1200" dirty="0">
+                  <a:latin typeface="Tw Cen MT" panose="020B0602020104020603" pitchFamily="34" charset="0"/>
+                </a:rPr>
+                <a:t>Feature size = 6000</a:t>
+              </a:r>
+            </a:p>
+          </p:txBody>
+        </p:sp>
+      </p:grpSp>
+    </p:spTree>
+    <p:extLst>
+      <p:ext uri="{BB962C8B-B14F-4D97-AF65-F5344CB8AC3E}">
+        <p14:creationId xmlns:p14="http://schemas.microsoft.com/office/powerpoint/2010/main" val="1927156306"/>
+      </p:ext>
+    </p:extLst>
+  </p:cSld>
+  <p:clrMapOvr>
+    <a:masterClrMapping/>
+  </p:clrMapOvr>
+</p:sld>
+</file>
+
+<file path=ppt/slides/slide34.xml><?xml version="1.0" encoding="utf-8"?>
+<p:sld xmlns:a="http://schemas.openxmlformats.org/drawingml/2006/main" xmlns:r="http://schemas.openxmlformats.org/officeDocument/2006/relationships" xmlns:p="http://schemas.openxmlformats.org/presentationml/2006/main">
+  <p:cSld>
+    <p:spTree>
+      <p:nvGrpSpPr>
+        <p:cNvPr id="1" name=""/>
+        <p:cNvGrpSpPr/>
+        <p:nvPr/>
+      </p:nvGrpSpPr>
+      <p:grpSpPr>
+        <a:xfrm>
+          <a:off x="0" y="0"/>
+          <a:ext cx="0" cy="0"/>
+          <a:chOff x="0" y="0"/>
+          <a:chExt cx="0" cy="0"/>
+        </a:xfrm>
+      </p:grpSpPr>
+      <p:sp>
+        <p:nvSpPr>
+          <p:cNvPr id="2" name="Title 1">
+            <a:extLst>
+              <a:ext uri="{FF2B5EF4-FFF2-40B4-BE49-F238E27FC236}">
+                <a16:creationId xmlns:a16="http://schemas.microsoft.com/office/drawing/2014/main" id="{EA589DF6-D5DE-4CF4-8016-035CD759DB88}"/>
+              </a:ext>
+            </a:extLst>
+          </p:cNvPr>
+          <p:cNvSpPr>
+            <a:spLocks noGrp="1"/>
+          </p:cNvSpPr>
+          <p:nvPr>
+            <p:ph type="title"/>
+          </p:nvPr>
+        </p:nvSpPr>
+        <p:spPr>
+          <a:xfrm>
+            <a:off x="174576" y="259133"/>
+            <a:ext cx="9711004" cy="568751"/>
+          </a:xfrm>
+        </p:spPr>
+        <p:txBody>
+          <a:bodyPr>
+            <a:noAutofit/>
+          </a:bodyPr>
+          <a:lstStyle/>
+          <a:p>
+            <a:r>
+              <a:rPr lang="en-CA" sz="2800" dirty="0">
+                <a:latin typeface="Tw Cen MT" panose="020B0602020104020603" pitchFamily="34" charset="0"/>
+              </a:rPr>
+              <a:t>SVM MODEL RESULTS – WORD2VEC FEATURE SIZE COMPARISON</a:t>
+            </a:r>
+          </a:p>
+        </p:txBody>
+      </p:sp>
+      <p:sp>
+        <p:nvSpPr>
+          <p:cNvPr id="3" name="Content Placeholder 2">
+            <a:extLst>
+              <a:ext uri="{FF2B5EF4-FFF2-40B4-BE49-F238E27FC236}">
+                <a16:creationId xmlns:a16="http://schemas.microsoft.com/office/drawing/2014/main" id="{9864056A-5D51-4C12-9F12-E255804EFC9A}"/>
+              </a:ext>
+            </a:extLst>
+          </p:cNvPr>
+          <p:cNvSpPr>
+            <a:spLocks noGrp="1"/>
+          </p:cNvSpPr>
+          <p:nvPr>
+            <p:ph idx="1"/>
+          </p:nvPr>
+        </p:nvSpPr>
+        <p:spPr>
+          <a:xfrm>
+            <a:off x="480767" y="816638"/>
+            <a:ext cx="8917757" cy="5932953"/>
+          </a:xfrm>
+        </p:spPr>
+        <p:txBody>
+          <a:bodyPr>
+            <a:noAutofit/>
+          </a:bodyPr>
+          <a:lstStyle/>
+          <a:p>
+            <a:pPr marL="0" indent="0">
+              <a:buNone/>
+            </a:pPr>
+            <a:r>
+              <a:rPr lang="en-US" sz="2400" dirty="0">
+                <a:latin typeface="Tw Cen MT" panose="020B0602020104020603" pitchFamily="34" charset="0"/>
+              </a:rPr>
+              <a:t> </a:t>
+            </a:r>
+          </a:p>
+          <a:p>
+            <a:endParaRPr lang="en-US" sz="2400" dirty="0">
+              <a:latin typeface="Tw Cen MT" panose="020B0602020104020603" pitchFamily="34" charset="0"/>
+            </a:endParaRPr>
+          </a:p>
+        </p:txBody>
+      </p:sp>
+      <p:pic>
+        <p:nvPicPr>
+          <p:cNvPr id="5" name="Picture 4">
+            <a:extLst>
+              <a:ext uri="{FF2B5EF4-FFF2-40B4-BE49-F238E27FC236}">
+                <a16:creationId xmlns:a16="http://schemas.microsoft.com/office/drawing/2014/main" id="{506193B0-D684-41FB-9EE5-3A2300775B91}"/>
+              </a:ext>
+            </a:extLst>
+          </p:cNvPr>
+          <p:cNvPicPr>
+            <a:picLocks noChangeAspect="1"/>
+          </p:cNvPicPr>
+          <p:nvPr/>
+        </p:nvPicPr>
+        <p:blipFill>
+          <a:blip r:embed="rId2">
+            <a:extLst>
+              <a:ext uri="{28A0092B-C50C-407E-A947-70E740481C1C}">
+                <a14:useLocalDpi xmlns:a14="http://schemas.microsoft.com/office/drawing/2010/main" val="0"/>
+              </a:ext>
+            </a:extLst>
+          </a:blip>
+          <a:stretch>
+            <a:fillRect/>
+          </a:stretch>
+        </p:blipFill>
+        <p:spPr>
+          <a:xfrm>
+            <a:off x="9534428" y="5901274"/>
+            <a:ext cx="2657572" cy="956726"/>
+          </a:xfrm>
+          <a:prstGeom prst="rect">
+            <a:avLst/>
+          </a:prstGeom>
+        </p:spPr>
+      </p:pic>
+      <p:sp>
+        <p:nvSpPr>
+          <p:cNvPr id="4" name="Slide Number Placeholder 3">
+            <a:extLst>
+              <a:ext uri="{FF2B5EF4-FFF2-40B4-BE49-F238E27FC236}">
+                <a16:creationId xmlns:a16="http://schemas.microsoft.com/office/drawing/2014/main" id="{1CAB8914-5F21-4646-AF50-3B5775EA692A}"/>
+              </a:ext>
+            </a:extLst>
+          </p:cNvPr>
+          <p:cNvSpPr>
+            <a:spLocks noGrp="1"/>
+          </p:cNvSpPr>
+          <p:nvPr>
+            <p:ph type="sldNum" sz="quarter" idx="12"/>
+          </p:nvPr>
+        </p:nvSpPr>
+        <p:spPr/>
+        <p:txBody>
+          <a:bodyPr/>
+          <a:lstStyle/>
+          <a:p>
+            <a:fld id="{0540F40C-19D0-4AE1-B3AF-4A4F01D6E71D}" type="slidenum">
+              <a:rPr lang="en-CA" smtClean="0"/>
+              <a:pPr/>
+              <a:t>34</a:t>
+            </a:fld>
+            <a:endParaRPr lang="en-CA"/>
+          </a:p>
+        </p:txBody>
+      </p:sp>
+      <p:pic>
+        <p:nvPicPr>
+          <p:cNvPr id="11" name="Picture 10">
+            <a:extLst>
+              <a:ext uri="{FF2B5EF4-FFF2-40B4-BE49-F238E27FC236}">
+                <a16:creationId xmlns:a16="http://schemas.microsoft.com/office/drawing/2014/main" id="{81B96B8C-D0FE-4E54-ACCC-67659FA871B1}"/>
+              </a:ext>
+            </a:extLst>
+          </p:cNvPr>
+          <p:cNvPicPr>
+            <a:picLocks noChangeAspect="1"/>
+          </p:cNvPicPr>
+          <p:nvPr/>
+        </p:nvPicPr>
+        <p:blipFill>
+          <a:blip r:embed="rId3"/>
+          <a:stretch>
+            <a:fillRect/>
+          </a:stretch>
+        </p:blipFill>
+        <p:spPr>
+          <a:xfrm>
+            <a:off x="1126865" y="827884"/>
+            <a:ext cx="7310465" cy="5435414"/>
+          </a:xfrm>
+          <a:prstGeom prst="rect">
+            <a:avLst/>
+          </a:prstGeom>
+        </p:spPr>
+      </p:pic>
+    </p:spTree>
+    <p:extLst>
+      <p:ext uri="{BB962C8B-B14F-4D97-AF65-F5344CB8AC3E}">
+        <p14:creationId xmlns:p14="http://schemas.microsoft.com/office/powerpoint/2010/main" val="1766826639"/>
+      </p:ext>
+    </p:extLst>
+  </p:cSld>
+  <p:clrMapOvr>
+    <a:masterClrMapping/>
+  </p:clrMapOvr>
+</p:sld>
+</file>
+
+<file path=ppt/slides/slide4.xml><?xml version="1.0" encoding="utf-8"?>
+<p:sld xmlns:a="http://schemas.openxmlformats.org/drawingml/2006/main" xmlns:r="http://schemas.openxmlformats.org/officeDocument/2006/relationships" xmlns:p="http://schemas.openxmlformats.org/presentationml/2006/main" show="0">
+  <p:cSld>
+    <p:spTree>
+      <p:nvGrpSpPr>
+        <p:cNvPr id="1" name=""/>
+        <p:cNvGrpSpPr/>
+        <p:nvPr/>
+      </p:nvGrpSpPr>
+      <p:grpSpPr>
+        <a:xfrm>
+          <a:off x="0" y="0"/>
+          <a:ext cx="0" cy="0"/>
+          <a:chOff x="0" y="0"/>
+          <a:chExt cx="0" cy="0"/>
+        </a:xfrm>
+      </p:grpSpPr>
+      <p:sp>
+        <p:nvSpPr>
+          <p:cNvPr id="2" name="Title 1">
+            <a:extLst>
+              <a:ext uri="{FF2B5EF4-FFF2-40B4-BE49-F238E27FC236}">
+                <a16:creationId xmlns:a16="http://schemas.microsoft.com/office/drawing/2014/main" id="{EA589DF6-D5DE-4CF4-8016-035CD759DB88}"/>
+              </a:ext>
+            </a:extLst>
+          </p:cNvPr>
+          <p:cNvSpPr>
+            <a:spLocks noGrp="1"/>
+          </p:cNvSpPr>
+          <p:nvPr>
+            <p:ph type="title"/>
+          </p:nvPr>
+        </p:nvSpPr>
+        <p:spPr>
+          <a:xfrm>
+            <a:off x="677334" y="247887"/>
+            <a:ext cx="9711004" cy="568751"/>
+          </a:xfrm>
+        </p:spPr>
+        <p:txBody>
+          <a:bodyPr>
+            <a:normAutofit fontScale="90000"/>
+          </a:bodyPr>
+          <a:lstStyle/>
+          <a:p>
+            <a:r>
+              <a:rPr lang="en-CA" dirty="0">
+                <a:latin typeface="Tw Cen MT" panose="020B0602020104020603" pitchFamily="34" charset="0"/>
+              </a:rPr>
+              <a:t>FEATURE ENGINEERING &amp; MODELS - PLAN</a:t>
+            </a:r>
+          </a:p>
+        </p:txBody>
+      </p:sp>
+      <p:sp>
+        <p:nvSpPr>
+          <p:cNvPr id="3" name="Content Placeholder 2">
+            <a:extLst>
+              <a:ext uri="{FF2B5EF4-FFF2-40B4-BE49-F238E27FC236}">
+                <a16:creationId xmlns:a16="http://schemas.microsoft.com/office/drawing/2014/main" id="{9864056A-5D51-4C12-9F12-E255804EFC9A}"/>
+              </a:ext>
+            </a:extLst>
+          </p:cNvPr>
+          <p:cNvSpPr>
+            <a:spLocks noGrp="1"/>
+          </p:cNvSpPr>
+          <p:nvPr>
+            <p:ph idx="1"/>
+          </p:nvPr>
+        </p:nvSpPr>
+        <p:spPr>
+          <a:xfrm>
+            <a:off x="480767" y="816638"/>
+            <a:ext cx="8917757" cy="5932953"/>
+          </a:xfrm>
+        </p:spPr>
+        <p:txBody>
+          <a:bodyPr>
+            <a:noAutofit/>
+          </a:bodyPr>
+          <a:lstStyle/>
+          <a:p>
+            <a:r>
+              <a:rPr lang="en-CA" sz="2400" dirty="0">
+                <a:latin typeface="Tw Cen MT" panose="020B0602020104020603" pitchFamily="34" charset="0"/>
+              </a:rPr>
+              <a:t>We will perform feature engineering using the following methods</a:t>
+            </a:r>
+          </a:p>
+          <a:p>
+            <a:pPr lvl="1"/>
+            <a:r>
+              <a:rPr lang="en-CA" sz="2400" dirty="0">
+                <a:latin typeface="Tw Cen MT" panose="020B0602020104020603" pitchFamily="34" charset="0"/>
+              </a:rPr>
+              <a:t>Bag of words</a:t>
+            </a:r>
+          </a:p>
+          <a:p>
+            <a:pPr lvl="1"/>
+            <a:r>
+              <a:rPr lang="en-CA" sz="2400" dirty="0">
+                <a:latin typeface="Tw Cen MT" panose="020B0602020104020603" pitchFamily="34" charset="0"/>
+              </a:rPr>
+              <a:t>Bag of n-grams</a:t>
+            </a:r>
+          </a:p>
+          <a:p>
+            <a:pPr lvl="1"/>
+            <a:r>
+              <a:rPr lang="en-CA" sz="2400" dirty="0" err="1">
+                <a:latin typeface="Tw Cen MT" panose="020B0602020104020603" pitchFamily="34" charset="0"/>
+              </a:rPr>
+              <a:t>Tfidf</a:t>
+            </a:r>
+            <a:endParaRPr lang="en-CA" sz="2400" dirty="0">
+              <a:latin typeface="Tw Cen MT" panose="020B0602020104020603" pitchFamily="34" charset="0"/>
+            </a:endParaRPr>
+          </a:p>
+          <a:p>
+            <a:pPr lvl="1"/>
+            <a:r>
+              <a:rPr lang="en-CA" sz="2400" dirty="0">
+                <a:latin typeface="Tw Cen MT" panose="020B0602020104020603" pitchFamily="34" charset="0"/>
+              </a:rPr>
+              <a:t>Glove</a:t>
+            </a:r>
+          </a:p>
+          <a:p>
+            <a:endParaRPr lang="en-CA" sz="2400" dirty="0">
+              <a:latin typeface="Tw Cen MT" panose="020B0602020104020603" pitchFamily="34" charset="0"/>
+            </a:endParaRPr>
+          </a:p>
+          <a:p>
+            <a:r>
+              <a:rPr lang="en-CA" sz="2400" dirty="0">
+                <a:latin typeface="Tw Cen MT" panose="020B0602020104020603" pitchFamily="34" charset="0"/>
+              </a:rPr>
+              <a:t>We will use the following models to perform classification</a:t>
+            </a:r>
+          </a:p>
+          <a:p>
+            <a:pPr lvl="1"/>
+            <a:r>
+              <a:rPr lang="en-CA" sz="2400" dirty="0">
+                <a:latin typeface="Tw Cen MT" panose="020B0602020104020603" pitchFamily="34" charset="0"/>
+              </a:rPr>
+              <a:t>Logistic regression</a:t>
+            </a:r>
+          </a:p>
+          <a:p>
+            <a:pPr lvl="1"/>
+            <a:r>
+              <a:rPr lang="en-CA" sz="2400" dirty="0">
+                <a:latin typeface="Tw Cen MT" panose="020B0602020104020603" pitchFamily="34" charset="0"/>
+              </a:rPr>
+              <a:t>Decision trees</a:t>
+            </a:r>
+          </a:p>
+          <a:p>
+            <a:pPr lvl="1"/>
+            <a:r>
+              <a:rPr lang="en-CA" sz="2400" dirty="0">
+                <a:latin typeface="Tw Cen MT" panose="020B0602020104020603" pitchFamily="34" charset="0"/>
+              </a:rPr>
+              <a:t>SVM</a:t>
+            </a:r>
+          </a:p>
+          <a:p>
+            <a:pPr lvl="1"/>
+            <a:r>
+              <a:rPr lang="en-CA" sz="2400" dirty="0">
+                <a:latin typeface="Tw Cen MT" panose="020B0602020104020603" pitchFamily="34" charset="0"/>
+              </a:rPr>
+              <a:t>Naive Bayes</a:t>
+            </a:r>
+          </a:p>
+          <a:p>
+            <a:pPr marL="0" indent="0">
+              <a:buNone/>
+            </a:pPr>
+            <a:endParaRPr lang="en-US" sz="2400" dirty="0">
+              <a:latin typeface="Tw Cen MT" panose="020B0602020104020603" pitchFamily="34" charset="0"/>
+            </a:endParaRPr>
+          </a:p>
+          <a:p>
+            <a:endParaRPr lang="en-US" sz="2400" dirty="0">
+              <a:latin typeface="Tw Cen MT" panose="020B0602020104020603" pitchFamily="34" charset="0"/>
+            </a:endParaRPr>
+          </a:p>
+        </p:txBody>
+      </p:sp>
+      <p:pic>
+        <p:nvPicPr>
+          <p:cNvPr id="5" name="Picture 4">
+            <a:extLst>
+              <a:ext uri="{FF2B5EF4-FFF2-40B4-BE49-F238E27FC236}">
+                <a16:creationId xmlns:a16="http://schemas.microsoft.com/office/drawing/2014/main" id="{506193B0-D684-41FB-9EE5-3A2300775B91}"/>
+              </a:ext>
+            </a:extLst>
+          </p:cNvPr>
+          <p:cNvPicPr>
+            <a:picLocks noChangeAspect="1"/>
+          </p:cNvPicPr>
+          <p:nvPr/>
+        </p:nvPicPr>
+        <p:blipFill>
+          <a:blip r:embed="rId2">
+            <a:extLst>
+              <a:ext uri="{28A0092B-C50C-407E-A947-70E740481C1C}">
+                <a14:useLocalDpi xmlns:a14="http://schemas.microsoft.com/office/drawing/2010/main" val="0"/>
+              </a:ext>
+            </a:extLst>
+          </a:blip>
+          <a:stretch>
+            <a:fillRect/>
+          </a:stretch>
+        </p:blipFill>
+        <p:spPr>
+          <a:xfrm>
+            <a:off x="9534428" y="5901274"/>
+            <a:ext cx="2657572" cy="956726"/>
+          </a:xfrm>
+          <a:prstGeom prst="rect">
+            <a:avLst/>
+          </a:prstGeom>
+        </p:spPr>
+      </p:pic>
+      <p:sp>
+        <p:nvSpPr>
+          <p:cNvPr id="4" name="Slide Number Placeholder 3">
+            <a:extLst>
+              <a:ext uri="{FF2B5EF4-FFF2-40B4-BE49-F238E27FC236}">
                 <a16:creationId xmlns:a16="http://schemas.microsoft.com/office/drawing/2014/main" id="{5B8D0439-7A80-4555-AB26-DD85BBACFBCF}"/>
               </a:ext>
             </a:extLst>
@@ -16260,7 +18026,7 @@
 </file>
 
 <file path=ppt/slides/slide5.xml><?xml version="1.0" encoding="utf-8"?>
-<p:sld xmlns:a="http://schemas.openxmlformats.org/drawingml/2006/main" xmlns:r="http://schemas.openxmlformats.org/officeDocument/2006/relationships" xmlns:p="http://schemas.openxmlformats.org/presentationml/2006/main">
+<p:sld xmlns:a="http://schemas.openxmlformats.org/drawingml/2006/main" xmlns:r="http://schemas.openxmlformats.org/officeDocument/2006/relationships" xmlns:p="http://schemas.openxmlformats.org/presentationml/2006/main" show="0">
   <p:cSld>
     <p:spTree>
       <p:nvGrpSpPr>
@@ -16534,7 +18300,7 @@
 </file>
 
 <file path=ppt/slides/slide6.xml><?xml version="1.0" encoding="utf-8"?>
-<p:sld xmlns:a="http://schemas.openxmlformats.org/drawingml/2006/main" xmlns:r="http://schemas.openxmlformats.org/officeDocument/2006/relationships" xmlns:p="http://schemas.openxmlformats.org/presentationml/2006/main">
+<p:sld xmlns:a="http://schemas.openxmlformats.org/drawingml/2006/main" xmlns:r="http://schemas.openxmlformats.org/officeDocument/2006/relationships" xmlns:p="http://schemas.openxmlformats.org/presentationml/2006/main" show="0">
   <p:cSld>
     <p:spTree>
       <p:nvGrpSpPr>
@@ -16985,7 +18751,7 @@
 </file>
 
 <file path=ppt/slides/slide7.xml><?xml version="1.0" encoding="utf-8"?>
-<p:sld xmlns:a="http://schemas.openxmlformats.org/drawingml/2006/main" xmlns:r="http://schemas.openxmlformats.org/officeDocument/2006/relationships" xmlns:p="http://schemas.openxmlformats.org/presentationml/2006/main">
+<p:sld xmlns:a="http://schemas.openxmlformats.org/drawingml/2006/main" xmlns:r="http://schemas.openxmlformats.org/officeDocument/2006/relationships" xmlns:p="http://schemas.openxmlformats.org/presentationml/2006/main" show="0">
   <p:cSld>
     <p:spTree>
       <p:nvGrpSpPr>
@@ -17282,7 +19048,7 @@
 </file>
 
 <file path=ppt/slides/slide8.xml><?xml version="1.0" encoding="utf-8"?>
-<p:sld xmlns:a="http://schemas.openxmlformats.org/drawingml/2006/main" xmlns:r="http://schemas.openxmlformats.org/officeDocument/2006/relationships" xmlns:p="http://schemas.openxmlformats.org/presentationml/2006/main">
+<p:sld xmlns:a="http://schemas.openxmlformats.org/drawingml/2006/main" xmlns:r="http://schemas.openxmlformats.org/officeDocument/2006/relationships" xmlns:p="http://schemas.openxmlformats.org/presentationml/2006/main" show="0">
   <p:cSld>
     <p:spTree>
       <p:nvGrpSpPr>
@@ -17852,7 +19618,7 @@
 </file>
 
 <file path=ppt/slides/slide9.xml><?xml version="1.0" encoding="utf-8"?>
-<p:sld xmlns:a="http://schemas.openxmlformats.org/drawingml/2006/main" xmlns:r="http://schemas.openxmlformats.org/officeDocument/2006/relationships" xmlns:p="http://schemas.openxmlformats.org/presentationml/2006/main">
+<p:sld xmlns:a="http://schemas.openxmlformats.org/drawingml/2006/main" xmlns:r="http://schemas.openxmlformats.org/officeDocument/2006/relationships" xmlns:p="http://schemas.openxmlformats.org/presentationml/2006/main" show="0">
   <p:cSld>
     <p:spTree>
       <p:nvGrpSpPr>

--- a/CSML-1010-Group 20-project milestone 1.pptx
+++ b/CSML-1010-Group 20-project milestone 1.pptx
@@ -5,7 +5,7 @@
     <p:sldMasterId id="2147483701" r:id="rId1"/>
   </p:sldMasterIdLst>
   <p:notesMasterIdLst>
-    <p:notesMasterId r:id="rId36"/>
+    <p:notesMasterId r:id="rId41"/>
   </p:notesMasterIdLst>
   <p:sldIdLst>
     <p:sldId id="256" r:id="rId2"/>
@@ -38,10 +38,15 @@
     <p:sldId id="281" r:id="rId29"/>
     <p:sldId id="284" r:id="rId30"/>
     <p:sldId id="285" r:id="rId31"/>
-    <p:sldId id="286" r:id="rId32"/>
-    <p:sldId id="287" r:id="rId33"/>
+    <p:sldId id="290" r:id="rId32"/>
+    <p:sldId id="291" r:id="rId33"/>
     <p:sldId id="288" r:id="rId34"/>
     <p:sldId id="289" r:id="rId35"/>
+    <p:sldId id="292" r:id="rId36"/>
+    <p:sldId id="293" r:id="rId37"/>
+    <p:sldId id="294" r:id="rId38"/>
+    <p:sldId id="295" r:id="rId39"/>
+    <p:sldId id="296" r:id="rId40"/>
   </p:sldIdLst>
   <p:sldSz cx="12192000" cy="6858000"/>
   <p:notesSz cx="6858000" cy="9144000"/>
@@ -230,7 +235,7 @@
           <a:p>
             <a:fld id="{B85DE7F0-AE7F-4578-8460-8A4D1D5C07D1}" type="datetimeFigureOut">
               <a:rPr lang="en-CA" smtClean="0"/>
-              <a:t>2020-04-17</a:t>
+              <a:t>2020-04-18</a:t>
             </a:fld>
             <a:endParaRPr lang="en-CA"/>
           </a:p>
@@ -1243,7 +1248,7 @@
           <a:p>
             <a:fld id="{4CC73EE9-91A7-4958-93D0-37A53DFBBE96}" type="datetime1">
               <a:rPr lang="en-CA" smtClean="0"/>
-              <a:t>2020-04-17</a:t>
+              <a:t>2020-04-18</a:t>
             </a:fld>
             <a:endParaRPr lang="en-CA"/>
           </a:p>
@@ -1514,7 +1519,7 @@
           <a:p>
             <a:fld id="{C2BC94A3-977C-44D0-A555-1EDC4CEC8DC6}" type="datetime1">
               <a:rPr lang="en-CA" smtClean="0"/>
-              <a:t>2020-04-17</a:t>
+              <a:t>2020-04-18</a:t>
             </a:fld>
             <a:endParaRPr lang="en-CA"/>
           </a:p>
@@ -1828,7 +1833,7 @@
           <a:p>
             <a:fld id="{A31AF5F5-F52E-41B0-9592-B433E56CDC27}" type="datetime1">
               <a:rPr lang="en-CA" smtClean="0"/>
-              <a:t>2020-04-17</a:t>
+              <a:t>2020-04-18</a:t>
             </a:fld>
             <a:endParaRPr lang="en-CA"/>
           </a:p>
@@ -2161,7 +2166,7 @@
           <a:p>
             <a:fld id="{1FFADB20-F4C4-415E-B2EE-B1658CEF21B8}" type="datetime1">
               <a:rPr lang="en-CA" smtClean="0"/>
-              <a:t>2020-04-17</a:t>
+              <a:t>2020-04-18</a:t>
             </a:fld>
             <a:endParaRPr lang="en-CA"/>
           </a:p>
@@ -2475,7 +2480,7 @@
           <a:p>
             <a:fld id="{24DB65F3-A6BD-45D6-8ADF-C571A880EA13}" type="datetime1">
               <a:rPr lang="en-CA" smtClean="0"/>
-              <a:t>2020-04-17</a:t>
+              <a:t>2020-04-18</a:t>
             </a:fld>
             <a:endParaRPr lang="en-CA"/>
           </a:p>
@@ -2868,7 +2873,7 @@
           <a:p>
             <a:fld id="{03FAA9A4-3466-473A-B575-599BA286318F}" type="datetime1">
               <a:rPr lang="en-CA" smtClean="0"/>
-              <a:t>2020-04-17</a:t>
+              <a:t>2020-04-18</a:t>
             </a:fld>
             <a:endParaRPr lang="en-CA"/>
           </a:p>
@@ -3038,7 +3043,7 @@
           <a:p>
             <a:fld id="{85BE4A4B-00E7-45A4-B459-25C9DAC8EDFB}" type="datetime1">
               <a:rPr lang="en-CA" smtClean="0"/>
-              <a:t>2020-04-17</a:t>
+              <a:t>2020-04-18</a:t>
             </a:fld>
             <a:endParaRPr lang="en-CA"/>
           </a:p>
@@ -3218,7 +3223,7 @@
           <a:p>
             <a:fld id="{8038F087-A3E1-4D35-A658-2061BD73A05B}" type="datetime1">
               <a:rPr lang="en-CA" smtClean="0"/>
-              <a:t>2020-04-17</a:t>
+              <a:t>2020-04-18</a:t>
             </a:fld>
             <a:endParaRPr lang="en-CA"/>
           </a:p>
@@ -3394,7 +3399,7 @@
           <a:p>
             <a:fld id="{472D3EFD-47C4-42E0-938A-5576AF368778}" type="datetime1">
               <a:rPr lang="en-CA" smtClean="0"/>
-              <a:t>2020-04-17</a:t>
+              <a:t>2020-04-18</a:t>
             </a:fld>
             <a:endParaRPr lang="en-CA"/>
           </a:p>
@@ -3673,7 +3678,7 @@
           <a:p>
             <a:fld id="{161A650D-1E34-4C51-8FEE-6C62E9763540}" type="datetime1">
               <a:rPr lang="en-CA" smtClean="0"/>
-              <a:t>2020-04-17</a:t>
+              <a:t>2020-04-18</a:t>
             </a:fld>
             <a:endParaRPr lang="en-CA"/>
           </a:p>
@@ -3905,7 +3910,7 @@
           <a:p>
             <a:fld id="{2FDD4DF9-54F4-4B1F-883E-7DA5F4E55976}" type="datetime1">
               <a:rPr lang="en-CA" smtClean="0"/>
-              <a:t>2020-04-17</a:t>
+              <a:t>2020-04-18</a:t>
             </a:fld>
             <a:endParaRPr lang="en-CA"/>
           </a:p>
@@ -4279,7 +4284,7 @@
           <a:p>
             <a:fld id="{3198FCC9-7617-4900-BE5A-E28D68814A76}" type="datetime1">
               <a:rPr lang="en-CA" smtClean="0"/>
-              <a:t>2020-04-17</a:t>
+              <a:t>2020-04-18</a:t>
             </a:fld>
             <a:endParaRPr lang="en-CA"/>
           </a:p>
@@ -4402,7 +4407,7 @@
           <a:p>
             <a:fld id="{5299BB6D-FFD4-448E-988A-00D606BC18D1}" type="datetime1">
               <a:rPr lang="en-CA" smtClean="0"/>
-              <a:t>2020-04-17</a:t>
+              <a:t>2020-04-18</a:t>
             </a:fld>
             <a:endParaRPr lang="en-CA"/>
           </a:p>
@@ -4497,7 +4502,7 @@
           <a:p>
             <a:fld id="{85760082-4D84-4F6B-80E4-6E9242F55194}" type="datetime1">
               <a:rPr lang="en-CA" smtClean="0"/>
-              <a:t>2020-04-17</a:t>
+              <a:t>2020-04-18</a:t>
             </a:fld>
             <a:endParaRPr lang="en-CA"/>
           </a:p>
@@ -4752,7 +4757,7 @@
           <a:p>
             <a:fld id="{4B6DAC70-F10C-4F2C-88E2-897E0B50CA10}" type="datetime1">
               <a:rPr lang="en-CA" smtClean="0"/>
-              <a:t>2020-04-17</a:t>
+              <a:t>2020-04-18</a:t>
             </a:fld>
             <a:endParaRPr lang="en-CA"/>
           </a:p>
@@ -5057,7 +5062,7 @@
           <a:p>
             <a:fld id="{15300159-0FDF-4A0D-A9FF-EFBD2FB35418}" type="datetime1">
               <a:rPr lang="en-CA" smtClean="0"/>
-              <a:t>2020-04-17</a:t>
+              <a:t>2020-04-18</a:t>
             </a:fld>
             <a:endParaRPr lang="en-CA"/>
           </a:p>
@@ -5759,7 +5764,7 @@
           <a:p>
             <a:fld id="{1CAC4B2A-ADF1-4AA0-B601-CA7BC98B188E}" type="datetime1">
               <a:rPr lang="en-CA" smtClean="0"/>
-              <a:t>2020-04-17</a:t>
+              <a:t>2020-04-18</a:t>
             </a:fld>
             <a:endParaRPr lang="en-CA"/>
           </a:p>
@@ -15813,7 +15818,7 @@
         </p:nvSpPr>
         <p:spPr>
           <a:xfrm>
-            <a:off x="677334" y="247887"/>
+            <a:off x="84143" y="49859"/>
             <a:ext cx="9711004" cy="568751"/>
           </a:xfrm>
         </p:spPr>
@@ -15943,196 +15948,154 @@
           </a:p>
         </p:txBody>
       </p:sp>
-      <p:grpSp>
-        <p:nvGrpSpPr>
-          <p:cNvPr id="27" name="Group 26">
+      <p:sp>
+        <p:nvSpPr>
+          <p:cNvPr id="25" name="TextBox 24">
             <a:extLst>
               <a:ext uri="{FF2B5EF4-FFF2-40B4-BE49-F238E27FC236}">
-                <a16:creationId xmlns:a16="http://schemas.microsoft.com/office/drawing/2014/main" id="{6959719E-B826-478E-A9C9-0F6FC2AFD4DB}"/>
+                <a16:creationId xmlns:a16="http://schemas.microsoft.com/office/drawing/2014/main" id="{9D54AD4C-1BB2-4865-915C-D9996B2ACC09}"/>
               </a:ext>
             </a:extLst>
           </p:cNvPr>
-          <p:cNvGrpSpPr/>
+          <p:cNvSpPr txBox="1"/>
           <p:nvPr/>
-        </p:nvGrpSpPr>
-        <p:grpSpPr>
+        </p:nvSpPr>
+        <p:spPr>
           <a:xfrm>
-            <a:off x="425171" y="1781445"/>
-            <a:ext cx="4575421" cy="3286306"/>
-            <a:chOff x="264912" y="1781445"/>
-            <a:chExt cx="4575421" cy="3286306"/>
+            <a:off x="844062" y="849692"/>
+            <a:ext cx="3921550" cy="369332"/>
           </a:xfrm>
-        </p:grpSpPr>
-        <p:pic>
-          <p:nvPicPr>
-            <p:cNvPr id="24" name="Picture 23">
-              <a:extLst>
-                <a:ext uri="{FF2B5EF4-FFF2-40B4-BE49-F238E27FC236}">
-                  <a16:creationId xmlns:a16="http://schemas.microsoft.com/office/drawing/2014/main" id="{E0A50440-FF92-4F5A-9897-D218DA1E28E9}"/>
-                </a:ext>
-              </a:extLst>
-            </p:cNvPr>
-            <p:cNvPicPr>
-              <a:picLocks noChangeAspect="1"/>
-            </p:cNvPicPr>
-            <p:nvPr/>
-          </p:nvPicPr>
-          <p:blipFill>
-            <a:blip r:embed="rId3">
-              <a:extLst>
-                <a:ext uri="{28A0092B-C50C-407E-A947-70E740481C1C}">
-                  <a14:useLocalDpi xmlns:a14="http://schemas.microsoft.com/office/drawing/2010/main" val="0"/>
-                </a:ext>
-              </a:extLst>
-            </a:blip>
-            <a:stretch>
-              <a:fillRect/>
-            </a:stretch>
-          </p:blipFill>
-          <p:spPr>
-            <a:xfrm>
-              <a:off x="264912" y="1781445"/>
-              <a:ext cx="4575421" cy="3023046"/>
-            </a:xfrm>
-            <a:prstGeom prst="rect">
-              <a:avLst/>
-            </a:prstGeom>
-          </p:spPr>
-        </p:pic>
-        <p:sp>
-          <p:nvSpPr>
-            <p:cNvPr id="25" name="TextBox 24">
-              <a:extLst>
-                <a:ext uri="{FF2B5EF4-FFF2-40B4-BE49-F238E27FC236}">
-                  <a16:creationId xmlns:a16="http://schemas.microsoft.com/office/drawing/2014/main" id="{9D54AD4C-1BB2-4865-915C-D9996B2ACC09}"/>
-                </a:ext>
-              </a:extLst>
-            </p:cNvPr>
-            <p:cNvSpPr txBox="1"/>
-            <p:nvPr/>
-          </p:nvSpPr>
-          <p:spPr>
-            <a:xfrm>
-              <a:off x="591847" y="4698419"/>
-              <a:ext cx="3921550" cy="369332"/>
-            </a:xfrm>
-            <a:prstGeom prst="rect">
-              <a:avLst/>
-            </a:prstGeom>
-            <a:noFill/>
-          </p:spPr>
-          <p:txBody>
-            <a:bodyPr wrap="square" rtlCol="0">
-              <a:spAutoFit/>
-            </a:bodyPr>
-            <a:lstStyle/>
-            <a:p>
-              <a:pPr algn="ctr"/>
-              <a:r>
-                <a:rPr lang="en-CA" u="sng" dirty="0">
-                  <a:latin typeface="Tw Cen MT" panose="020B0602020104020603" pitchFamily="34" charset="0"/>
-                </a:rPr>
-                <a:t>Precision Recall, CV Unigrams</a:t>
-              </a:r>
-            </a:p>
-          </p:txBody>
-        </p:sp>
-      </p:grpSp>
-      <p:grpSp>
-        <p:nvGrpSpPr>
-          <p:cNvPr id="28" name="Group 27">
+          <a:prstGeom prst="rect">
+            <a:avLst/>
+          </a:prstGeom>
+          <a:noFill/>
+        </p:spPr>
+        <p:txBody>
+          <a:bodyPr wrap="square" rtlCol="0">
+            <a:spAutoFit/>
+          </a:bodyPr>
+          <a:lstStyle/>
+          <a:p>
+            <a:pPr algn="ctr"/>
+            <a:r>
+              <a:rPr lang="en-CA" u="sng" dirty="0">
+                <a:latin typeface="Tw Cen MT" panose="020B0602020104020603" pitchFamily="34" charset="0"/>
+              </a:rPr>
+              <a:t>Precision Recall F1, CV Unigrams</a:t>
+            </a:r>
+          </a:p>
+        </p:txBody>
+      </p:sp>
+      <p:sp>
+        <p:nvSpPr>
+          <p:cNvPr id="26" name="TextBox 25">
             <a:extLst>
               <a:ext uri="{FF2B5EF4-FFF2-40B4-BE49-F238E27FC236}">
-                <a16:creationId xmlns:a16="http://schemas.microsoft.com/office/drawing/2014/main" id="{D603B2D2-2C91-4F2B-A24B-9CFEA6BE980C}"/>
+                <a16:creationId xmlns:a16="http://schemas.microsoft.com/office/drawing/2014/main" id="{8813AB88-CAC6-437A-8ABB-2EF2185111EA}"/>
               </a:ext>
             </a:extLst>
           </p:cNvPr>
-          <p:cNvGrpSpPr/>
+          <p:cNvSpPr txBox="1"/>
           <p:nvPr/>
-        </p:nvGrpSpPr>
-        <p:grpSpPr>
+        </p:nvSpPr>
+        <p:spPr>
           <a:xfrm>
-            <a:off x="5117970" y="1781445"/>
-            <a:ext cx="4763340" cy="3286306"/>
-            <a:chOff x="5117970" y="1781445"/>
-            <a:chExt cx="4763340" cy="3286306"/>
+            <a:off x="5718367" y="849692"/>
+            <a:ext cx="3921550" cy="369332"/>
           </a:xfrm>
-        </p:grpSpPr>
-        <p:pic>
-          <p:nvPicPr>
-            <p:cNvPr id="22" name="Picture 21">
-              <a:extLst>
-                <a:ext uri="{FF2B5EF4-FFF2-40B4-BE49-F238E27FC236}">
-                  <a16:creationId xmlns:a16="http://schemas.microsoft.com/office/drawing/2014/main" id="{ADC05463-3E68-4DD4-A6C6-DDA0C1317A80}"/>
-                </a:ext>
-              </a:extLst>
-            </p:cNvPr>
-            <p:cNvPicPr>
-              <a:picLocks noChangeAspect="1"/>
-            </p:cNvPicPr>
-            <p:nvPr/>
-          </p:nvPicPr>
-          <p:blipFill>
-            <a:blip r:embed="rId4">
-              <a:extLst>
-                <a:ext uri="{28A0092B-C50C-407E-A947-70E740481C1C}">
-                  <a14:useLocalDpi xmlns:a14="http://schemas.microsoft.com/office/drawing/2010/main" val="0"/>
-                </a:ext>
-              </a:extLst>
-            </a:blip>
-            <a:stretch>
-              <a:fillRect/>
-            </a:stretch>
-          </p:blipFill>
-          <p:spPr>
-            <a:xfrm>
-              <a:off x="5117970" y="1781445"/>
-              <a:ext cx="4763340" cy="3023046"/>
-            </a:xfrm>
-            <a:prstGeom prst="rect">
-              <a:avLst/>
-            </a:prstGeom>
-          </p:spPr>
-        </p:pic>
-        <p:sp>
-          <p:nvSpPr>
-            <p:cNvPr id="26" name="TextBox 25">
-              <a:extLst>
-                <a:ext uri="{FF2B5EF4-FFF2-40B4-BE49-F238E27FC236}">
-                  <a16:creationId xmlns:a16="http://schemas.microsoft.com/office/drawing/2014/main" id="{8813AB88-CAC6-437A-8ABB-2EF2185111EA}"/>
-                </a:ext>
-              </a:extLst>
-            </p:cNvPr>
-            <p:cNvSpPr txBox="1"/>
-            <p:nvPr/>
-          </p:nvSpPr>
-          <p:spPr>
-            <a:xfrm>
-              <a:off x="5538865" y="4698419"/>
-              <a:ext cx="3921550" cy="369332"/>
-            </a:xfrm>
-            <a:prstGeom prst="rect">
-              <a:avLst/>
-            </a:prstGeom>
-            <a:noFill/>
-          </p:spPr>
-          <p:txBody>
-            <a:bodyPr wrap="square" rtlCol="0">
-              <a:spAutoFit/>
-            </a:bodyPr>
-            <a:lstStyle/>
-            <a:p>
-              <a:pPr algn="ctr"/>
-              <a:r>
-                <a:rPr lang="en-CA" u="sng" dirty="0">
-                  <a:latin typeface="Tw Cen MT" panose="020B0602020104020603" pitchFamily="34" charset="0"/>
-                </a:rPr>
-                <a:t>Precision Recall, TF/IDF Unigrams</a:t>
-              </a:r>
-            </a:p>
-          </p:txBody>
-        </p:sp>
-      </p:grpSp>
+          <a:prstGeom prst="rect">
+            <a:avLst/>
+          </a:prstGeom>
+          <a:noFill/>
+        </p:spPr>
+        <p:txBody>
+          <a:bodyPr wrap="square" rtlCol="0">
+            <a:spAutoFit/>
+          </a:bodyPr>
+          <a:lstStyle/>
+          <a:p>
+            <a:pPr algn="ctr"/>
+            <a:r>
+              <a:rPr lang="en-CA" u="sng" dirty="0">
+                <a:latin typeface="Tw Cen MT" panose="020B0602020104020603" pitchFamily="34" charset="0"/>
+              </a:rPr>
+              <a:t>Precision Recall F1, TF/IDF Unigrams</a:t>
+            </a:r>
+          </a:p>
+        </p:txBody>
+      </p:sp>
+      <p:pic>
+        <p:nvPicPr>
+          <p:cNvPr id="11" name="Picture 10">
+            <a:extLst>
+              <a:ext uri="{FF2B5EF4-FFF2-40B4-BE49-F238E27FC236}">
+                <a16:creationId xmlns:a16="http://schemas.microsoft.com/office/drawing/2014/main" id="{1EF15744-6F85-4302-B9F7-0389119D8428}"/>
+              </a:ext>
+            </a:extLst>
+          </p:cNvPr>
+          <p:cNvPicPr>
+            <a:picLocks noChangeAspect="1"/>
+          </p:cNvPicPr>
+          <p:nvPr/>
+        </p:nvPicPr>
+        <p:blipFill>
+          <a:blip r:embed="rId3">
+            <a:extLst>
+              <a:ext uri="{28A0092B-C50C-407E-A947-70E740481C1C}">
+                <a14:useLocalDpi xmlns:a14="http://schemas.microsoft.com/office/drawing/2010/main" val="0"/>
+              </a:ext>
+            </a:extLst>
+          </a:blip>
+          <a:stretch>
+            <a:fillRect/>
+          </a:stretch>
+        </p:blipFill>
+        <p:spPr>
+          <a:xfrm>
+            <a:off x="620075" y="1252079"/>
+            <a:ext cx="4195376" cy="5358034"/>
+          </a:xfrm>
+          <a:prstGeom prst="rect">
+            <a:avLst/>
+          </a:prstGeom>
+        </p:spPr>
+      </p:pic>
+      <p:pic>
+        <p:nvPicPr>
+          <p:cNvPr id="13" name="Picture 12">
+            <a:extLst>
+              <a:ext uri="{FF2B5EF4-FFF2-40B4-BE49-F238E27FC236}">
+                <a16:creationId xmlns:a16="http://schemas.microsoft.com/office/drawing/2014/main" id="{E3AEE028-0FB0-437E-A000-B1A4E985A486}"/>
+              </a:ext>
+            </a:extLst>
+          </p:cNvPr>
+          <p:cNvPicPr>
+            <a:picLocks noChangeAspect="1"/>
+          </p:cNvPicPr>
+          <p:nvPr/>
+        </p:nvPicPr>
+        <p:blipFill>
+          <a:blip r:embed="rId4">
+            <a:extLst>
+              <a:ext uri="{28A0092B-C50C-407E-A947-70E740481C1C}">
+                <a14:useLocalDpi xmlns:a14="http://schemas.microsoft.com/office/drawing/2010/main" val="0"/>
+              </a:ext>
+            </a:extLst>
+          </a:blip>
+          <a:stretch>
+            <a:fillRect/>
+          </a:stretch>
+        </p:blipFill>
+        <p:spPr>
+          <a:xfrm>
+            <a:off x="5440941" y="1226417"/>
+            <a:ext cx="4198976" cy="5362632"/>
+          </a:xfrm>
+          <a:prstGeom prst="rect">
+            <a:avLst/>
+          </a:prstGeom>
+        </p:spPr>
+      </p:pic>
     </p:spTree>
     <p:extLst>
       <p:ext uri="{BB962C8B-B14F-4D97-AF65-F5344CB8AC3E}">
@@ -16181,7 +16144,7 @@
         </p:nvSpPr>
         <p:spPr>
           <a:xfrm>
-            <a:off x="677334" y="247887"/>
+            <a:off x="84143" y="49859"/>
             <a:ext cx="9711004" cy="568751"/>
           </a:xfrm>
         </p:spPr>
@@ -16195,7 +16158,7 @@
               <a:rPr lang="en-CA" dirty="0">
                 <a:latin typeface="Tw Cen MT" panose="020B0602020104020603" pitchFamily="34" charset="0"/>
               </a:rPr>
-              <a:t>SVM MODEL RESULTS (Cont’d)</a:t>
+              <a:t>SVM MODEL RESULTS</a:t>
             </a:r>
           </a:p>
         </p:txBody>
@@ -16325,7 +16288,7 @@
         </p:nvSpPr>
         <p:spPr>
           <a:xfrm>
-            <a:off x="591847" y="4698419"/>
+            <a:off x="844062" y="849692"/>
             <a:ext cx="3921550" cy="369332"/>
           </a:xfrm>
           <a:prstGeom prst="rect">
@@ -16344,7 +16307,7 @@
               <a:rPr lang="en-CA" u="sng" dirty="0">
                 <a:latin typeface="Tw Cen MT" panose="020B0602020104020603" pitchFamily="34" charset="0"/>
               </a:rPr>
-              <a:t>Precision Recall, CV N-grams</a:t>
+              <a:t>Precision Recall F1, CV N-grams</a:t>
             </a:r>
           </a:p>
         </p:txBody>
@@ -16363,7 +16326,7 @@
         </p:nvSpPr>
         <p:spPr>
           <a:xfrm>
-            <a:off x="5538865" y="4698419"/>
+            <a:off x="5718367" y="849692"/>
             <a:ext cx="3921550" cy="369332"/>
           </a:xfrm>
           <a:prstGeom prst="rect">
@@ -16382,7 +16345,7 @@
               <a:rPr lang="en-CA" u="sng" dirty="0">
                 <a:latin typeface="Tw Cen MT" panose="020B0602020104020603" pitchFamily="34" charset="0"/>
               </a:rPr>
-              <a:t>Precision Recall, TF/IDF N-grams</a:t>
+              <a:t>Precision Recall F1, TF/IDF N-grams</a:t>
             </a:r>
           </a:p>
         </p:txBody>
@@ -16392,7 +16355,7 @@
           <p:cNvPr id="7" name="Picture 6">
             <a:extLst>
               <a:ext uri="{FF2B5EF4-FFF2-40B4-BE49-F238E27FC236}">
-                <a16:creationId xmlns:a16="http://schemas.microsoft.com/office/drawing/2014/main" id="{C94EF066-A6DE-4905-AFF9-9436BA85A22B}"/>
+                <a16:creationId xmlns:a16="http://schemas.microsoft.com/office/drawing/2014/main" id="{B93C2296-0ED9-4A45-9821-B18AEEBFCA50}"/>
               </a:ext>
             </a:extLst>
           </p:cNvPr>
@@ -16415,8 +16378,8 @@
         </p:blipFill>
         <p:spPr>
           <a:xfrm>
-            <a:off x="356673" y="1781444"/>
-            <a:ext cx="4763341" cy="3023047"/>
+            <a:off x="617370" y="1247305"/>
+            <a:ext cx="4195377" cy="5358035"/>
           </a:xfrm>
           <a:prstGeom prst="rect">
             <a:avLst/>
@@ -16428,7 +16391,7 @@
           <p:cNvPr id="9" name="Picture 8">
             <a:extLst>
               <a:ext uri="{FF2B5EF4-FFF2-40B4-BE49-F238E27FC236}">
-                <a16:creationId xmlns:a16="http://schemas.microsoft.com/office/drawing/2014/main" id="{78815C7B-CF4B-4F87-9228-78EBE1EE5435}"/>
+                <a16:creationId xmlns:a16="http://schemas.microsoft.com/office/drawing/2014/main" id="{E9F05EFE-2F2A-4BB5-9E32-EF1582EEAE6E}"/>
               </a:ext>
             </a:extLst>
           </p:cNvPr>
@@ -16451,8 +16414,8 @@
         </p:blipFill>
         <p:spPr>
           <a:xfrm>
-            <a:off x="5117970" y="1781444"/>
-            <a:ext cx="4763340" cy="3023046"/>
+            <a:off x="5439266" y="1228451"/>
+            <a:ext cx="4195377" cy="5358035"/>
           </a:xfrm>
           <a:prstGeom prst="rect">
             <a:avLst/>
@@ -16462,7 +16425,7 @@
     </p:spTree>
     <p:extLst>
       <p:ext uri="{BB962C8B-B14F-4D97-AF65-F5344CB8AC3E}">
-        <p14:creationId xmlns:p14="http://schemas.microsoft.com/office/powerpoint/2010/main" val="2478524609"/>
+        <p14:creationId xmlns:p14="http://schemas.microsoft.com/office/powerpoint/2010/main" val="3792567701"/>
       </p:ext>
     </p:extLst>
   </p:cSld>
@@ -16507,7 +16470,7 @@
         </p:nvSpPr>
         <p:spPr>
           <a:xfrm>
-            <a:off x="677334" y="247887"/>
+            <a:off x="84143" y="49859"/>
             <a:ext cx="9711004" cy="568751"/>
           </a:xfrm>
         </p:spPr>
@@ -16521,7 +16484,7 @@
               <a:rPr lang="en-CA" dirty="0">
                 <a:latin typeface="Tw Cen MT" panose="020B0602020104020603" pitchFamily="34" charset="0"/>
               </a:rPr>
-              <a:t>SVM MODEL RESULTS (Cont’d)</a:t>
+              <a:t>SVM MODEL RESULTS</a:t>
             </a:r>
           </a:p>
         </p:txBody>
@@ -16651,7 +16614,7 @@
         </p:nvSpPr>
         <p:spPr>
           <a:xfrm>
-            <a:off x="591847" y="4698419"/>
+            <a:off x="844062" y="849692"/>
             <a:ext cx="3921550" cy="369332"/>
           </a:xfrm>
           <a:prstGeom prst="rect">
@@ -16670,7 +16633,7 @@
               <a:rPr lang="en-CA" u="sng" dirty="0">
                 <a:latin typeface="Tw Cen MT" panose="020B0602020104020603" pitchFamily="34" charset="0"/>
               </a:rPr>
-              <a:t>Precision Recall, CV Chars</a:t>
+              <a:t>Precision Recall F1, CV Chars</a:t>
             </a:r>
           </a:p>
         </p:txBody>
@@ -16689,7 +16652,7 @@
         </p:nvSpPr>
         <p:spPr>
           <a:xfrm>
-            <a:off x="5538865" y="4698419"/>
+            <a:off x="5718367" y="849692"/>
             <a:ext cx="3921550" cy="369332"/>
           </a:xfrm>
           <a:prstGeom prst="rect">
@@ -16708,17 +16671,17 @@
               <a:rPr lang="en-CA" u="sng" dirty="0">
                 <a:latin typeface="Tw Cen MT" panose="020B0602020104020603" pitchFamily="34" charset="0"/>
               </a:rPr>
-              <a:t>Precision Recall, TF/IDF Chars</a:t>
+              <a:t>Precision Recall F1, TF/IDF Chars</a:t>
             </a:r>
           </a:p>
         </p:txBody>
       </p:sp>
       <p:pic>
         <p:nvPicPr>
-          <p:cNvPr id="11" name="Picture 10">
+          <p:cNvPr id="8" name="Picture 7">
             <a:extLst>
               <a:ext uri="{FF2B5EF4-FFF2-40B4-BE49-F238E27FC236}">
-                <a16:creationId xmlns:a16="http://schemas.microsoft.com/office/drawing/2014/main" id="{E68C17D0-31CD-4AF6-993F-930E523A1574}"/>
+                <a16:creationId xmlns:a16="http://schemas.microsoft.com/office/drawing/2014/main" id="{1F1928E4-4165-4B32-A1EE-AAA792256D14}"/>
               </a:ext>
             </a:extLst>
           </p:cNvPr>
@@ -16741,8 +16704,8 @@
         </p:blipFill>
         <p:spPr>
           <a:xfrm>
-            <a:off x="5122240" y="1777330"/>
-            <a:ext cx="4763340" cy="3023046"/>
+            <a:off x="617370" y="1242651"/>
+            <a:ext cx="4195377" cy="5358036"/>
           </a:xfrm>
           <a:prstGeom prst="rect">
             <a:avLst/>
@@ -16751,10 +16714,10 @@
       </p:pic>
       <p:pic>
         <p:nvPicPr>
-          <p:cNvPr id="14" name="Picture 13">
+          <p:cNvPr id="11" name="Picture 10">
             <a:extLst>
               <a:ext uri="{FF2B5EF4-FFF2-40B4-BE49-F238E27FC236}">
-                <a16:creationId xmlns:a16="http://schemas.microsoft.com/office/drawing/2014/main" id="{13FE7D8B-405A-4FBB-B057-A8C2DD3B412F}"/>
+                <a16:creationId xmlns:a16="http://schemas.microsoft.com/office/drawing/2014/main" id="{658258A0-0511-4C02-8689-9DE73D046217}"/>
               </a:ext>
             </a:extLst>
           </p:cNvPr>
@@ -16777,8 +16740,8 @@
         </p:blipFill>
         <p:spPr>
           <a:xfrm>
-            <a:off x="337818" y="1781444"/>
-            <a:ext cx="4785125" cy="3023046"/>
+            <a:off x="5440048" y="1233224"/>
+            <a:ext cx="4195377" cy="5358036"/>
           </a:xfrm>
           <a:prstGeom prst="rect">
             <a:avLst/>
@@ -16788,7 +16751,7 @@
     </p:spTree>
     <p:extLst>
       <p:ext uri="{BB962C8B-B14F-4D97-AF65-F5344CB8AC3E}">
-        <p14:creationId xmlns:p14="http://schemas.microsoft.com/office/powerpoint/2010/main" val="2720877571"/>
+        <p14:creationId xmlns:p14="http://schemas.microsoft.com/office/powerpoint/2010/main" val="3504670997"/>
       </p:ext>
     </p:extLst>
   </p:cSld>
@@ -17745,6 +17708,2576 @@
     <p:extLst>
       <p:ext uri="{BB962C8B-B14F-4D97-AF65-F5344CB8AC3E}">
         <p14:creationId xmlns:p14="http://schemas.microsoft.com/office/powerpoint/2010/main" val="1766826639"/>
+      </p:ext>
+    </p:extLst>
+  </p:cSld>
+  <p:clrMapOvr>
+    <a:masterClrMapping/>
+  </p:clrMapOvr>
+</p:sld>
+</file>
+
+<file path=ppt/slides/slide35.xml><?xml version="1.0" encoding="utf-8"?>
+<p:sld xmlns:a="http://schemas.openxmlformats.org/drawingml/2006/main" xmlns:r="http://schemas.openxmlformats.org/officeDocument/2006/relationships" xmlns:p="http://schemas.openxmlformats.org/presentationml/2006/main">
+  <p:cSld>
+    <p:spTree>
+      <p:nvGrpSpPr>
+        <p:cNvPr id="1" name=""/>
+        <p:cNvGrpSpPr/>
+        <p:nvPr/>
+      </p:nvGrpSpPr>
+      <p:grpSpPr>
+        <a:xfrm>
+          <a:off x="0" y="0"/>
+          <a:ext cx="0" cy="0"/>
+          <a:chOff x="0" y="0"/>
+          <a:chExt cx="0" cy="0"/>
+        </a:xfrm>
+      </p:grpSpPr>
+      <p:sp>
+        <p:nvSpPr>
+          <p:cNvPr id="2" name="Title 1">
+            <a:extLst>
+              <a:ext uri="{FF2B5EF4-FFF2-40B4-BE49-F238E27FC236}">
+                <a16:creationId xmlns:a16="http://schemas.microsoft.com/office/drawing/2014/main" id="{EA589DF6-D5DE-4CF4-8016-035CD759DB88}"/>
+              </a:ext>
+            </a:extLst>
+          </p:cNvPr>
+          <p:cNvSpPr>
+            <a:spLocks noGrp="1"/>
+          </p:cNvSpPr>
+          <p:nvPr>
+            <p:ph type="title"/>
+          </p:nvPr>
+        </p:nvSpPr>
+        <p:spPr>
+          <a:xfrm>
+            <a:off x="174576" y="259133"/>
+            <a:ext cx="9711004" cy="568751"/>
+          </a:xfrm>
+        </p:spPr>
+        <p:txBody>
+          <a:bodyPr>
+            <a:noAutofit/>
+          </a:bodyPr>
+          <a:lstStyle/>
+          <a:p>
+            <a:r>
+              <a:rPr lang="en-CA" sz="2800" dirty="0">
+                <a:latin typeface="Tw Cen MT" panose="020B0602020104020603" pitchFamily="34" charset="0"/>
+              </a:rPr>
+              <a:t>FEATURE SELECTION</a:t>
+            </a:r>
+          </a:p>
+        </p:txBody>
+      </p:sp>
+      <p:sp>
+        <p:nvSpPr>
+          <p:cNvPr id="3" name="Content Placeholder 2">
+            <a:extLst>
+              <a:ext uri="{FF2B5EF4-FFF2-40B4-BE49-F238E27FC236}">
+                <a16:creationId xmlns:a16="http://schemas.microsoft.com/office/drawing/2014/main" id="{9864056A-5D51-4C12-9F12-E255804EFC9A}"/>
+              </a:ext>
+            </a:extLst>
+          </p:cNvPr>
+          <p:cNvSpPr>
+            <a:spLocks noGrp="1"/>
+          </p:cNvSpPr>
+          <p:nvPr>
+            <p:ph idx="1"/>
+          </p:nvPr>
+        </p:nvSpPr>
+        <p:spPr>
+          <a:xfrm>
+            <a:off x="480767" y="816638"/>
+            <a:ext cx="8917757" cy="5932953"/>
+          </a:xfrm>
+        </p:spPr>
+        <p:txBody>
+          <a:bodyPr>
+            <a:noAutofit/>
+          </a:bodyPr>
+          <a:lstStyle/>
+          <a:p>
+            <a:pPr marL="0" indent="0">
+              <a:buNone/>
+            </a:pPr>
+            <a:r>
+              <a:rPr lang="en-US" sz="2400" dirty="0">
+                <a:latin typeface="Tw Cen MT" panose="020B0602020104020603" pitchFamily="34" charset="0"/>
+              </a:rPr>
+              <a:t> </a:t>
+            </a:r>
+          </a:p>
+          <a:p>
+            <a:endParaRPr lang="en-US" sz="2400" dirty="0">
+              <a:latin typeface="Tw Cen MT" panose="020B0602020104020603" pitchFamily="34" charset="0"/>
+            </a:endParaRPr>
+          </a:p>
+        </p:txBody>
+      </p:sp>
+      <p:pic>
+        <p:nvPicPr>
+          <p:cNvPr id="5" name="Picture 4">
+            <a:extLst>
+              <a:ext uri="{FF2B5EF4-FFF2-40B4-BE49-F238E27FC236}">
+                <a16:creationId xmlns:a16="http://schemas.microsoft.com/office/drawing/2014/main" id="{506193B0-D684-41FB-9EE5-3A2300775B91}"/>
+              </a:ext>
+            </a:extLst>
+          </p:cNvPr>
+          <p:cNvPicPr>
+            <a:picLocks noChangeAspect="1"/>
+          </p:cNvPicPr>
+          <p:nvPr/>
+        </p:nvPicPr>
+        <p:blipFill>
+          <a:blip r:embed="rId2">
+            <a:extLst>
+              <a:ext uri="{28A0092B-C50C-407E-A947-70E740481C1C}">
+                <a14:useLocalDpi xmlns:a14="http://schemas.microsoft.com/office/drawing/2010/main" val="0"/>
+              </a:ext>
+            </a:extLst>
+          </a:blip>
+          <a:stretch>
+            <a:fillRect/>
+          </a:stretch>
+        </p:blipFill>
+        <p:spPr>
+          <a:xfrm>
+            <a:off x="9534428" y="5901274"/>
+            <a:ext cx="2657572" cy="956726"/>
+          </a:xfrm>
+          <a:prstGeom prst="rect">
+            <a:avLst/>
+          </a:prstGeom>
+        </p:spPr>
+      </p:pic>
+      <p:sp>
+        <p:nvSpPr>
+          <p:cNvPr id="4" name="Slide Number Placeholder 3">
+            <a:extLst>
+              <a:ext uri="{FF2B5EF4-FFF2-40B4-BE49-F238E27FC236}">
+                <a16:creationId xmlns:a16="http://schemas.microsoft.com/office/drawing/2014/main" id="{1CAB8914-5F21-4646-AF50-3B5775EA692A}"/>
+              </a:ext>
+            </a:extLst>
+          </p:cNvPr>
+          <p:cNvSpPr>
+            <a:spLocks noGrp="1"/>
+          </p:cNvSpPr>
+          <p:nvPr>
+            <p:ph type="sldNum" sz="quarter" idx="12"/>
+          </p:nvPr>
+        </p:nvSpPr>
+        <p:spPr/>
+        <p:txBody>
+          <a:bodyPr/>
+          <a:lstStyle/>
+          <a:p>
+            <a:fld id="{0540F40C-19D0-4AE1-B3AF-4A4F01D6E71D}" type="slidenum">
+              <a:rPr lang="en-CA" smtClean="0"/>
+              <a:pPr/>
+              <a:t>35</a:t>
+            </a:fld>
+            <a:endParaRPr lang="en-CA"/>
+          </a:p>
+        </p:txBody>
+      </p:sp>
+      <p:sp>
+        <p:nvSpPr>
+          <p:cNvPr id="7" name="Content Placeholder 2">
+            <a:extLst>
+              <a:ext uri="{FF2B5EF4-FFF2-40B4-BE49-F238E27FC236}">
+                <a16:creationId xmlns:a16="http://schemas.microsoft.com/office/drawing/2014/main" id="{FDD8614D-3C9F-4145-ADD8-FF9322EF72CB}"/>
+              </a:ext>
+            </a:extLst>
+          </p:cNvPr>
+          <p:cNvSpPr txBox="1">
+            <a:spLocks/>
+          </p:cNvSpPr>
+          <p:nvPr/>
+        </p:nvSpPr>
+        <p:spPr>
+          <a:xfrm>
+            <a:off x="571199" y="925047"/>
+            <a:ext cx="8917757" cy="5932953"/>
+          </a:xfrm>
+          <a:prstGeom prst="rect">
+            <a:avLst/>
+          </a:prstGeom>
+        </p:spPr>
+        <p:txBody>
+          <a:bodyPr vert="horz" lIns="91440" tIns="45720" rIns="91440" bIns="45720" rtlCol="0">
+            <a:noAutofit/>
+          </a:bodyPr>
+          <a:lstStyle>
+            <a:lvl1pPr marL="342900" indent="-342900" algn="l" defTabSz="457200" rtl="0" eaLnBrk="1" latinLnBrk="0" hangingPunct="1">
+              <a:spcBef>
+                <a:spcPts val="1000"/>
+              </a:spcBef>
+              <a:spcAft>
+                <a:spcPts val="0"/>
+              </a:spcAft>
+              <a:buClr>
+                <a:schemeClr val="accent1"/>
+              </a:buClr>
+              <a:buSzPct val="80000"/>
+              <a:buFont typeface="Wingdings 3" charset="2"/>
+              <a:buChar char=""/>
+              <a:defRPr sz="1800" kern="1200">
+                <a:solidFill>
+                  <a:schemeClr val="tx1">
+                    <a:lumMod val="75000"/>
+                    <a:lumOff val="25000"/>
+                  </a:schemeClr>
+                </a:solidFill>
+                <a:latin typeface="+mn-lt"/>
+                <a:ea typeface="+mn-ea"/>
+                <a:cs typeface="+mn-cs"/>
+              </a:defRPr>
+            </a:lvl1pPr>
+            <a:lvl2pPr marL="742950" indent="-285750" algn="l" defTabSz="457200" rtl="0" eaLnBrk="1" latinLnBrk="0" hangingPunct="1">
+              <a:spcBef>
+                <a:spcPts val="1000"/>
+              </a:spcBef>
+              <a:spcAft>
+                <a:spcPts val="0"/>
+              </a:spcAft>
+              <a:buClr>
+                <a:schemeClr val="accent1"/>
+              </a:buClr>
+              <a:buSzPct val="80000"/>
+              <a:buFont typeface="Wingdings 3" charset="2"/>
+              <a:buChar char=""/>
+              <a:defRPr sz="1600" kern="1200">
+                <a:solidFill>
+                  <a:schemeClr val="tx1">
+                    <a:lumMod val="75000"/>
+                    <a:lumOff val="25000"/>
+                  </a:schemeClr>
+                </a:solidFill>
+                <a:latin typeface="+mn-lt"/>
+                <a:ea typeface="+mn-ea"/>
+                <a:cs typeface="+mn-cs"/>
+              </a:defRPr>
+            </a:lvl2pPr>
+            <a:lvl3pPr marL="1143000" indent="-228600" algn="l" defTabSz="457200" rtl="0" eaLnBrk="1" latinLnBrk="0" hangingPunct="1">
+              <a:spcBef>
+                <a:spcPts val="1000"/>
+              </a:spcBef>
+              <a:spcAft>
+                <a:spcPts val="0"/>
+              </a:spcAft>
+              <a:buClr>
+                <a:schemeClr val="accent1"/>
+              </a:buClr>
+              <a:buSzPct val="80000"/>
+              <a:buFont typeface="Wingdings 3" charset="2"/>
+              <a:buChar char=""/>
+              <a:defRPr sz="1400" kern="1200">
+                <a:solidFill>
+                  <a:schemeClr val="tx1">
+                    <a:lumMod val="75000"/>
+                    <a:lumOff val="25000"/>
+                  </a:schemeClr>
+                </a:solidFill>
+                <a:latin typeface="+mn-lt"/>
+                <a:ea typeface="+mn-ea"/>
+                <a:cs typeface="+mn-cs"/>
+              </a:defRPr>
+            </a:lvl3pPr>
+            <a:lvl4pPr marL="1600200" indent="-228600" algn="l" defTabSz="457200" rtl="0" eaLnBrk="1" latinLnBrk="0" hangingPunct="1">
+              <a:spcBef>
+                <a:spcPts val="1000"/>
+              </a:spcBef>
+              <a:spcAft>
+                <a:spcPts val="0"/>
+              </a:spcAft>
+              <a:buClr>
+                <a:schemeClr val="accent1"/>
+              </a:buClr>
+              <a:buSzPct val="80000"/>
+              <a:buFont typeface="Wingdings 3" charset="2"/>
+              <a:buChar char=""/>
+              <a:defRPr sz="1200" kern="1200">
+                <a:solidFill>
+                  <a:schemeClr val="tx1">
+                    <a:lumMod val="75000"/>
+                    <a:lumOff val="25000"/>
+                  </a:schemeClr>
+                </a:solidFill>
+                <a:latin typeface="+mn-lt"/>
+                <a:ea typeface="+mn-ea"/>
+                <a:cs typeface="+mn-cs"/>
+              </a:defRPr>
+            </a:lvl4pPr>
+            <a:lvl5pPr marL="2057400" indent="-228600" algn="l" defTabSz="457200" rtl="0" eaLnBrk="1" latinLnBrk="0" hangingPunct="1">
+              <a:spcBef>
+                <a:spcPts val="1000"/>
+              </a:spcBef>
+              <a:spcAft>
+                <a:spcPts val="0"/>
+              </a:spcAft>
+              <a:buClr>
+                <a:schemeClr val="accent1"/>
+              </a:buClr>
+              <a:buSzPct val="80000"/>
+              <a:buFont typeface="Wingdings 3" charset="2"/>
+              <a:buChar char=""/>
+              <a:defRPr sz="1200" kern="1200">
+                <a:solidFill>
+                  <a:schemeClr val="tx1">
+                    <a:lumMod val="75000"/>
+                    <a:lumOff val="25000"/>
+                  </a:schemeClr>
+                </a:solidFill>
+                <a:latin typeface="+mn-lt"/>
+                <a:ea typeface="+mn-ea"/>
+                <a:cs typeface="+mn-cs"/>
+              </a:defRPr>
+            </a:lvl5pPr>
+            <a:lvl6pPr marL="2514600" indent="-228600" algn="l" defTabSz="457200" rtl="0" eaLnBrk="1" latinLnBrk="0" hangingPunct="1">
+              <a:spcBef>
+                <a:spcPts val="1000"/>
+              </a:spcBef>
+              <a:spcAft>
+                <a:spcPts val="0"/>
+              </a:spcAft>
+              <a:buClr>
+                <a:schemeClr val="accent1"/>
+              </a:buClr>
+              <a:buSzPct val="80000"/>
+              <a:buFont typeface="Wingdings 3" charset="2"/>
+              <a:buChar char=""/>
+              <a:defRPr sz="1200" kern="1200">
+                <a:solidFill>
+                  <a:schemeClr val="tx1">
+                    <a:lumMod val="75000"/>
+                    <a:lumOff val="25000"/>
+                  </a:schemeClr>
+                </a:solidFill>
+                <a:latin typeface="+mn-lt"/>
+                <a:ea typeface="+mn-ea"/>
+                <a:cs typeface="+mn-cs"/>
+              </a:defRPr>
+            </a:lvl6pPr>
+            <a:lvl7pPr marL="2971800" indent="-228600" algn="l" defTabSz="457200" rtl="0" eaLnBrk="1" latinLnBrk="0" hangingPunct="1">
+              <a:spcBef>
+                <a:spcPts val="1000"/>
+              </a:spcBef>
+              <a:spcAft>
+                <a:spcPts val="0"/>
+              </a:spcAft>
+              <a:buClr>
+                <a:schemeClr val="accent1"/>
+              </a:buClr>
+              <a:buSzPct val="80000"/>
+              <a:buFont typeface="Wingdings 3" charset="2"/>
+              <a:buChar char=""/>
+              <a:defRPr sz="1200" kern="1200">
+                <a:solidFill>
+                  <a:schemeClr val="tx1">
+                    <a:lumMod val="75000"/>
+                    <a:lumOff val="25000"/>
+                  </a:schemeClr>
+                </a:solidFill>
+                <a:latin typeface="+mn-lt"/>
+                <a:ea typeface="+mn-ea"/>
+                <a:cs typeface="+mn-cs"/>
+              </a:defRPr>
+            </a:lvl7pPr>
+            <a:lvl8pPr marL="3429000" indent="-228600" algn="l" defTabSz="457200" rtl="0" eaLnBrk="1" latinLnBrk="0" hangingPunct="1">
+              <a:spcBef>
+                <a:spcPts val="1000"/>
+              </a:spcBef>
+              <a:spcAft>
+                <a:spcPts val="0"/>
+              </a:spcAft>
+              <a:buClr>
+                <a:schemeClr val="accent1"/>
+              </a:buClr>
+              <a:buSzPct val="80000"/>
+              <a:buFont typeface="Wingdings 3" charset="2"/>
+              <a:buChar char=""/>
+              <a:defRPr sz="1200" kern="1200">
+                <a:solidFill>
+                  <a:schemeClr val="tx1">
+                    <a:lumMod val="75000"/>
+                    <a:lumOff val="25000"/>
+                  </a:schemeClr>
+                </a:solidFill>
+                <a:latin typeface="+mn-lt"/>
+                <a:ea typeface="+mn-ea"/>
+                <a:cs typeface="+mn-cs"/>
+              </a:defRPr>
+            </a:lvl8pPr>
+            <a:lvl9pPr marL="3886200" indent="-228600" algn="l" defTabSz="457200" rtl="0" eaLnBrk="1" latinLnBrk="0" hangingPunct="1">
+              <a:spcBef>
+                <a:spcPts val="1000"/>
+              </a:spcBef>
+              <a:spcAft>
+                <a:spcPts val="0"/>
+              </a:spcAft>
+              <a:buClr>
+                <a:schemeClr val="accent1"/>
+              </a:buClr>
+              <a:buSzPct val="80000"/>
+              <a:buFont typeface="Wingdings 3" charset="2"/>
+              <a:buChar char=""/>
+              <a:defRPr sz="1200" kern="1200">
+                <a:solidFill>
+                  <a:schemeClr val="tx1">
+                    <a:lumMod val="75000"/>
+                    <a:lumOff val="25000"/>
+                  </a:schemeClr>
+                </a:solidFill>
+                <a:latin typeface="+mn-lt"/>
+                <a:ea typeface="+mn-ea"/>
+                <a:cs typeface="+mn-cs"/>
+              </a:defRPr>
+            </a:lvl9pPr>
+          </a:lstStyle>
+          <a:p>
+            <a:r>
+              <a:rPr lang="en-CA" sz="2400" dirty="0">
+                <a:latin typeface="Tw Cen MT" panose="020B0602020104020603" pitchFamily="34" charset="0"/>
+              </a:rPr>
+              <a:t>We did feature selection using the package </a:t>
+            </a:r>
+            <a:r>
+              <a:rPr lang="en-CA" sz="2400" dirty="0" err="1">
+                <a:latin typeface="Tw Cen MT" panose="020B0602020104020603" pitchFamily="34" charset="0"/>
+              </a:rPr>
+              <a:t>f_class_if</a:t>
+            </a:r>
+            <a:r>
+              <a:rPr lang="en-CA" sz="2400" dirty="0">
+                <a:latin typeface="Tw Cen MT" panose="020B0602020104020603" pitchFamily="34" charset="0"/>
+              </a:rPr>
+              <a:t> from </a:t>
+            </a:r>
+            <a:r>
+              <a:rPr lang="en-CA" sz="2400" dirty="0" err="1">
+                <a:latin typeface="Tw Cen MT" panose="020B0602020104020603" pitchFamily="34" charset="0"/>
+              </a:rPr>
+              <a:t>sklearn</a:t>
+            </a:r>
+            <a:r>
+              <a:rPr lang="en-CA" sz="2400" dirty="0">
+                <a:latin typeface="Tw Cen MT" panose="020B0602020104020603" pitchFamily="34" charset="0"/>
+              </a:rPr>
+              <a:t> to select the top 10 percentile from each vectorizer / embedding</a:t>
+            </a:r>
+            <a:endParaRPr lang="en-US" sz="2400" dirty="0">
+              <a:latin typeface="Tw Cen MT" panose="020B0602020104020603" pitchFamily="34" charset="0"/>
+            </a:endParaRPr>
+          </a:p>
+        </p:txBody>
+      </p:sp>
+      <p:sp>
+        <p:nvSpPr>
+          <p:cNvPr id="8" name="TextBox 7">
+            <a:extLst>
+              <a:ext uri="{FF2B5EF4-FFF2-40B4-BE49-F238E27FC236}">
+                <a16:creationId xmlns:a16="http://schemas.microsoft.com/office/drawing/2014/main" id="{327C4F72-4D9E-4413-8851-4C25804A5B46}"/>
+              </a:ext>
+            </a:extLst>
+          </p:cNvPr>
+          <p:cNvSpPr txBox="1"/>
+          <p:nvPr/>
+        </p:nvSpPr>
+        <p:spPr>
+          <a:xfrm>
+            <a:off x="571199" y="2293746"/>
+            <a:ext cx="8917757" cy="1323439"/>
+          </a:xfrm>
+          <a:prstGeom prst="rect">
+            <a:avLst/>
+          </a:prstGeom>
+          <a:noFill/>
+          <a:ln>
+            <a:solidFill>
+              <a:schemeClr val="accent1">
+                <a:lumMod val="60000"/>
+                <a:lumOff val="40000"/>
+              </a:schemeClr>
+            </a:solidFill>
+          </a:ln>
+        </p:spPr>
+        <p:txBody>
+          <a:bodyPr wrap="square" rtlCol="0">
+            <a:spAutoFit/>
+          </a:bodyPr>
+          <a:lstStyle/>
+          <a:p>
+            <a:r>
+              <a:rPr lang="en-CA" sz="2000" dirty="0">
+                <a:latin typeface="Tw Cen MT" panose="020B0602020104020603" pitchFamily="34" charset="0"/>
+              </a:rPr>
+              <a:t>selector = </a:t>
+            </a:r>
+            <a:r>
+              <a:rPr lang="en-CA" sz="2000" dirty="0" err="1">
+                <a:latin typeface="Tw Cen MT" panose="020B0602020104020603" pitchFamily="34" charset="0"/>
+              </a:rPr>
+              <a:t>SelectPercentile</a:t>
+            </a:r>
+            <a:r>
+              <a:rPr lang="en-CA" sz="2000" dirty="0">
+                <a:latin typeface="Tw Cen MT" panose="020B0602020104020603" pitchFamily="34" charset="0"/>
+              </a:rPr>
+              <a:t>(</a:t>
+            </a:r>
+            <a:r>
+              <a:rPr lang="en-CA" sz="2000" dirty="0" err="1">
+                <a:latin typeface="Tw Cen MT" panose="020B0602020104020603" pitchFamily="34" charset="0"/>
+              </a:rPr>
+              <a:t>f_classif</a:t>
+            </a:r>
+            <a:r>
+              <a:rPr lang="en-CA" sz="2000" dirty="0">
+                <a:latin typeface="Tw Cen MT" panose="020B0602020104020603" pitchFamily="34" charset="0"/>
+              </a:rPr>
+              <a:t>, percentile=10)</a:t>
+            </a:r>
+          </a:p>
+          <a:p>
+            <a:r>
+              <a:rPr lang="en-CA" sz="2000" dirty="0" err="1">
+                <a:latin typeface="Tw Cen MT" panose="020B0602020104020603" pitchFamily="34" charset="0"/>
+              </a:rPr>
+              <a:t>selector.fit</a:t>
+            </a:r>
+            <a:r>
+              <a:rPr lang="en-CA" sz="2000" dirty="0">
+                <a:latin typeface="Tw Cen MT" panose="020B0602020104020603" pitchFamily="34" charset="0"/>
+              </a:rPr>
+              <a:t>(</a:t>
+            </a:r>
+            <a:r>
+              <a:rPr lang="en-CA" sz="2000" dirty="0" err="1">
+                <a:latin typeface="Tw Cen MT" panose="020B0602020104020603" pitchFamily="34" charset="0"/>
+              </a:rPr>
+              <a:t>x_train_cv</a:t>
+            </a:r>
+            <a:r>
+              <a:rPr lang="en-CA" sz="2000" dirty="0">
+                <a:latin typeface="Tw Cen MT" panose="020B0602020104020603" pitchFamily="34" charset="0"/>
+              </a:rPr>
+              <a:t>, </a:t>
+            </a:r>
+            <a:r>
+              <a:rPr lang="en-CA" sz="2000" dirty="0" err="1">
+                <a:latin typeface="Tw Cen MT" panose="020B0602020104020603" pitchFamily="34" charset="0"/>
+              </a:rPr>
+              <a:t>train_data_sample.category</a:t>
+            </a:r>
+            <a:r>
+              <a:rPr lang="en-CA" sz="2000" dirty="0">
+                <a:latin typeface="Tw Cen MT" panose="020B0602020104020603" pitchFamily="34" charset="0"/>
+              </a:rPr>
+              <a:t>)</a:t>
+            </a:r>
+          </a:p>
+          <a:p>
+            <a:r>
+              <a:rPr lang="en-CA" sz="2000" dirty="0">
+                <a:latin typeface="Tw Cen MT" panose="020B0602020104020603" pitchFamily="34" charset="0"/>
+              </a:rPr>
+              <a:t>x_train_cv_10p = </a:t>
+            </a:r>
+            <a:r>
+              <a:rPr lang="en-CA" sz="2000" dirty="0" err="1">
+                <a:latin typeface="Tw Cen MT" panose="020B0602020104020603" pitchFamily="34" charset="0"/>
+              </a:rPr>
+              <a:t>selector.transform</a:t>
+            </a:r>
+            <a:r>
+              <a:rPr lang="en-CA" sz="2000" dirty="0">
+                <a:latin typeface="Tw Cen MT" panose="020B0602020104020603" pitchFamily="34" charset="0"/>
+              </a:rPr>
+              <a:t>(</a:t>
+            </a:r>
+            <a:r>
+              <a:rPr lang="en-CA" sz="2000" dirty="0" err="1">
+                <a:latin typeface="Tw Cen MT" panose="020B0602020104020603" pitchFamily="34" charset="0"/>
+              </a:rPr>
+              <a:t>x_train_cv</a:t>
+            </a:r>
+            <a:r>
+              <a:rPr lang="en-CA" sz="2000" dirty="0">
+                <a:latin typeface="Tw Cen MT" panose="020B0602020104020603" pitchFamily="34" charset="0"/>
+              </a:rPr>
+              <a:t>).</a:t>
+            </a:r>
+            <a:r>
+              <a:rPr lang="en-CA" sz="2000" dirty="0" err="1">
+                <a:latin typeface="Tw Cen MT" panose="020B0602020104020603" pitchFamily="34" charset="0"/>
+              </a:rPr>
+              <a:t>toarray</a:t>
+            </a:r>
+            <a:r>
+              <a:rPr lang="en-CA" sz="2000" dirty="0">
+                <a:latin typeface="Tw Cen MT" panose="020B0602020104020603" pitchFamily="34" charset="0"/>
+              </a:rPr>
+              <a:t>()</a:t>
+            </a:r>
+          </a:p>
+          <a:p>
+            <a:r>
+              <a:rPr lang="en-CA" sz="2000" dirty="0">
+                <a:latin typeface="Tw Cen MT" panose="020B0602020104020603" pitchFamily="34" charset="0"/>
+              </a:rPr>
+              <a:t>x_test_cv_10p = </a:t>
+            </a:r>
+            <a:r>
+              <a:rPr lang="en-CA" sz="2000" dirty="0" err="1">
+                <a:latin typeface="Tw Cen MT" panose="020B0602020104020603" pitchFamily="34" charset="0"/>
+              </a:rPr>
+              <a:t>selector.transform</a:t>
+            </a:r>
+            <a:r>
+              <a:rPr lang="en-CA" sz="2000" dirty="0">
+                <a:latin typeface="Tw Cen MT" panose="020B0602020104020603" pitchFamily="34" charset="0"/>
+              </a:rPr>
+              <a:t>(</a:t>
+            </a:r>
+            <a:r>
+              <a:rPr lang="en-CA" sz="2000" dirty="0" err="1">
+                <a:latin typeface="Tw Cen MT" panose="020B0602020104020603" pitchFamily="34" charset="0"/>
+              </a:rPr>
+              <a:t>x_test_cv</a:t>
+            </a:r>
+            <a:r>
+              <a:rPr lang="en-CA" sz="2000" dirty="0">
+                <a:latin typeface="Tw Cen MT" panose="020B0602020104020603" pitchFamily="34" charset="0"/>
+              </a:rPr>
+              <a:t>).</a:t>
+            </a:r>
+            <a:r>
+              <a:rPr lang="en-CA" sz="2000" dirty="0" err="1">
+                <a:latin typeface="Tw Cen MT" panose="020B0602020104020603" pitchFamily="34" charset="0"/>
+              </a:rPr>
+              <a:t>toarray</a:t>
+            </a:r>
+            <a:r>
+              <a:rPr lang="en-CA" sz="2000" dirty="0">
+                <a:latin typeface="Tw Cen MT" panose="020B0602020104020603" pitchFamily="34" charset="0"/>
+              </a:rPr>
+              <a:t>()</a:t>
+            </a:r>
+          </a:p>
+        </p:txBody>
+      </p:sp>
+    </p:spTree>
+    <p:extLst>
+      <p:ext uri="{BB962C8B-B14F-4D97-AF65-F5344CB8AC3E}">
+        <p14:creationId xmlns:p14="http://schemas.microsoft.com/office/powerpoint/2010/main" val="1110051060"/>
+      </p:ext>
+    </p:extLst>
+  </p:cSld>
+  <p:clrMapOvr>
+    <a:masterClrMapping/>
+  </p:clrMapOvr>
+</p:sld>
+</file>
+
+<file path=ppt/slides/slide36.xml><?xml version="1.0" encoding="utf-8"?>
+<p:sld xmlns:a="http://schemas.openxmlformats.org/drawingml/2006/main" xmlns:r="http://schemas.openxmlformats.org/officeDocument/2006/relationships" xmlns:p="http://schemas.openxmlformats.org/presentationml/2006/main">
+  <p:cSld>
+    <p:spTree>
+      <p:nvGrpSpPr>
+        <p:cNvPr id="1" name=""/>
+        <p:cNvGrpSpPr/>
+        <p:nvPr/>
+      </p:nvGrpSpPr>
+      <p:grpSpPr>
+        <a:xfrm>
+          <a:off x="0" y="0"/>
+          <a:ext cx="0" cy="0"/>
+          <a:chOff x="0" y="0"/>
+          <a:chExt cx="0" cy="0"/>
+        </a:xfrm>
+      </p:grpSpPr>
+      <p:sp>
+        <p:nvSpPr>
+          <p:cNvPr id="2" name="Title 1">
+            <a:extLst>
+              <a:ext uri="{FF2B5EF4-FFF2-40B4-BE49-F238E27FC236}">
+                <a16:creationId xmlns:a16="http://schemas.microsoft.com/office/drawing/2014/main" id="{EA589DF6-D5DE-4CF4-8016-035CD759DB88}"/>
+              </a:ext>
+            </a:extLst>
+          </p:cNvPr>
+          <p:cNvSpPr>
+            <a:spLocks noGrp="1"/>
+          </p:cNvSpPr>
+          <p:nvPr>
+            <p:ph type="title"/>
+          </p:nvPr>
+        </p:nvSpPr>
+        <p:spPr>
+          <a:xfrm>
+            <a:off x="174576" y="259133"/>
+            <a:ext cx="9711004" cy="568751"/>
+          </a:xfrm>
+        </p:spPr>
+        <p:txBody>
+          <a:bodyPr>
+            <a:noAutofit/>
+          </a:bodyPr>
+          <a:lstStyle/>
+          <a:p>
+            <a:r>
+              <a:rPr lang="en-CA" sz="2800" dirty="0">
+                <a:latin typeface="Tw Cen MT" panose="020B0602020104020603" pitchFamily="34" charset="0"/>
+              </a:rPr>
+              <a:t>FEATURE SELECTION RESULTS COMPARISON</a:t>
+            </a:r>
+          </a:p>
+        </p:txBody>
+      </p:sp>
+      <p:sp>
+        <p:nvSpPr>
+          <p:cNvPr id="3" name="Content Placeholder 2">
+            <a:extLst>
+              <a:ext uri="{FF2B5EF4-FFF2-40B4-BE49-F238E27FC236}">
+                <a16:creationId xmlns:a16="http://schemas.microsoft.com/office/drawing/2014/main" id="{9864056A-5D51-4C12-9F12-E255804EFC9A}"/>
+              </a:ext>
+            </a:extLst>
+          </p:cNvPr>
+          <p:cNvSpPr>
+            <a:spLocks noGrp="1"/>
+          </p:cNvSpPr>
+          <p:nvPr>
+            <p:ph idx="1"/>
+          </p:nvPr>
+        </p:nvSpPr>
+        <p:spPr>
+          <a:xfrm>
+            <a:off x="480767" y="816638"/>
+            <a:ext cx="8917757" cy="5932953"/>
+          </a:xfrm>
+        </p:spPr>
+        <p:txBody>
+          <a:bodyPr>
+            <a:noAutofit/>
+          </a:bodyPr>
+          <a:lstStyle/>
+          <a:p>
+            <a:pPr marL="0" indent="0">
+              <a:buNone/>
+            </a:pPr>
+            <a:r>
+              <a:rPr lang="en-US" sz="2400" dirty="0">
+                <a:latin typeface="Tw Cen MT" panose="020B0602020104020603" pitchFamily="34" charset="0"/>
+              </a:rPr>
+              <a:t> </a:t>
+            </a:r>
+          </a:p>
+          <a:p>
+            <a:endParaRPr lang="en-US" sz="2400" dirty="0">
+              <a:latin typeface="Tw Cen MT" panose="020B0602020104020603" pitchFamily="34" charset="0"/>
+            </a:endParaRPr>
+          </a:p>
+        </p:txBody>
+      </p:sp>
+      <p:pic>
+        <p:nvPicPr>
+          <p:cNvPr id="5" name="Picture 4">
+            <a:extLst>
+              <a:ext uri="{FF2B5EF4-FFF2-40B4-BE49-F238E27FC236}">
+                <a16:creationId xmlns:a16="http://schemas.microsoft.com/office/drawing/2014/main" id="{506193B0-D684-41FB-9EE5-3A2300775B91}"/>
+              </a:ext>
+            </a:extLst>
+          </p:cNvPr>
+          <p:cNvPicPr>
+            <a:picLocks noChangeAspect="1"/>
+          </p:cNvPicPr>
+          <p:nvPr/>
+        </p:nvPicPr>
+        <p:blipFill>
+          <a:blip r:embed="rId2">
+            <a:extLst>
+              <a:ext uri="{28A0092B-C50C-407E-A947-70E740481C1C}">
+                <a14:useLocalDpi xmlns:a14="http://schemas.microsoft.com/office/drawing/2010/main" val="0"/>
+              </a:ext>
+            </a:extLst>
+          </a:blip>
+          <a:stretch>
+            <a:fillRect/>
+          </a:stretch>
+        </p:blipFill>
+        <p:spPr>
+          <a:xfrm>
+            <a:off x="9534428" y="5901274"/>
+            <a:ext cx="2657572" cy="956726"/>
+          </a:xfrm>
+          <a:prstGeom prst="rect">
+            <a:avLst/>
+          </a:prstGeom>
+        </p:spPr>
+      </p:pic>
+      <p:sp>
+        <p:nvSpPr>
+          <p:cNvPr id="4" name="Slide Number Placeholder 3">
+            <a:extLst>
+              <a:ext uri="{FF2B5EF4-FFF2-40B4-BE49-F238E27FC236}">
+                <a16:creationId xmlns:a16="http://schemas.microsoft.com/office/drawing/2014/main" id="{1CAB8914-5F21-4646-AF50-3B5775EA692A}"/>
+              </a:ext>
+            </a:extLst>
+          </p:cNvPr>
+          <p:cNvSpPr>
+            <a:spLocks noGrp="1"/>
+          </p:cNvSpPr>
+          <p:nvPr>
+            <p:ph type="sldNum" sz="quarter" idx="12"/>
+          </p:nvPr>
+        </p:nvSpPr>
+        <p:spPr/>
+        <p:txBody>
+          <a:bodyPr/>
+          <a:lstStyle/>
+          <a:p>
+            <a:fld id="{0540F40C-19D0-4AE1-B3AF-4A4F01D6E71D}" type="slidenum">
+              <a:rPr lang="en-CA" smtClean="0"/>
+              <a:pPr/>
+              <a:t>36</a:t>
+            </a:fld>
+            <a:endParaRPr lang="en-CA"/>
+          </a:p>
+        </p:txBody>
+      </p:sp>
+      <p:sp>
+        <p:nvSpPr>
+          <p:cNvPr id="7" name="Content Placeholder 2">
+            <a:extLst>
+              <a:ext uri="{FF2B5EF4-FFF2-40B4-BE49-F238E27FC236}">
+                <a16:creationId xmlns:a16="http://schemas.microsoft.com/office/drawing/2014/main" id="{FDD8614D-3C9F-4145-ADD8-FF9322EF72CB}"/>
+              </a:ext>
+            </a:extLst>
+          </p:cNvPr>
+          <p:cNvSpPr txBox="1">
+            <a:spLocks/>
+          </p:cNvSpPr>
+          <p:nvPr/>
+        </p:nvSpPr>
+        <p:spPr>
+          <a:xfrm>
+            <a:off x="571199" y="925047"/>
+            <a:ext cx="8917757" cy="5932953"/>
+          </a:xfrm>
+          <a:prstGeom prst="rect">
+            <a:avLst/>
+          </a:prstGeom>
+        </p:spPr>
+        <p:txBody>
+          <a:bodyPr vert="horz" lIns="91440" tIns="45720" rIns="91440" bIns="45720" rtlCol="0">
+            <a:noAutofit/>
+          </a:bodyPr>
+          <a:lstStyle>
+            <a:lvl1pPr marL="342900" indent="-342900" algn="l" defTabSz="457200" rtl="0" eaLnBrk="1" latinLnBrk="0" hangingPunct="1">
+              <a:spcBef>
+                <a:spcPts val="1000"/>
+              </a:spcBef>
+              <a:spcAft>
+                <a:spcPts val="0"/>
+              </a:spcAft>
+              <a:buClr>
+                <a:schemeClr val="accent1"/>
+              </a:buClr>
+              <a:buSzPct val="80000"/>
+              <a:buFont typeface="Wingdings 3" charset="2"/>
+              <a:buChar char=""/>
+              <a:defRPr sz="1800" kern="1200">
+                <a:solidFill>
+                  <a:schemeClr val="tx1">
+                    <a:lumMod val="75000"/>
+                    <a:lumOff val="25000"/>
+                  </a:schemeClr>
+                </a:solidFill>
+                <a:latin typeface="+mn-lt"/>
+                <a:ea typeface="+mn-ea"/>
+                <a:cs typeface="+mn-cs"/>
+              </a:defRPr>
+            </a:lvl1pPr>
+            <a:lvl2pPr marL="742950" indent="-285750" algn="l" defTabSz="457200" rtl="0" eaLnBrk="1" latinLnBrk="0" hangingPunct="1">
+              <a:spcBef>
+                <a:spcPts val="1000"/>
+              </a:spcBef>
+              <a:spcAft>
+                <a:spcPts val="0"/>
+              </a:spcAft>
+              <a:buClr>
+                <a:schemeClr val="accent1"/>
+              </a:buClr>
+              <a:buSzPct val="80000"/>
+              <a:buFont typeface="Wingdings 3" charset="2"/>
+              <a:buChar char=""/>
+              <a:defRPr sz="1600" kern="1200">
+                <a:solidFill>
+                  <a:schemeClr val="tx1">
+                    <a:lumMod val="75000"/>
+                    <a:lumOff val="25000"/>
+                  </a:schemeClr>
+                </a:solidFill>
+                <a:latin typeface="+mn-lt"/>
+                <a:ea typeface="+mn-ea"/>
+                <a:cs typeface="+mn-cs"/>
+              </a:defRPr>
+            </a:lvl2pPr>
+            <a:lvl3pPr marL="1143000" indent="-228600" algn="l" defTabSz="457200" rtl="0" eaLnBrk="1" latinLnBrk="0" hangingPunct="1">
+              <a:spcBef>
+                <a:spcPts val="1000"/>
+              </a:spcBef>
+              <a:spcAft>
+                <a:spcPts val="0"/>
+              </a:spcAft>
+              <a:buClr>
+                <a:schemeClr val="accent1"/>
+              </a:buClr>
+              <a:buSzPct val="80000"/>
+              <a:buFont typeface="Wingdings 3" charset="2"/>
+              <a:buChar char=""/>
+              <a:defRPr sz="1400" kern="1200">
+                <a:solidFill>
+                  <a:schemeClr val="tx1">
+                    <a:lumMod val="75000"/>
+                    <a:lumOff val="25000"/>
+                  </a:schemeClr>
+                </a:solidFill>
+                <a:latin typeface="+mn-lt"/>
+                <a:ea typeface="+mn-ea"/>
+                <a:cs typeface="+mn-cs"/>
+              </a:defRPr>
+            </a:lvl3pPr>
+            <a:lvl4pPr marL="1600200" indent="-228600" algn="l" defTabSz="457200" rtl="0" eaLnBrk="1" latinLnBrk="0" hangingPunct="1">
+              <a:spcBef>
+                <a:spcPts val="1000"/>
+              </a:spcBef>
+              <a:spcAft>
+                <a:spcPts val="0"/>
+              </a:spcAft>
+              <a:buClr>
+                <a:schemeClr val="accent1"/>
+              </a:buClr>
+              <a:buSzPct val="80000"/>
+              <a:buFont typeface="Wingdings 3" charset="2"/>
+              <a:buChar char=""/>
+              <a:defRPr sz="1200" kern="1200">
+                <a:solidFill>
+                  <a:schemeClr val="tx1">
+                    <a:lumMod val="75000"/>
+                    <a:lumOff val="25000"/>
+                  </a:schemeClr>
+                </a:solidFill>
+                <a:latin typeface="+mn-lt"/>
+                <a:ea typeface="+mn-ea"/>
+                <a:cs typeface="+mn-cs"/>
+              </a:defRPr>
+            </a:lvl4pPr>
+            <a:lvl5pPr marL="2057400" indent="-228600" algn="l" defTabSz="457200" rtl="0" eaLnBrk="1" latinLnBrk="0" hangingPunct="1">
+              <a:spcBef>
+                <a:spcPts val="1000"/>
+              </a:spcBef>
+              <a:spcAft>
+                <a:spcPts val="0"/>
+              </a:spcAft>
+              <a:buClr>
+                <a:schemeClr val="accent1"/>
+              </a:buClr>
+              <a:buSzPct val="80000"/>
+              <a:buFont typeface="Wingdings 3" charset="2"/>
+              <a:buChar char=""/>
+              <a:defRPr sz="1200" kern="1200">
+                <a:solidFill>
+                  <a:schemeClr val="tx1">
+                    <a:lumMod val="75000"/>
+                    <a:lumOff val="25000"/>
+                  </a:schemeClr>
+                </a:solidFill>
+                <a:latin typeface="+mn-lt"/>
+                <a:ea typeface="+mn-ea"/>
+                <a:cs typeface="+mn-cs"/>
+              </a:defRPr>
+            </a:lvl5pPr>
+            <a:lvl6pPr marL="2514600" indent="-228600" algn="l" defTabSz="457200" rtl="0" eaLnBrk="1" latinLnBrk="0" hangingPunct="1">
+              <a:spcBef>
+                <a:spcPts val="1000"/>
+              </a:spcBef>
+              <a:spcAft>
+                <a:spcPts val="0"/>
+              </a:spcAft>
+              <a:buClr>
+                <a:schemeClr val="accent1"/>
+              </a:buClr>
+              <a:buSzPct val="80000"/>
+              <a:buFont typeface="Wingdings 3" charset="2"/>
+              <a:buChar char=""/>
+              <a:defRPr sz="1200" kern="1200">
+                <a:solidFill>
+                  <a:schemeClr val="tx1">
+                    <a:lumMod val="75000"/>
+                    <a:lumOff val="25000"/>
+                  </a:schemeClr>
+                </a:solidFill>
+                <a:latin typeface="+mn-lt"/>
+                <a:ea typeface="+mn-ea"/>
+                <a:cs typeface="+mn-cs"/>
+              </a:defRPr>
+            </a:lvl6pPr>
+            <a:lvl7pPr marL="2971800" indent="-228600" algn="l" defTabSz="457200" rtl="0" eaLnBrk="1" latinLnBrk="0" hangingPunct="1">
+              <a:spcBef>
+                <a:spcPts val="1000"/>
+              </a:spcBef>
+              <a:spcAft>
+                <a:spcPts val="0"/>
+              </a:spcAft>
+              <a:buClr>
+                <a:schemeClr val="accent1"/>
+              </a:buClr>
+              <a:buSzPct val="80000"/>
+              <a:buFont typeface="Wingdings 3" charset="2"/>
+              <a:buChar char=""/>
+              <a:defRPr sz="1200" kern="1200">
+                <a:solidFill>
+                  <a:schemeClr val="tx1">
+                    <a:lumMod val="75000"/>
+                    <a:lumOff val="25000"/>
+                  </a:schemeClr>
+                </a:solidFill>
+                <a:latin typeface="+mn-lt"/>
+                <a:ea typeface="+mn-ea"/>
+                <a:cs typeface="+mn-cs"/>
+              </a:defRPr>
+            </a:lvl7pPr>
+            <a:lvl8pPr marL="3429000" indent="-228600" algn="l" defTabSz="457200" rtl="0" eaLnBrk="1" latinLnBrk="0" hangingPunct="1">
+              <a:spcBef>
+                <a:spcPts val="1000"/>
+              </a:spcBef>
+              <a:spcAft>
+                <a:spcPts val="0"/>
+              </a:spcAft>
+              <a:buClr>
+                <a:schemeClr val="accent1"/>
+              </a:buClr>
+              <a:buSzPct val="80000"/>
+              <a:buFont typeface="Wingdings 3" charset="2"/>
+              <a:buChar char=""/>
+              <a:defRPr sz="1200" kern="1200">
+                <a:solidFill>
+                  <a:schemeClr val="tx1">
+                    <a:lumMod val="75000"/>
+                    <a:lumOff val="25000"/>
+                  </a:schemeClr>
+                </a:solidFill>
+                <a:latin typeface="+mn-lt"/>
+                <a:ea typeface="+mn-ea"/>
+                <a:cs typeface="+mn-cs"/>
+              </a:defRPr>
+            </a:lvl8pPr>
+            <a:lvl9pPr marL="3886200" indent="-228600" algn="l" defTabSz="457200" rtl="0" eaLnBrk="1" latinLnBrk="0" hangingPunct="1">
+              <a:spcBef>
+                <a:spcPts val="1000"/>
+              </a:spcBef>
+              <a:spcAft>
+                <a:spcPts val="0"/>
+              </a:spcAft>
+              <a:buClr>
+                <a:schemeClr val="accent1"/>
+              </a:buClr>
+              <a:buSzPct val="80000"/>
+              <a:buFont typeface="Wingdings 3" charset="2"/>
+              <a:buChar char=""/>
+              <a:defRPr sz="1200" kern="1200">
+                <a:solidFill>
+                  <a:schemeClr val="tx1">
+                    <a:lumMod val="75000"/>
+                    <a:lumOff val="25000"/>
+                  </a:schemeClr>
+                </a:solidFill>
+                <a:latin typeface="+mn-lt"/>
+                <a:ea typeface="+mn-ea"/>
+                <a:cs typeface="+mn-cs"/>
+              </a:defRPr>
+            </a:lvl9pPr>
+          </a:lstStyle>
+          <a:p>
+            <a:r>
+              <a:rPr lang="en-CA" sz="2400" dirty="0">
+                <a:latin typeface="Tw Cen MT" panose="020B0602020104020603" pitchFamily="34" charset="0"/>
+              </a:rPr>
+              <a:t>We ran SVM with test &amp; train of both actual and feature selected datasets. Below is a comparison of results between </a:t>
+            </a:r>
+            <a:r>
+              <a:rPr lang="en-CA" sz="2400" dirty="0" err="1">
+                <a:latin typeface="Tw Cen MT" panose="020B0602020104020603" pitchFamily="34" charset="0"/>
+              </a:rPr>
+              <a:t>CountVectorizer</a:t>
+            </a:r>
+            <a:r>
+              <a:rPr lang="en-CA" sz="2400" dirty="0">
+                <a:latin typeface="Tw Cen MT" panose="020B0602020104020603" pitchFamily="34" charset="0"/>
+              </a:rPr>
+              <a:t> Bag of Words for actual data vs feature selected data</a:t>
+            </a:r>
+            <a:endParaRPr lang="en-US" sz="2400" dirty="0">
+              <a:latin typeface="Tw Cen MT" panose="020B0602020104020603" pitchFamily="34" charset="0"/>
+            </a:endParaRPr>
+          </a:p>
+        </p:txBody>
+      </p:sp>
+      <p:pic>
+        <p:nvPicPr>
+          <p:cNvPr id="6" name="Picture 5">
+            <a:extLst>
+              <a:ext uri="{FF2B5EF4-FFF2-40B4-BE49-F238E27FC236}">
+                <a16:creationId xmlns:a16="http://schemas.microsoft.com/office/drawing/2014/main" id="{41E09FF2-54CF-4031-9BD1-F2BDFE0A1328}"/>
+              </a:ext>
+            </a:extLst>
+          </p:cNvPr>
+          <p:cNvPicPr>
+            <a:picLocks noChangeAspect="1"/>
+          </p:cNvPicPr>
+          <p:nvPr/>
+        </p:nvPicPr>
+        <p:blipFill>
+          <a:blip r:embed="rId3"/>
+          <a:stretch>
+            <a:fillRect/>
+          </a:stretch>
+        </p:blipFill>
+        <p:spPr>
+          <a:xfrm>
+            <a:off x="1164956" y="2127208"/>
+            <a:ext cx="7379676" cy="4185011"/>
+          </a:xfrm>
+          <a:prstGeom prst="rect">
+            <a:avLst/>
+          </a:prstGeom>
+        </p:spPr>
+      </p:pic>
+    </p:spTree>
+    <p:extLst>
+      <p:ext uri="{BB962C8B-B14F-4D97-AF65-F5344CB8AC3E}">
+        <p14:creationId xmlns:p14="http://schemas.microsoft.com/office/powerpoint/2010/main" val="4248632210"/>
+      </p:ext>
+    </p:extLst>
+  </p:cSld>
+  <p:clrMapOvr>
+    <a:masterClrMapping/>
+  </p:clrMapOvr>
+</p:sld>
+</file>
+
+<file path=ppt/slides/slide37.xml><?xml version="1.0" encoding="utf-8"?>
+<p:sld xmlns:a="http://schemas.openxmlformats.org/drawingml/2006/main" xmlns:r="http://schemas.openxmlformats.org/officeDocument/2006/relationships" xmlns:p="http://schemas.openxmlformats.org/presentationml/2006/main">
+  <p:cSld>
+    <p:spTree>
+      <p:nvGrpSpPr>
+        <p:cNvPr id="1" name=""/>
+        <p:cNvGrpSpPr/>
+        <p:nvPr/>
+      </p:nvGrpSpPr>
+      <p:grpSpPr>
+        <a:xfrm>
+          <a:off x="0" y="0"/>
+          <a:ext cx="0" cy="0"/>
+          <a:chOff x="0" y="0"/>
+          <a:chExt cx="0" cy="0"/>
+        </a:xfrm>
+      </p:grpSpPr>
+      <p:sp>
+        <p:nvSpPr>
+          <p:cNvPr id="2" name="Title 1">
+            <a:extLst>
+              <a:ext uri="{FF2B5EF4-FFF2-40B4-BE49-F238E27FC236}">
+                <a16:creationId xmlns:a16="http://schemas.microsoft.com/office/drawing/2014/main" id="{EA589DF6-D5DE-4CF4-8016-035CD759DB88}"/>
+              </a:ext>
+            </a:extLst>
+          </p:cNvPr>
+          <p:cNvSpPr>
+            <a:spLocks noGrp="1"/>
+          </p:cNvSpPr>
+          <p:nvPr>
+            <p:ph type="title"/>
+          </p:nvPr>
+        </p:nvSpPr>
+        <p:spPr>
+          <a:xfrm>
+            <a:off x="174576" y="259133"/>
+            <a:ext cx="9711004" cy="568751"/>
+          </a:xfrm>
+        </p:spPr>
+        <p:txBody>
+          <a:bodyPr>
+            <a:noAutofit/>
+          </a:bodyPr>
+          <a:lstStyle/>
+          <a:p>
+            <a:r>
+              <a:rPr lang="en-CA" sz="2800" dirty="0">
+                <a:latin typeface="Tw Cen MT" panose="020B0602020104020603" pitchFamily="34" charset="0"/>
+              </a:rPr>
+              <a:t>FEATURE SELECTION RESULTS COMPARISON</a:t>
+            </a:r>
+          </a:p>
+        </p:txBody>
+      </p:sp>
+      <p:sp>
+        <p:nvSpPr>
+          <p:cNvPr id="3" name="Content Placeholder 2">
+            <a:extLst>
+              <a:ext uri="{FF2B5EF4-FFF2-40B4-BE49-F238E27FC236}">
+                <a16:creationId xmlns:a16="http://schemas.microsoft.com/office/drawing/2014/main" id="{9864056A-5D51-4C12-9F12-E255804EFC9A}"/>
+              </a:ext>
+            </a:extLst>
+          </p:cNvPr>
+          <p:cNvSpPr>
+            <a:spLocks noGrp="1"/>
+          </p:cNvSpPr>
+          <p:nvPr>
+            <p:ph idx="1"/>
+          </p:nvPr>
+        </p:nvSpPr>
+        <p:spPr>
+          <a:xfrm>
+            <a:off x="480767" y="816638"/>
+            <a:ext cx="8917757" cy="5932953"/>
+          </a:xfrm>
+        </p:spPr>
+        <p:txBody>
+          <a:bodyPr>
+            <a:noAutofit/>
+          </a:bodyPr>
+          <a:lstStyle/>
+          <a:p>
+            <a:pPr marL="0" indent="0">
+              <a:buNone/>
+            </a:pPr>
+            <a:r>
+              <a:rPr lang="en-US" sz="2400" dirty="0">
+                <a:latin typeface="Tw Cen MT" panose="020B0602020104020603" pitchFamily="34" charset="0"/>
+              </a:rPr>
+              <a:t> </a:t>
+            </a:r>
+          </a:p>
+          <a:p>
+            <a:endParaRPr lang="en-US" sz="2400" dirty="0">
+              <a:latin typeface="Tw Cen MT" panose="020B0602020104020603" pitchFamily="34" charset="0"/>
+            </a:endParaRPr>
+          </a:p>
+        </p:txBody>
+      </p:sp>
+      <p:pic>
+        <p:nvPicPr>
+          <p:cNvPr id="5" name="Picture 4">
+            <a:extLst>
+              <a:ext uri="{FF2B5EF4-FFF2-40B4-BE49-F238E27FC236}">
+                <a16:creationId xmlns:a16="http://schemas.microsoft.com/office/drawing/2014/main" id="{506193B0-D684-41FB-9EE5-3A2300775B91}"/>
+              </a:ext>
+            </a:extLst>
+          </p:cNvPr>
+          <p:cNvPicPr>
+            <a:picLocks noChangeAspect="1"/>
+          </p:cNvPicPr>
+          <p:nvPr/>
+        </p:nvPicPr>
+        <p:blipFill>
+          <a:blip r:embed="rId2">
+            <a:extLst>
+              <a:ext uri="{28A0092B-C50C-407E-A947-70E740481C1C}">
+                <a14:useLocalDpi xmlns:a14="http://schemas.microsoft.com/office/drawing/2010/main" val="0"/>
+              </a:ext>
+            </a:extLst>
+          </a:blip>
+          <a:stretch>
+            <a:fillRect/>
+          </a:stretch>
+        </p:blipFill>
+        <p:spPr>
+          <a:xfrm>
+            <a:off x="9534428" y="5901274"/>
+            <a:ext cx="2657572" cy="956726"/>
+          </a:xfrm>
+          <a:prstGeom prst="rect">
+            <a:avLst/>
+          </a:prstGeom>
+        </p:spPr>
+      </p:pic>
+      <p:sp>
+        <p:nvSpPr>
+          <p:cNvPr id="4" name="Slide Number Placeholder 3">
+            <a:extLst>
+              <a:ext uri="{FF2B5EF4-FFF2-40B4-BE49-F238E27FC236}">
+                <a16:creationId xmlns:a16="http://schemas.microsoft.com/office/drawing/2014/main" id="{1CAB8914-5F21-4646-AF50-3B5775EA692A}"/>
+              </a:ext>
+            </a:extLst>
+          </p:cNvPr>
+          <p:cNvSpPr>
+            <a:spLocks noGrp="1"/>
+          </p:cNvSpPr>
+          <p:nvPr>
+            <p:ph type="sldNum" sz="quarter" idx="12"/>
+          </p:nvPr>
+        </p:nvSpPr>
+        <p:spPr/>
+        <p:txBody>
+          <a:bodyPr/>
+          <a:lstStyle/>
+          <a:p>
+            <a:fld id="{0540F40C-19D0-4AE1-B3AF-4A4F01D6E71D}" type="slidenum">
+              <a:rPr lang="en-CA" smtClean="0"/>
+              <a:pPr/>
+              <a:t>37</a:t>
+            </a:fld>
+            <a:endParaRPr lang="en-CA"/>
+          </a:p>
+        </p:txBody>
+      </p:sp>
+      <p:sp>
+        <p:nvSpPr>
+          <p:cNvPr id="7" name="Content Placeholder 2">
+            <a:extLst>
+              <a:ext uri="{FF2B5EF4-FFF2-40B4-BE49-F238E27FC236}">
+                <a16:creationId xmlns:a16="http://schemas.microsoft.com/office/drawing/2014/main" id="{FDD8614D-3C9F-4145-ADD8-FF9322EF72CB}"/>
+              </a:ext>
+            </a:extLst>
+          </p:cNvPr>
+          <p:cNvSpPr txBox="1">
+            <a:spLocks/>
+          </p:cNvSpPr>
+          <p:nvPr/>
+        </p:nvSpPr>
+        <p:spPr>
+          <a:xfrm>
+            <a:off x="571199" y="925047"/>
+            <a:ext cx="8917757" cy="5932953"/>
+          </a:xfrm>
+          <a:prstGeom prst="rect">
+            <a:avLst/>
+          </a:prstGeom>
+        </p:spPr>
+        <p:txBody>
+          <a:bodyPr vert="horz" lIns="91440" tIns="45720" rIns="91440" bIns="45720" rtlCol="0">
+            <a:noAutofit/>
+          </a:bodyPr>
+          <a:lstStyle>
+            <a:lvl1pPr marL="342900" indent="-342900" algn="l" defTabSz="457200" rtl="0" eaLnBrk="1" latinLnBrk="0" hangingPunct="1">
+              <a:spcBef>
+                <a:spcPts val="1000"/>
+              </a:spcBef>
+              <a:spcAft>
+                <a:spcPts val="0"/>
+              </a:spcAft>
+              <a:buClr>
+                <a:schemeClr val="accent1"/>
+              </a:buClr>
+              <a:buSzPct val="80000"/>
+              <a:buFont typeface="Wingdings 3" charset="2"/>
+              <a:buChar char=""/>
+              <a:defRPr sz="1800" kern="1200">
+                <a:solidFill>
+                  <a:schemeClr val="tx1">
+                    <a:lumMod val="75000"/>
+                    <a:lumOff val="25000"/>
+                  </a:schemeClr>
+                </a:solidFill>
+                <a:latin typeface="+mn-lt"/>
+                <a:ea typeface="+mn-ea"/>
+                <a:cs typeface="+mn-cs"/>
+              </a:defRPr>
+            </a:lvl1pPr>
+            <a:lvl2pPr marL="742950" indent="-285750" algn="l" defTabSz="457200" rtl="0" eaLnBrk="1" latinLnBrk="0" hangingPunct="1">
+              <a:spcBef>
+                <a:spcPts val="1000"/>
+              </a:spcBef>
+              <a:spcAft>
+                <a:spcPts val="0"/>
+              </a:spcAft>
+              <a:buClr>
+                <a:schemeClr val="accent1"/>
+              </a:buClr>
+              <a:buSzPct val="80000"/>
+              <a:buFont typeface="Wingdings 3" charset="2"/>
+              <a:buChar char=""/>
+              <a:defRPr sz="1600" kern="1200">
+                <a:solidFill>
+                  <a:schemeClr val="tx1">
+                    <a:lumMod val="75000"/>
+                    <a:lumOff val="25000"/>
+                  </a:schemeClr>
+                </a:solidFill>
+                <a:latin typeface="+mn-lt"/>
+                <a:ea typeface="+mn-ea"/>
+                <a:cs typeface="+mn-cs"/>
+              </a:defRPr>
+            </a:lvl2pPr>
+            <a:lvl3pPr marL="1143000" indent="-228600" algn="l" defTabSz="457200" rtl="0" eaLnBrk="1" latinLnBrk="0" hangingPunct="1">
+              <a:spcBef>
+                <a:spcPts val="1000"/>
+              </a:spcBef>
+              <a:spcAft>
+                <a:spcPts val="0"/>
+              </a:spcAft>
+              <a:buClr>
+                <a:schemeClr val="accent1"/>
+              </a:buClr>
+              <a:buSzPct val="80000"/>
+              <a:buFont typeface="Wingdings 3" charset="2"/>
+              <a:buChar char=""/>
+              <a:defRPr sz="1400" kern="1200">
+                <a:solidFill>
+                  <a:schemeClr val="tx1">
+                    <a:lumMod val="75000"/>
+                    <a:lumOff val="25000"/>
+                  </a:schemeClr>
+                </a:solidFill>
+                <a:latin typeface="+mn-lt"/>
+                <a:ea typeface="+mn-ea"/>
+                <a:cs typeface="+mn-cs"/>
+              </a:defRPr>
+            </a:lvl3pPr>
+            <a:lvl4pPr marL="1600200" indent="-228600" algn="l" defTabSz="457200" rtl="0" eaLnBrk="1" latinLnBrk="0" hangingPunct="1">
+              <a:spcBef>
+                <a:spcPts val="1000"/>
+              </a:spcBef>
+              <a:spcAft>
+                <a:spcPts val="0"/>
+              </a:spcAft>
+              <a:buClr>
+                <a:schemeClr val="accent1"/>
+              </a:buClr>
+              <a:buSzPct val="80000"/>
+              <a:buFont typeface="Wingdings 3" charset="2"/>
+              <a:buChar char=""/>
+              <a:defRPr sz="1200" kern="1200">
+                <a:solidFill>
+                  <a:schemeClr val="tx1">
+                    <a:lumMod val="75000"/>
+                    <a:lumOff val="25000"/>
+                  </a:schemeClr>
+                </a:solidFill>
+                <a:latin typeface="+mn-lt"/>
+                <a:ea typeface="+mn-ea"/>
+                <a:cs typeface="+mn-cs"/>
+              </a:defRPr>
+            </a:lvl4pPr>
+            <a:lvl5pPr marL="2057400" indent="-228600" algn="l" defTabSz="457200" rtl="0" eaLnBrk="1" latinLnBrk="0" hangingPunct="1">
+              <a:spcBef>
+                <a:spcPts val="1000"/>
+              </a:spcBef>
+              <a:spcAft>
+                <a:spcPts val="0"/>
+              </a:spcAft>
+              <a:buClr>
+                <a:schemeClr val="accent1"/>
+              </a:buClr>
+              <a:buSzPct val="80000"/>
+              <a:buFont typeface="Wingdings 3" charset="2"/>
+              <a:buChar char=""/>
+              <a:defRPr sz="1200" kern="1200">
+                <a:solidFill>
+                  <a:schemeClr val="tx1">
+                    <a:lumMod val="75000"/>
+                    <a:lumOff val="25000"/>
+                  </a:schemeClr>
+                </a:solidFill>
+                <a:latin typeface="+mn-lt"/>
+                <a:ea typeface="+mn-ea"/>
+                <a:cs typeface="+mn-cs"/>
+              </a:defRPr>
+            </a:lvl5pPr>
+            <a:lvl6pPr marL="2514600" indent="-228600" algn="l" defTabSz="457200" rtl="0" eaLnBrk="1" latinLnBrk="0" hangingPunct="1">
+              <a:spcBef>
+                <a:spcPts val="1000"/>
+              </a:spcBef>
+              <a:spcAft>
+                <a:spcPts val="0"/>
+              </a:spcAft>
+              <a:buClr>
+                <a:schemeClr val="accent1"/>
+              </a:buClr>
+              <a:buSzPct val="80000"/>
+              <a:buFont typeface="Wingdings 3" charset="2"/>
+              <a:buChar char=""/>
+              <a:defRPr sz="1200" kern="1200">
+                <a:solidFill>
+                  <a:schemeClr val="tx1">
+                    <a:lumMod val="75000"/>
+                    <a:lumOff val="25000"/>
+                  </a:schemeClr>
+                </a:solidFill>
+                <a:latin typeface="+mn-lt"/>
+                <a:ea typeface="+mn-ea"/>
+                <a:cs typeface="+mn-cs"/>
+              </a:defRPr>
+            </a:lvl6pPr>
+            <a:lvl7pPr marL="2971800" indent="-228600" algn="l" defTabSz="457200" rtl="0" eaLnBrk="1" latinLnBrk="0" hangingPunct="1">
+              <a:spcBef>
+                <a:spcPts val="1000"/>
+              </a:spcBef>
+              <a:spcAft>
+                <a:spcPts val="0"/>
+              </a:spcAft>
+              <a:buClr>
+                <a:schemeClr val="accent1"/>
+              </a:buClr>
+              <a:buSzPct val="80000"/>
+              <a:buFont typeface="Wingdings 3" charset="2"/>
+              <a:buChar char=""/>
+              <a:defRPr sz="1200" kern="1200">
+                <a:solidFill>
+                  <a:schemeClr val="tx1">
+                    <a:lumMod val="75000"/>
+                    <a:lumOff val="25000"/>
+                  </a:schemeClr>
+                </a:solidFill>
+                <a:latin typeface="+mn-lt"/>
+                <a:ea typeface="+mn-ea"/>
+                <a:cs typeface="+mn-cs"/>
+              </a:defRPr>
+            </a:lvl7pPr>
+            <a:lvl8pPr marL="3429000" indent="-228600" algn="l" defTabSz="457200" rtl="0" eaLnBrk="1" latinLnBrk="0" hangingPunct="1">
+              <a:spcBef>
+                <a:spcPts val="1000"/>
+              </a:spcBef>
+              <a:spcAft>
+                <a:spcPts val="0"/>
+              </a:spcAft>
+              <a:buClr>
+                <a:schemeClr val="accent1"/>
+              </a:buClr>
+              <a:buSzPct val="80000"/>
+              <a:buFont typeface="Wingdings 3" charset="2"/>
+              <a:buChar char=""/>
+              <a:defRPr sz="1200" kern="1200">
+                <a:solidFill>
+                  <a:schemeClr val="tx1">
+                    <a:lumMod val="75000"/>
+                    <a:lumOff val="25000"/>
+                  </a:schemeClr>
+                </a:solidFill>
+                <a:latin typeface="+mn-lt"/>
+                <a:ea typeface="+mn-ea"/>
+                <a:cs typeface="+mn-cs"/>
+              </a:defRPr>
+            </a:lvl8pPr>
+            <a:lvl9pPr marL="3886200" indent="-228600" algn="l" defTabSz="457200" rtl="0" eaLnBrk="1" latinLnBrk="0" hangingPunct="1">
+              <a:spcBef>
+                <a:spcPts val="1000"/>
+              </a:spcBef>
+              <a:spcAft>
+                <a:spcPts val="0"/>
+              </a:spcAft>
+              <a:buClr>
+                <a:schemeClr val="accent1"/>
+              </a:buClr>
+              <a:buSzPct val="80000"/>
+              <a:buFont typeface="Wingdings 3" charset="2"/>
+              <a:buChar char=""/>
+              <a:defRPr sz="1200" kern="1200">
+                <a:solidFill>
+                  <a:schemeClr val="tx1">
+                    <a:lumMod val="75000"/>
+                    <a:lumOff val="25000"/>
+                  </a:schemeClr>
+                </a:solidFill>
+                <a:latin typeface="+mn-lt"/>
+                <a:ea typeface="+mn-ea"/>
+                <a:cs typeface="+mn-cs"/>
+              </a:defRPr>
+            </a:lvl9pPr>
+          </a:lstStyle>
+          <a:p>
+            <a:r>
+              <a:rPr lang="en-CA" sz="2400" dirty="0">
+                <a:latin typeface="Tw Cen MT" panose="020B0602020104020603" pitchFamily="34" charset="0"/>
+              </a:rPr>
+              <a:t>Below is a comparison of results between </a:t>
+            </a:r>
+            <a:r>
+              <a:rPr lang="en-CA" sz="2400" dirty="0" err="1">
+                <a:latin typeface="Tw Cen MT" panose="020B0602020104020603" pitchFamily="34" charset="0"/>
+              </a:rPr>
+              <a:t>CountVectorizer</a:t>
+            </a:r>
+            <a:r>
+              <a:rPr lang="en-CA" sz="2400" dirty="0">
+                <a:latin typeface="Tw Cen MT" panose="020B0602020104020603" pitchFamily="34" charset="0"/>
+              </a:rPr>
+              <a:t> Bag of     N-grams for actual data vs feature selected data</a:t>
+            </a:r>
+            <a:endParaRPr lang="en-US" sz="2400" dirty="0">
+              <a:latin typeface="Tw Cen MT" panose="020B0602020104020603" pitchFamily="34" charset="0"/>
+            </a:endParaRPr>
+          </a:p>
+        </p:txBody>
+      </p:sp>
+      <p:pic>
+        <p:nvPicPr>
+          <p:cNvPr id="9" name="Picture 8">
+            <a:extLst>
+              <a:ext uri="{FF2B5EF4-FFF2-40B4-BE49-F238E27FC236}">
+                <a16:creationId xmlns:a16="http://schemas.microsoft.com/office/drawing/2014/main" id="{5A5C29F0-75AA-4228-8B3C-1CF1B8D585CE}"/>
+              </a:ext>
+            </a:extLst>
+          </p:cNvPr>
+          <p:cNvPicPr>
+            <a:picLocks noChangeAspect="1"/>
+          </p:cNvPicPr>
+          <p:nvPr/>
+        </p:nvPicPr>
+        <p:blipFill>
+          <a:blip r:embed="rId3"/>
+          <a:stretch>
+            <a:fillRect/>
+          </a:stretch>
+        </p:blipFill>
+        <p:spPr>
+          <a:xfrm>
+            <a:off x="1164956" y="2072078"/>
+            <a:ext cx="7379676" cy="4185011"/>
+          </a:xfrm>
+          <a:prstGeom prst="rect">
+            <a:avLst/>
+          </a:prstGeom>
+        </p:spPr>
+      </p:pic>
+    </p:spTree>
+    <p:extLst>
+      <p:ext uri="{BB962C8B-B14F-4D97-AF65-F5344CB8AC3E}">
+        <p14:creationId xmlns:p14="http://schemas.microsoft.com/office/powerpoint/2010/main" val="3956883914"/>
+      </p:ext>
+    </p:extLst>
+  </p:cSld>
+  <p:clrMapOvr>
+    <a:masterClrMapping/>
+  </p:clrMapOvr>
+</p:sld>
+</file>
+
+<file path=ppt/slides/slide38.xml><?xml version="1.0" encoding="utf-8"?>
+<p:sld xmlns:a="http://schemas.openxmlformats.org/drawingml/2006/main" xmlns:r="http://schemas.openxmlformats.org/officeDocument/2006/relationships" xmlns:p="http://schemas.openxmlformats.org/presentationml/2006/main">
+  <p:cSld>
+    <p:spTree>
+      <p:nvGrpSpPr>
+        <p:cNvPr id="1" name=""/>
+        <p:cNvGrpSpPr/>
+        <p:nvPr/>
+      </p:nvGrpSpPr>
+      <p:grpSpPr>
+        <a:xfrm>
+          <a:off x="0" y="0"/>
+          <a:ext cx="0" cy="0"/>
+          <a:chOff x="0" y="0"/>
+          <a:chExt cx="0" cy="0"/>
+        </a:xfrm>
+      </p:grpSpPr>
+      <p:sp>
+        <p:nvSpPr>
+          <p:cNvPr id="2" name="Title 1">
+            <a:extLst>
+              <a:ext uri="{FF2B5EF4-FFF2-40B4-BE49-F238E27FC236}">
+                <a16:creationId xmlns:a16="http://schemas.microsoft.com/office/drawing/2014/main" id="{EA589DF6-D5DE-4CF4-8016-035CD759DB88}"/>
+              </a:ext>
+            </a:extLst>
+          </p:cNvPr>
+          <p:cNvSpPr>
+            <a:spLocks noGrp="1"/>
+          </p:cNvSpPr>
+          <p:nvPr>
+            <p:ph type="title"/>
+          </p:nvPr>
+        </p:nvSpPr>
+        <p:spPr>
+          <a:xfrm>
+            <a:off x="174576" y="259133"/>
+            <a:ext cx="9711004" cy="568751"/>
+          </a:xfrm>
+        </p:spPr>
+        <p:txBody>
+          <a:bodyPr>
+            <a:noAutofit/>
+          </a:bodyPr>
+          <a:lstStyle/>
+          <a:p>
+            <a:r>
+              <a:rPr lang="en-CA" sz="2800" dirty="0">
+                <a:latin typeface="Tw Cen MT" panose="020B0602020104020603" pitchFamily="34" charset="0"/>
+              </a:rPr>
+              <a:t>FEATURE SELECTION RESULTS COMPARISON</a:t>
+            </a:r>
+          </a:p>
+        </p:txBody>
+      </p:sp>
+      <p:sp>
+        <p:nvSpPr>
+          <p:cNvPr id="3" name="Content Placeholder 2">
+            <a:extLst>
+              <a:ext uri="{FF2B5EF4-FFF2-40B4-BE49-F238E27FC236}">
+                <a16:creationId xmlns:a16="http://schemas.microsoft.com/office/drawing/2014/main" id="{9864056A-5D51-4C12-9F12-E255804EFC9A}"/>
+              </a:ext>
+            </a:extLst>
+          </p:cNvPr>
+          <p:cNvSpPr>
+            <a:spLocks noGrp="1"/>
+          </p:cNvSpPr>
+          <p:nvPr>
+            <p:ph idx="1"/>
+          </p:nvPr>
+        </p:nvSpPr>
+        <p:spPr>
+          <a:xfrm>
+            <a:off x="480767" y="807211"/>
+            <a:ext cx="8917757" cy="5932953"/>
+          </a:xfrm>
+        </p:spPr>
+        <p:txBody>
+          <a:bodyPr>
+            <a:noAutofit/>
+          </a:bodyPr>
+          <a:lstStyle/>
+          <a:p>
+            <a:pPr marL="0" indent="0">
+              <a:buNone/>
+            </a:pPr>
+            <a:r>
+              <a:rPr lang="en-US" sz="2400" dirty="0">
+                <a:latin typeface="Tw Cen MT" panose="020B0602020104020603" pitchFamily="34" charset="0"/>
+              </a:rPr>
+              <a:t> </a:t>
+            </a:r>
+          </a:p>
+          <a:p>
+            <a:endParaRPr lang="en-US" sz="2400" dirty="0">
+              <a:latin typeface="Tw Cen MT" panose="020B0602020104020603" pitchFamily="34" charset="0"/>
+            </a:endParaRPr>
+          </a:p>
+        </p:txBody>
+      </p:sp>
+      <p:pic>
+        <p:nvPicPr>
+          <p:cNvPr id="5" name="Picture 4">
+            <a:extLst>
+              <a:ext uri="{FF2B5EF4-FFF2-40B4-BE49-F238E27FC236}">
+                <a16:creationId xmlns:a16="http://schemas.microsoft.com/office/drawing/2014/main" id="{506193B0-D684-41FB-9EE5-3A2300775B91}"/>
+              </a:ext>
+            </a:extLst>
+          </p:cNvPr>
+          <p:cNvPicPr>
+            <a:picLocks noChangeAspect="1"/>
+          </p:cNvPicPr>
+          <p:nvPr/>
+        </p:nvPicPr>
+        <p:blipFill>
+          <a:blip r:embed="rId2">
+            <a:extLst>
+              <a:ext uri="{28A0092B-C50C-407E-A947-70E740481C1C}">
+                <a14:useLocalDpi xmlns:a14="http://schemas.microsoft.com/office/drawing/2010/main" val="0"/>
+              </a:ext>
+            </a:extLst>
+          </a:blip>
+          <a:stretch>
+            <a:fillRect/>
+          </a:stretch>
+        </p:blipFill>
+        <p:spPr>
+          <a:xfrm>
+            <a:off x="9534428" y="5901274"/>
+            <a:ext cx="2657572" cy="956726"/>
+          </a:xfrm>
+          <a:prstGeom prst="rect">
+            <a:avLst/>
+          </a:prstGeom>
+        </p:spPr>
+      </p:pic>
+      <p:sp>
+        <p:nvSpPr>
+          <p:cNvPr id="4" name="Slide Number Placeholder 3">
+            <a:extLst>
+              <a:ext uri="{FF2B5EF4-FFF2-40B4-BE49-F238E27FC236}">
+                <a16:creationId xmlns:a16="http://schemas.microsoft.com/office/drawing/2014/main" id="{1CAB8914-5F21-4646-AF50-3B5775EA692A}"/>
+              </a:ext>
+            </a:extLst>
+          </p:cNvPr>
+          <p:cNvSpPr>
+            <a:spLocks noGrp="1"/>
+          </p:cNvSpPr>
+          <p:nvPr>
+            <p:ph type="sldNum" sz="quarter" idx="12"/>
+          </p:nvPr>
+        </p:nvSpPr>
+        <p:spPr/>
+        <p:txBody>
+          <a:bodyPr/>
+          <a:lstStyle/>
+          <a:p>
+            <a:fld id="{0540F40C-19D0-4AE1-B3AF-4A4F01D6E71D}" type="slidenum">
+              <a:rPr lang="en-CA" smtClean="0"/>
+              <a:pPr/>
+              <a:t>38</a:t>
+            </a:fld>
+            <a:endParaRPr lang="en-CA"/>
+          </a:p>
+        </p:txBody>
+      </p:sp>
+      <p:sp>
+        <p:nvSpPr>
+          <p:cNvPr id="7" name="Content Placeholder 2">
+            <a:extLst>
+              <a:ext uri="{FF2B5EF4-FFF2-40B4-BE49-F238E27FC236}">
+                <a16:creationId xmlns:a16="http://schemas.microsoft.com/office/drawing/2014/main" id="{FDD8614D-3C9F-4145-ADD8-FF9322EF72CB}"/>
+              </a:ext>
+            </a:extLst>
+          </p:cNvPr>
+          <p:cNvSpPr txBox="1">
+            <a:spLocks/>
+          </p:cNvSpPr>
+          <p:nvPr/>
+        </p:nvSpPr>
+        <p:spPr>
+          <a:xfrm>
+            <a:off x="571199" y="925047"/>
+            <a:ext cx="8917757" cy="5932953"/>
+          </a:xfrm>
+          <a:prstGeom prst="rect">
+            <a:avLst/>
+          </a:prstGeom>
+        </p:spPr>
+        <p:txBody>
+          <a:bodyPr vert="horz" lIns="91440" tIns="45720" rIns="91440" bIns="45720" rtlCol="0">
+            <a:noAutofit/>
+          </a:bodyPr>
+          <a:lstStyle>
+            <a:lvl1pPr marL="342900" indent="-342900" algn="l" defTabSz="457200" rtl="0" eaLnBrk="1" latinLnBrk="0" hangingPunct="1">
+              <a:spcBef>
+                <a:spcPts val="1000"/>
+              </a:spcBef>
+              <a:spcAft>
+                <a:spcPts val="0"/>
+              </a:spcAft>
+              <a:buClr>
+                <a:schemeClr val="accent1"/>
+              </a:buClr>
+              <a:buSzPct val="80000"/>
+              <a:buFont typeface="Wingdings 3" charset="2"/>
+              <a:buChar char=""/>
+              <a:defRPr sz="1800" kern="1200">
+                <a:solidFill>
+                  <a:schemeClr val="tx1">
+                    <a:lumMod val="75000"/>
+                    <a:lumOff val="25000"/>
+                  </a:schemeClr>
+                </a:solidFill>
+                <a:latin typeface="+mn-lt"/>
+                <a:ea typeface="+mn-ea"/>
+                <a:cs typeface="+mn-cs"/>
+              </a:defRPr>
+            </a:lvl1pPr>
+            <a:lvl2pPr marL="742950" indent="-285750" algn="l" defTabSz="457200" rtl="0" eaLnBrk="1" latinLnBrk="0" hangingPunct="1">
+              <a:spcBef>
+                <a:spcPts val="1000"/>
+              </a:spcBef>
+              <a:spcAft>
+                <a:spcPts val="0"/>
+              </a:spcAft>
+              <a:buClr>
+                <a:schemeClr val="accent1"/>
+              </a:buClr>
+              <a:buSzPct val="80000"/>
+              <a:buFont typeface="Wingdings 3" charset="2"/>
+              <a:buChar char=""/>
+              <a:defRPr sz="1600" kern="1200">
+                <a:solidFill>
+                  <a:schemeClr val="tx1">
+                    <a:lumMod val="75000"/>
+                    <a:lumOff val="25000"/>
+                  </a:schemeClr>
+                </a:solidFill>
+                <a:latin typeface="+mn-lt"/>
+                <a:ea typeface="+mn-ea"/>
+                <a:cs typeface="+mn-cs"/>
+              </a:defRPr>
+            </a:lvl2pPr>
+            <a:lvl3pPr marL="1143000" indent="-228600" algn="l" defTabSz="457200" rtl="0" eaLnBrk="1" latinLnBrk="0" hangingPunct="1">
+              <a:spcBef>
+                <a:spcPts val="1000"/>
+              </a:spcBef>
+              <a:spcAft>
+                <a:spcPts val="0"/>
+              </a:spcAft>
+              <a:buClr>
+                <a:schemeClr val="accent1"/>
+              </a:buClr>
+              <a:buSzPct val="80000"/>
+              <a:buFont typeface="Wingdings 3" charset="2"/>
+              <a:buChar char=""/>
+              <a:defRPr sz="1400" kern="1200">
+                <a:solidFill>
+                  <a:schemeClr val="tx1">
+                    <a:lumMod val="75000"/>
+                    <a:lumOff val="25000"/>
+                  </a:schemeClr>
+                </a:solidFill>
+                <a:latin typeface="+mn-lt"/>
+                <a:ea typeface="+mn-ea"/>
+                <a:cs typeface="+mn-cs"/>
+              </a:defRPr>
+            </a:lvl3pPr>
+            <a:lvl4pPr marL="1600200" indent="-228600" algn="l" defTabSz="457200" rtl="0" eaLnBrk="1" latinLnBrk="0" hangingPunct="1">
+              <a:spcBef>
+                <a:spcPts val="1000"/>
+              </a:spcBef>
+              <a:spcAft>
+                <a:spcPts val="0"/>
+              </a:spcAft>
+              <a:buClr>
+                <a:schemeClr val="accent1"/>
+              </a:buClr>
+              <a:buSzPct val="80000"/>
+              <a:buFont typeface="Wingdings 3" charset="2"/>
+              <a:buChar char=""/>
+              <a:defRPr sz="1200" kern="1200">
+                <a:solidFill>
+                  <a:schemeClr val="tx1">
+                    <a:lumMod val="75000"/>
+                    <a:lumOff val="25000"/>
+                  </a:schemeClr>
+                </a:solidFill>
+                <a:latin typeface="+mn-lt"/>
+                <a:ea typeface="+mn-ea"/>
+                <a:cs typeface="+mn-cs"/>
+              </a:defRPr>
+            </a:lvl4pPr>
+            <a:lvl5pPr marL="2057400" indent="-228600" algn="l" defTabSz="457200" rtl="0" eaLnBrk="1" latinLnBrk="0" hangingPunct="1">
+              <a:spcBef>
+                <a:spcPts val="1000"/>
+              </a:spcBef>
+              <a:spcAft>
+                <a:spcPts val="0"/>
+              </a:spcAft>
+              <a:buClr>
+                <a:schemeClr val="accent1"/>
+              </a:buClr>
+              <a:buSzPct val="80000"/>
+              <a:buFont typeface="Wingdings 3" charset="2"/>
+              <a:buChar char=""/>
+              <a:defRPr sz="1200" kern="1200">
+                <a:solidFill>
+                  <a:schemeClr val="tx1">
+                    <a:lumMod val="75000"/>
+                    <a:lumOff val="25000"/>
+                  </a:schemeClr>
+                </a:solidFill>
+                <a:latin typeface="+mn-lt"/>
+                <a:ea typeface="+mn-ea"/>
+                <a:cs typeface="+mn-cs"/>
+              </a:defRPr>
+            </a:lvl5pPr>
+            <a:lvl6pPr marL="2514600" indent="-228600" algn="l" defTabSz="457200" rtl="0" eaLnBrk="1" latinLnBrk="0" hangingPunct="1">
+              <a:spcBef>
+                <a:spcPts val="1000"/>
+              </a:spcBef>
+              <a:spcAft>
+                <a:spcPts val="0"/>
+              </a:spcAft>
+              <a:buClr>
+                <a:schemeClr val="accent1"/>
+              </a:buClr>
+              <a:buSzPct val="80000"/>
+              <a:buFont typeface="Wingdings 3" charset="2"/>
+              <a:buChar char=""/>
+              <a:defRPr sz="1200" kern="1200">
+                <a:solidFill>
+                  <a:schemeClr val="tx1">
+                    <a:lumMod val="75000"/>
+                    <a:lumOff val="25000"/>
+                  </a:schemeClr>
+                </a:solidFill>
+                <a:latin typeface="+mn-lt"/>
+                <a:ea typeface="+mn-ea"/>
+                <a:cs typeface="+mn-cs"/>
+              </a:defRPr>
+            </a:lvl6pPr>
+            <a:lvl7pPr marL="2971800" indent="-228600" algn="l" defTabSz="457200" rtl="0" eaLnBrk="1" latinLnBrk="0" hangingPunct="1">
+              <a:spcBef>
+                <a:spcPts val="1000"/>
+              </a:spcBef>
+              <a:spcAft>
+                <a:spcPts val="0"/>
+              </a:spcAft>
+              <a:buClr>
+                <a:schemeClr val="accent1"/>
+              </a:buClr>
+              <a:buSzPct val="80000"/>
+              <a:buFont typeface="Wingdings 3" charset="2"/>
+              <a:buChar char=""/>
+              <a:defRPr sz="1200" kern="1200">
+                <a:solidFill>
+                  <a:schemeClr val="tx1">
+                    <a:lumMod val="75000"/>
+                    <a:lumOff val="25000"/>
+                  </a:schemeClr>
+                </a:solidFill>
+                <a:latin typeface="+mn-lt"/>
+                <a:ea typeface="+mn-ea"/>
+                <a:cs typeface="+mn-cs"/>
+              </a:defRPr>
+            </a:lvl7pPr>
+            <a:lvl8pPr marL="3429000" indent="-228600" algn="l" defTabSz="457200" rtl="0" eaLnBrk="1" latinLnBrk="0" hangingPunct="1">
+              <a:spcBef>
+                <a:spcPts val="1000"/>
+              </a:spcBef>
+              <a:spcAft>
+                <a:spcPts val="0"/>
+              </a:spcAft>
+              <a:buClr>
+                <a:schemeClr val="accent1"/>
+              </a:buClr>
+              <a:buSzPct val="80000"/>
+              <a:buFont typeface="Wingdings 3" charset="2"/>
+              <a:buChar char=""/>
+              <a:defRPr sz="1200" kern="1200">
+                <a:solidFill>
+                  <a:schemeClr val="tx1">
+                    <a:lumMod val="75000"/>
+                    <a:lumOff val="25000"/>
+                  </a:schemeClr>
+                </a:solidFill>
+                <a:latin typeface="+mn-lt"/>
+                <a:ea typeface="+mn-ea"/>
+                <a:cs typeface="+mn-cs"/>
+              </a:defRPr>
+            </a:lvl8pPr>
+            <a:lvl9pPr marL="3886200" indent="-228600" algn="l" defTabSz="457200" rtl="0" eaLnBrk="1" latinLnBrk="0" hangingPunct="1">
+              <a:spcBef>
+                <a:spcPts val="1000"/>
+              </a:spcBef>
+              <a:spcAft>
+                <a:spcPts val="0"/>
+              </a:spcAft>
+              <a:buClr>
+                <a:schemeClr val="accent1"/>
+              </a:buClr>
+              <a:buSzPct val="80000"/>
+              <a:buFont typeface="Wingdings 3" charset="2"/>
+              <a:buChar char=""/>
+              <a:defRPr sz="1200" kern="1200">
+                <a:solidFill>
+                  <a:schemeClr val="tx1">
+                    <a:lumMod val="75000"/>
+                    <a:lumOff val="25000"/>
+                  </a:schemeClr>
+                </a:solidFill>
+                <a:latin typeface="+mn-lt"/>
+                <a:ea typeface="+mn-ea"/>
+                <a:cs typeface="+mn-cs"/>
+              </a:defRPr>
+            </a:lvl9pPr>
+          </a:lstStyle>
+          <a:p>
+            <a:r>
+              <a:rPr lang="en-CA" sz="2400" dirty="0">
+                <a:latin typeface="Tw Cen MT" panose="020B0602020104020603" pitchFamily="34" charset="0"/>
+              </a:rPr>
+              <a:t>Below is a comparison of results between </a:t>
+            </a:r>
+            <a:r>
+              <a:rPr lang="en-CA" sz="2400" dirty="0" err="1">
+                <a:latin typeface="Tw Cen MT" panose="020B0602020104020603" pitchFamily="34" charset="0"/>
+              </a:rPr>
+              <a:t>CountVectorizer</a:t>
+            </a:r>
+            <a:r>
+              <a:rPr lang="en-CA" sz="2400" dirty="0">
+                <a:latin typeface="Tw Cen MT" panose="020B0602020104020603" pitchFamily="34" charset="0"/>
+              </a:rPr>
+              <a:t> Bag of     chars for actual data vs feature selected data</a:t>
+            </a:r>
+            <a:endParaRPr lang="en-US" sz="2400" dirty="0">
+              <a:latin typeface="Tw Cen MT" panose="020B0602020104020603" pitchFamily="34" charset="0"/>
+            </a:endParaRPr>
+          </a:p>
+        </p:txBody>
+      </p:sp>
+      <p:pic>
+        <p:nvPicPr>
+          <p:cNvPr id="6" name="Picture 5">
+            <a:extLst>
+              <a:ext uri="{FF2B5EF4-FFF2-40B4-BE49-F238E27FC236}">
+                <a16:creationId xmlns:a16="http://schemas.microsoft.com/office/drawing/2014/main" id="{2CA873FC-7E2B-46D4-8598-E49F352E0250}"/>
+              </a:ext>
+            </a:extLst>
+          </p:cNvPr>
+          <p:cNvPicPr>
+            <a:picLocks noChangeAspect="1"/>
+          </p:cNvPicPr>
+          <p:nvPr/>
+        </p:nvPicPr>
+        <p:blipFill>
+          <a:blip r:embed="rId3"/>
+          <a:stretch>
+            <a:fillRect/>
+          </a:stretch>
+        </p:blipFill>
+        <p:spPr>
+          <a:xfrm>
+            <a:off x="1146113" y="2073168"/>
+            <a:ext cx="7379676" cy="4185012"/>
+          </a:xfrm>
+          <a:prstGeom prst="rect">
+            <a:avLst/>
+          </a:prstGeom>
+        </p:spPr>
+      </p:pic>
+    </p:spTree>
+    <p:extLst>
+      <p:ext uri="{BB962C8B-B14F-4D97-AF65-F5344CB8AC3E}">
+        <p14:creationId xmlns:p14="http://schemas.microsoft.com/office/powerpoint/2010/main" val="3787610909"/>
+      </p:ext>
+    </p:extLst>
+  </p:cSld>
+  <p:clrMapOvr>
+    <a:masterClrMapping/>
+  </p:clrMapOvr>
+</p:sld>
+</file>
+
+<file path=ppt/slides/slide39.xml><?xml version="1.0" encoding="utf-8"?>
+<p:sld xmlns:a="http://schemas.openxmlformats.org/drawingml/2006/main" xmlns:r="http://schemas.openxmlformats.org/officeDocument/2006/relationships" xmlns:p="http://schemas.openxmlformats.org/presentationml/2006/main">
+  <p:cSld>
+    <p:spTree>
+      <p:nvGrpSpPr>
+        <p:cNvPr id="1" name=""/>
+        <p:cNvGrpSpPr/>
+        <p:nvPr/>
+      </p:nvGrpSpPr>
+      <p:grpSpPr>
+        <a:xfrm>
+          <a:off x="0" y="0"/>
+          <a:ext cx="0" cy="0"/>
+          <a:chOff x="0" y="0"/>
+          <a:chExt cx="0" cy="0"/>
+        </a:xfrm>
+      </p:grpSpPr>
+      <p:pic>
+        <p:nvPicPr>
+          <p:cNvPr id="5" name="Picture 4">
+            <a:extLst>
+              <a:ext uri="{FF2B5EF4-FFF2-40B4-BE49-F238E27FC236}">
+                <a16:creationId xmlns:a16="http://schemas.microsoft.com/office/drawing/2014/main" id="{506193B0-D684-41FB-9EE5-3A2300775B91}"/>
+              </a:ext>
+            </a:extLst>
+          </p:cNvPr>
+          <p:cNvPicPr>
+            <a:picLocks noChangeAspect="1"/>
+          </p:cNvPicPr>
+          <p:nvPr/>
+        </p:nvPicPr>
+        <p:blipFill>
+          <a:blip r:embed="rId2">
+            <a:extLst>
+              <a:ext uri="{28A0092B-C50C-407E-A947-70E740481C1C}">
+                <a14:useLocalDpi xmlns:a14="http://schemas.microsoft.com/office/drawing/2010/main" val="0"/>
+              </a:ext>
+            </a:extLst>
+          </a:blip>
+          <a:stretch>
+            <a:fillRect/>
+          </a:stretch>
+        </p:blipFill>
+        <p:spPr>
+          <a:xfrm>
+            <a:off x="9534428" y="5901274"/>
+            <a:ext cx="2657572" cy="956726"/>
+          </a:xfrm>
+          <a:prstGeom prst="rect">
+            <a:avLst/>
+          </a:prstGeom>
+        </p:spPr>
+      </p:pic>
+      <p:sp>
+        <p:nvSpPr>
+          <p:cNvPr id="4" name="Slide Number Placeholder 3">
+            <a:extLst>
+              <a:ext uri="{FF2B5EF4-FFF2-40B4-BE49-F238E27FC236}">
+                <a16:creationId xmlns:a16="http://schemas.microsoft.com/office/drawing/2014/main" id="{1CAB8914-5F21-4646-AF50-3B5775EA692A}"/>
+              </a:ext>
+            </a:extLst>
+          </p:cNvPr>
+          <p:cNvSpPr>
+            <a:spLocks noGrp="1"/>
+          </p:cNvSpPr>
+          <p:nvPr>
+            <p:ph type="sldNum" sz="quarter" idx="12"/>
+          </p:nvPr>
+        </p:nvSpPr>
+        <p:spPr/>
+        <p:txBody>
+          <a:bodyPr/>
+          <a:lstStyle/>
+          <a:p>
+            <a:fld id="{0540F40C-19D0-4AE1-B3AF-4A4F01D6E71D}" type="slidenum">
+              <a:rPr lang="en-CA" smtClean="0"/>
+              <a:pPr/>
+              <a:t>39</a:t>
+            </a:fld>
+            <a:endParaRPr lang="en-CA"/>
+          </a:p>
+        </p:txBody>
+      </p:sp>
+      <p:sp>
+        <p:nvSpPr>
+          <p:cNvPr id="7" name="Content Placeholder 2">
+            <a:extLst>
+              <a:ext uri="{FF2B5EF4-FFF2-40B4-BE49-F238E27FC236}">
+                <a16:creationId xmlns:a16="http://schemas.microsoft.com/office/drawing/2014/main" id="{FDD8614D-3C9F-4145-ADD8-FF9322EF72CB}"/>
+              </a:ext>
+            </a:extLst>
+          </p:cNvPr>
+          <p:cNvSpPr txBox="1">
+            <a:spLocks/>
+          </p:cNvSpPr>
+          <p:nvPr/>
+        </p:nvSpPr>
+        <p:spPr>
+          <a:xfrm>
+            <a:off x="957698" y="2247593"/>
+            <a:ext cx="8917757" cy="2362813"/>
+          </a:xfrm>
+          <a:prstGeom prst="rect">
+            <a:avLst/>
+          </a:prstGeom>
+        </p:spPr>
+        <p:txBody>
+          <a:bodyPr vert="horz" lIns="91440" tIns="45720" rIns="91440" bIns="45720" rtlCol="0">
+            <a:noAutofit/>
+          </a:bodyPr>
+          <a:lstStyle>
+            <a:lvl1pPr marL="342900" indent="-342900" algn="l" defTabSz="457200" rtl="0" eaLnBrk="1" latinLnBrk="0" hangingPunct="1">
+              <a:spcBef>
+                <a:spcPts val="1000"/>
+              </a:spcBef>
+              <a:spcAft>
+                <a:spcPts val="0"/>
+              </a:spcAft>
+              <a:buClr>
+                <a:schemeClr val="accent1"/>
+              </a:buClr>
+              <a:buSzPct val="80000"/>
+              <a:buFont typeface="Wingdings 3" charset="2"/>
+              <a:buChar char=""/>
+              <a:defRPr sz="1800" kern="1200">
+                <a:solidFill>
+                  <a:schemeClr val="tx1">
+                    <a:lumMod val="75000"/>
+                    <a:lumOff val="25000"/>
+                  </a:schemeClr>
+                </a:solidFill>
+                <a:latin typeface="+mn-lt"/>
+                <a:ea typeface="+mn-ea"/>
+                <a:cs typeface="+mn-cs"/>
+              </a:defRPr>
+            </a:lvl1pPr>
+            <a:lvl2pPr marL="742950" indent="-285750" algn="l" defTabSz="457200" rtl="0" eaLnBrk="1" latinLnBrk="0" hangingPunct="1">
+              <a:spcBef>
+                <a:spcPts val="1000"/>
+              </a:spcBef>
+              <a:spcAft>
+                <a:spcPts val="0"/>
+              </a:spcAft>
+              <a:buClr>
+                <a:schemeClr val="accent1"/>
+              </a:buClr>
+              <a:buSzPct val="80000"/>
+              <a:buFont typeface="Wingdings 3" charset="2"/>
+              <a:buChar char=""/>
+              <a:defRPr sz="1600" kern="1200">
+                <a:solidFill>
+                  <a:schemeClr val="tx1">
+                    <a:lumMod val="75000"/>
+                    <a:lumOff val="25000"/>
+                  </a:schemeClr>
+                </a:solidFill>
+                <a:latin typeface="+mn-lt"/>
+                <a:ea typeface="+mn-ea"/>
+                <a:cs typeface="+mn-cs"/>
+              </a:defRPr>
+            </a:lvl2pPr>
+            <a:lvl3pPr marL="1143000" indent="-228600" algn="l" defTabSz="457200" rtl="0" eaLnBrk="1" latinLnBrk="0" hangingPunct="1">
+              <a:spcBef>
+                <a:spcPts val="1000"/>
+              </a:spcBef>
+              <a:spcAft>
+                <a:spcPts val="0"/>
+              </a:spcAft>
+              <a:buClr>
+                <a:schemeClr val="accent1"/>
+              </a:buClr>
+              <a:buSzPct val="80000"/>
+              <a:buFont typeface="Wingdings 3" charset="2"/>
+              <a:buChar char=""/>
+              <a:defRPr sz="1400" kern="1200">
+                <a:solidFill>
+                  <a:schemeClr val="tx1">
+                    <a:lumMod val="75000"/>
+                    <a:lumOff val="25000"/>
+                  </a:schemeClr>
+                </a:solidFill>
+                <a:latin typeface="+mn-lt"/>
+                <a:ea typeface="+mn-ea"/>
+                <a:cs typeface="+mn-cs"/>
+              </a:defRPr>
+            </a:lvl3pPr>
+            <a:lvl4pPr marL="1600200" indent="-228600" algn="l" defTabSz="457200" rtl="0" eaLnBrk="1" latinLnBrk="0" hangingPunct="1">
+              <a:spcBef>
+                <a:spcPts val="1000"/>
+              </a:spcBef>
+              <a:spcAft>
+                <a:spcPts val="0"/>
+              </a:spcAft>
+              <a:buClr>
+                <a:schemeClr val="accent1"/>
+              </a:buClr>
+              <a:buSzPct val="80000"/>
+              <a:buFont typeface="Wingdings 3" charset="2"/>
+              <a:buChar char=""/>
+              <a:defRPr sz="1200" kern="1200">
+                <a:solidFill>
+                  <a:schemeClr val="tx1">
+                    <a:lumMod val="75000"/>
+                    <a:lumOff val="25000"/>
+                  </a:schemeClr>
+                </a:solidFill>
+                <a:latin typeface="+mn-lt"/>
+                <a:ea typeface="+mn-ea"/>
+                <a:cs typeface="+mn-cs"/>
+              </a:defRPr>
+            </a:lvl4pPr>
+            <a:lvl5pPr marL="2057400" indent="-228600" algn="l" defTabSz="457200" rtl="0" eaLnBrk="1" latinLnBrk="0" hangingPunct="1">
+              <a:spcBef>
+                <a:spcPts val="1000"/>
+              </a:spcBef>
+              <a:spcAft>
+                <a:spcPts val="0"/>
+              </a:spcAft>
+              <a:buClr>
+                <a:schemeClr val="accent1"/>
+              </a:buClr>
+              <a:buSzPct val="80000"/>
+              <a:buFont typeface="Wingdings 3" charset="2"/>
+              <a:buChar char=""/>
+              <a:defRPr sz="1200" kern="1200">
+                <a:solidFill>
+                  <a:schemeClr val="tx1">
+                    <a:lumMod val="75000"/>
+                    <a:lumOff val="25000"/>
+                  </a:schemeClr>
+                </a:solidFill>
+                <a:latin typeface="+mn-lt"/>
+                <a:ea typeface="+mn-ea"/>
+                <a:cs typeface="+mn-cs"/>
+              </a:defRPr>
+            </a:lvl5pPr>
+            <a:lvl6pPr marL="2514600" indent="-228600" algn="l" defTabSz="457200" rtl="0" eaLnBrk="1" latinLnBrk="0" hangingPunct="1">
+              <a:spcBef>
+                <a:spcPts val="1000"/>
+              </a:spcBef>
+              <a:spcAft>
+                <a:spcPts val="0"/>
+              </a:spcAft>
+              <a:buClr>
+                <a:schemeClr val="accent1"/>
+              </a:buClr>
+              <a:buSzPct val="80000"/>
+              <a:buFont typeface="Wingdings 3" charset="2"/>
+              <a:buChar char=""/>
+              <a:defRPr sz="1200" kern="1200">
+                <a:solidFill>
+                  <a:schemeClr val="tx1">
+                    <a:lumMod val="75000"/>
+                    <a:lumOff val="25000"/>
+                  </a:schemeClr>
+                </a:solidFill>
+                <a:latin typeface="+mn-lt"/>
+                <a:ea typeface="+mn-ea"/>
+                <a:cs typeface="+mn-cs"/>
+              </a:defRPr>
+            </a:lvl6pPr>
+            <a:lvl7pPr marL="2971800" indent="-228600" algn="l" defTabSz="457200" rtl="0" eaLnBrk="1" latinLnBrk="0" hangingPunct="1">
+              <a:spcBef>
+                <a:spcPts val="1000"/>
+              </a:spcBef>
+              <a:spcAft>
+                <a:spcPts val="0"/>
+              </a:spcAft>
+              <a:buClr>
+                <a:schemeClr val="accent1"/>
+              </a:buClr>
+              <a:buSzPct val="80000"/>
+              <a:buFont typeface="Wingdings 3" charset="2"/>
+              <a:buChar char=""/>
+              <a:defRPr sz="1200" kern="1200">
+                <a:solidFill>
+                  <a:schemeClr val="tx1">
+                    <a:lumMod val="75000"/>
+                    <a:lumOff val="25000"/>
+                  </a:schemeClr>
+                </a:solidFill>
+                <a:latin typeface="+mn-lt"/>
+                <a:ea typeface="+mn-ea"/>
+                <a:cs typeface="+mn-cs"/>
+              </a:defRPr>
+            </a:lvl7pPr>
+            <a:lvl8pPr marL="3429000" indent="-228600" algn="l" defTabSz="457200" rtl="0" eaLnBrk="1" latinLnBrk="0" hangingPunct="1">
+              <a:spcBef>
+                <a:spcPts val="1000"/>
+              </a:spcBef>
+              <a:spcAft>
+                <a:spcPts val="0"/>
+              </a:spcAft>
+              <a:buClr>
+                <a:schemeClr val="accent1"/>
+              </a:buClr>
+              <a:buSzPct val="80000"/>
+              <a:buFont typeface="Wingdings 3" charset="2"/>
+              <a:buChar char=""/>
+              <a:defRPr sz="1200" kern="1200">
+                <a:solidFill>
+                  <a:schemeClr val="tx1">
+                    <a:lumMod val="75000"/>
+                    <a:lumOff val="25000"/>
+                  </a:schemeClr>
+                </a:solidFill>
+                <a:latin typeface="+mn-lt"/>
+                <a:ea typeface="+mn-ea"/>
+                <a:cs typeface="+mn-cs"/>
+              </a:defRPr>
+            </a:lvl8pPr>
+            <a:lvl9pPr marL="3886200" indent="-228600" algn="l" defTabSz="457200" rtl="0" eaLnBrk="1" latinLnBrk="0" hangingPunct="1">
+              <a:spcBef>
+                <a:spcPts val="1000"/>
+              </a:spcBef>
+              <a:spcAft>
+                <a:spcPts val="0"/>
+              </a:spcAft>
+              <a:buClr>
+                <a:schemeClr val="accent1"/>
+              </a:buClr>
+              <a:buSzPct val="80000"/>
+              <a:buFont typeface="Wingdings 3" charset="2"/>
+              <a:buChar char=""/>
+              <a:defRPr sz="1200" kern="1200">
+                <a:solidFill>
+                  <a:schemeClr val="tx1">
+                    <a:lumMod val="75000"/>
+                    <a:lumOff val="25000"/>
+                  </a:schemeClr>
+                </a:solidFill>
+                <a:latin typeface="+mn-lt"/>
+                <a:ea typeface="+mn-ea"/>
+                <a:cs typeface="+mn-cs"/>
+              </a:defRPr>
+            </a:lvl9pPr>
+          </a:lstStyle>
+          <a:p>
+            <a:r>
+              <a:rPr lang="en-CA" sz="2400" dirty="0">
+                <a:latin typeface="Tw Cen MT" panose="020B0602020104020603" pitchFamily="34" charset="0"/>
+              </a:rPr>
+              <a:t>We will continue feature selection with other feature selection methods to better determine the significance of it to our project</a:t>
+            </a:r>
+          </a:p>
+          <a:p>
+            <a:endParaRPr lang="en-CA" sz="2400" dirty="0">
+              <a:latin typeface="Tw Cen MT" panose="020B0602020104020603" pitchFamily="34" charset="0"/>
+            </a:endParaRPr>
+          </a:p>
+          <a:p>
+            <a:r>
+              <a:rPr lang="en-CA" sz="2400" dirty="0">
+                <a:latin typeface="Tw Cen MT" panose="020B0602020104020603" pitchFamily="34" charset="0"/>
+              </a:rPr>
+              <a:t>We will continue to build other classification models like Logistic Regression, Naïve Bayes &amp; Decision Trees</a:t>
+            </a:r>
+            <a:endParaRPr lang="en-US" sz="2400" dirty="0">
+              <a:latin typeface="Tw Cen MT" panose="020B0602020104020603" pitchFamily="34" charset="0"/>
+            </a:endParaRPr>
+          </a:p>
+        </p:txBody>
+      </p:sp>
+      <p:sp>
+        <p:nvSpPr>
+          <p:cNvPr id="9" name="Title 8">
+            <a:extLst>
+              <a:ext uri="{FF2B5EF4-FFF2-40B4-BE49-F238E27FC236}">
+                <a16:creationId xmlns:a16="http://schemas.microsoft.com/office/drawing/2014/main" id="{ADBF2C03-63E1-4787-8297-2D6103036655}"/>
+              </a:ext>
+            </a:extLst>
+          </p:cNvPr>
+          <p:cNvSpPr>
+            <a:spLocks noGrp="1"/>
+          </p:cNvSpPr>
+          <p:nvPr>
+            <p:ph type="title"/>
+          </p:nvPr>
+        </p:nvSpPr>
+        <p:spPr>
+          <a:xfrm>
+            <a:off x="784811" y="1967060"/>
+            <a:ext cx="8596668" cy="1320800"/>
+          </a:xfrm>
+        </p:spPr>
+        <p:txBody>
+          <a:bodyPr/>
+          <a:lstStyle/>
+          <a:p>
+            <a:r>
+              <a:rPr lang="en-CA" dirty="0"/>
+              <a:t> </a:t>
+            </a:r>
+          </a:p>
+        </p:txBody>
+      </p:sp>
+      <p:sp>
+        <p:nvSpPr>
+          <p:cNvPr id="11" name="Content Placeholder 10">
+            <a:extLst>
+              <a:ext uri="{FF2B5EF4-FFF2-40B4-BE49-F238E27FC236}">
+                <a16:creationId xmlns:a16="http://schemas.microsoft.com/office/drawing/2014/main" id="{13D8B40B-34E2-4559-8A0C-761CFE379E31}"/>
+              </a:ext>
+            </a:extLst>
+          </p:cNvPr>
+          <p:cNvSpPr>
+            <a:spLocks noGrp="1"/>
+          </p:cNvSpPr>
+          <p:nvPr>
+            <p:ph idx="1"/>
+          </p:nvPr>
+        </p:nvSpPr>
+        <p:spPr>
+          <a:xfrm>
+            <a:off x="645604" y="4272193"/>
+            <a:ext cx="8596668" cy="3880773"/>
+          </a:xfrm>
+        </p:spPr>
+        <p:txBody>
+          <a:bodyPr/>
+          <a:lstStyle/>
+          <a:p>
+            <a:pPr marL="0" indent="0">
+              <a:buNone/>
+            </a:pPr>
+            <a:r>
+              <a:rPr lang="en-CA" dirty="0"/>
+              <a:t> </a:t>
+            </a:r>
+          </a:p>
+        </p:txBody>
+      </p:sp>
+    </p:spTree>
+    <p:extLst>
+      <p:ext uri="{BB962C8B-B14F-4D97-AF65-F5344CB8AC3E}">
+        <p14:creationId xmlns:p14="http://schemas.microsoft.com/office/powerpoint/2010/main" val="3638820100"/>
       </p:ext>
     </p:extLst>
   </p:cSld>
